--- a/lectures/Lect05_Lasso.pptx
+++ b/lectures/Lect05_Lasso.pptx
@@ -5,61 +5,69 @@
     <p:sldMasterId id="2147483648" r:id="rId1"/>
   </p:sldMasterIdLst>
   <p:notesMasterIdLst>
-    <p:notesMasterId r:id="rId54"/>
+    <p:notesMasterId r:id="rId62"/>
   </p:notesMasterIdLst>
   <p:sldIdLst>
     <p:sldId id="258" r:id="rId2"/>
     <p:sldId id="275" r:id="rId3"/>
     <p:sldId id="406" r:id="rId4"/>
-    <p:sldId id="358" r:id="rId5"/>
-    <p:sldId id="359" r:id="rId6"/>
-    <p:sldId id="360" r:id="rId7"/>
-    <p:sldId id="361" r:id="rId8"/>
-    <p:sldId id="399" r:id="rId9"/>
-    <p:sldId id="413" r:id="rId10"/>
-    <p:sldId id="400" r:id="rId11"/>
-    <p:sldId id="402" r:id="rId12"/>
-    <p:sldId id="404" r:id="rId13"/>
-    <p:sldId id="265" r:id="rId14"/>
-    <p:sldId id="403" r:id="rId15"/>
-    <p:sldId id="411" r:id="rId16"/>
-    <p:sldId id="414" r:id="rId17"/>
-    <p:sldId id="364" r:id="rId18"/>
-    <p:sldId id="363" r:id="rId19"/>
-    <p:sldId id="365" r:id="rId20"/>
-    <p:sldId id="395" r:id="rId21"/>
-    <p:sldId id="366" r:id="rId22"/>
-    <p:sldId id="367" r:id="rId23"/>
-    <p:sldId id="377" r:id="rId24"/>
-    <p:sldId id="378" r:id="rId25"/>
-    <p:sldId id="379" r:id="rId26"/>
-    <p:sldId id="380" r:id="rId27"/>
-    <p:sldId id="369" r:id="rId28"/>
-    <p:sldId id="368" r:id="rId29"/>
-    <p:sldId id="370" r:id="rId30"/>
-    <p:sldId id="371" r:id="rId31"/>
-    <p:sldId id="372" r:id="rId32"/>
-    <p:sldId id="393" r:id="rId33"/>
-    <p:sldId id="415" r:id="rId34"/>
-    <p:sldId id="386" r:id="rId35"/>
-    <p:sldId id="373" r:id="rId36"/>
-    <p:sldId id="374" r:id="rId37"/>
-    <p:sldId id="385" r:id="rId38"/>
-    <p:sldId id="416" r:id="rId39"/>
-    <p:sldId id="381" r:id="rId40"/>
-    <p:sldId id="382" r:id="rId41"/>
-    <p:sldId id="396" r:id="rId42"/>
-    <p:sldId id="384" r:id="rId43"/>
-    <p:sldId id="383" r:id="rId44"/>
-    <p:sldId id="388" r:id="rId45"/>
-    <p:sldId id="390" r:id="rId46"/>
-    <p:sldId id="391" r:id="rId47"/>
-    <p:sldId id="392" r:id="rId48"/>
-    <p:sldId id="397" r:id="rId49"/>
-    <p:sldId id="398" r:id="rId50"/>
-    <p:sldId id="417" r:id="rId51"/>
-    <p:sldId id="418" r:id="rId52"/>
-    <p:sldId id="412" r:id="rId53"/>
+    <p:sldId id="419" r:id="rId5"/>
+    <p:sldId id="420" r:id="rId6"/>
+    <p:sldId id="421" r:id="rId7"/>
+    <p:sldId id="422" r:id="rId8"/>
+    <p:sldId id="423" r:id="rId9"/>
+    <p:sldId id="424" r:id="rId10"/>
+    <p:sldId id="425" r:id="rId11"/>
+    <p:sldId id="430" r:id="rId12"/>
+    <p:sldId id="426" r:id="rId13"/>
+    <p:sldId id="427" r:id="rId14"/>
+    <p:sldId id="428" r:id="rId15"/>
+    <p:sldId id="429" r:id="rId16"/>
+    <p:sldId id="431" r:id="rId17"/>
+    <p:sldId id="413" r:id="rId18"/>
+    <p:sldId id="400" r:id="rId19"/>
+    <p:sldId id="402" r:id="rId20"/>
+    <p:sldId id="404" r:id="rId21"/>
+    <p:sldId id="265" r:id="rId22"/>
+    <p:sldId id="403" r:id="rId23"/>
+    <p:sldId id="411" r:id="rId24"/>
+    <p:sldId id="414" r:id="rId25"/>
+    <p:sldId id="364" r:id="rId26"/>
+    <p:sldId id="363" r:id="rId27"/>
+    <p:sldId id="365" r:id="rId28"/>
+    <p:sldId id="395" r:id="rId29"/>
+    <p:sldId id="366" r:id="rId30"/>
+    <p:sldId id="367" r:id="rId31"/>
+    <p:sldId id="377" r:id="rId32"/>
+    <p:sldId id="378" r:id="rId33"/>
+    <p:sldId id="379" r:id="rId34"/>
+    <p:sldId id="380" r:id="rId35"/>
+    <p:sldId id="369" r:id="rId36"/>
+    <p:sldId id="368" r:id="rId37"/>
+    <p:sldId id="370" r:id="rId38"/>
+    <p:sldId id="371" r:id="rId39"/>
+    <p:sldId id="372" r:id="rId40"/>
+    <p:sldId id="393" r:id="rId41"/>
+    <p:sldId id="415" r:id="rId42"/>
+    <p:sldId id="386" r:id="rId43"/>
+    <p:sldId id="373" r:id="rId44"/>
+    <p:sldId id="374" r:id="rId45"/>
+    <p:sldId id="385" r:id="rId46"/>
+    <p:sldId id="416" r:id="rId47"/>
+    <p:sldId id="381" r:id="rId48"/>
+    <p:sldId id="382" r:id="rId49"/>
+    <p:sldId id="396" r:id="rId50"/>
+    <p:sldId id="384" r:id="rId51"/>
+    <p:sldId id="383" r:id="rId52"/>
+    <p:sldId id="388" r:id="rId53"/>
+    <p:sldId id="390" r:id="rId54"/>
+    <p:sldId id="391" r:id="rId55"/>
+    <p:sldId id="392" r:id="rId56"/>
+    <p:sldId id="397" r:id="rId57"/>
+    <p:sldId id="398" r:id="rId58"/>
+    <p:sldId id="417" r:id="rId59"/>
+    <p:sldId id="418" r:id="rId60"/>
+    <p:sldId id="412" r:id="rId61"/>
   </p:sldIdLst>
   <p:sldSz cx="12192000" cy="6858000"/>
   <p:notesSz cx="7315200" cy="9601200"/>
@@ -287,7 +295,7 @@
           <a:p>
             <a:fld id="{B7D6DDD3-D7E9-488B-B626-1E8285E424D8}" type="datetimeFigureOut">
               <a:rPr lang="en-US" smtClean="0"/>
-              <a:t>2/12/2019</a:t>
+              <a:t>9/13/2020</a:t>
             </a:fld>
             <a:endParaRPr lang="en-US"/>
           </a:p>
@@ -871,7 +879,7 @@
           <a:p>
             <a:fld id="{65CF6084-2C3C-4FE7-B181-D16A3429058A}" type="slidenum">
               <a:rPr lang="en-US" smtClean="0"/>
-              <a:t>9</a:t>
+              <a:t>17</a:t>
             </a:fld>
             <a:endParaRPr lang="en-US"/>
           </a:p>
@@ -955,7 +963,7 @@
           <a:p>
             <a:fld id="{65CF6084-2C3C-4FE7-B181-D16A3429058A}" type="slidenum">
               <a:rPr lang="en-US" smtClean="0"/>
-              <a:t>16</a:t>
+              <a:t>24</a:t>
             </a:fld>
             <a:endParaRPr lang="en-US"/>
           </a:p>
@@ -1039,7 +1047,7 @@
           <a:p>
             <a:fld id="{65CF6084-2C3C-4FE7-B181-D16A3429058A}" type="slidenum">
               <a:rPr lang="en-US" smtClean="0"/>
-              <a:t>33</a:t>
+              <a:t>41</a:t>
             </a:fld>
             <a:endParaRPr lang="en-US"/>
           </a:p>
@@ -1123,7 +1131,7 @@
           <a:p>
             <a:fld id="{65CF6084-2C3C-4FE7-B181-D16A3429058A}" type="slidenum">
               <a:rPr lang="en-US" smtClean="0"/>
-              <a:t>38</a:t>
+              <a:t>46</a:t>
             </a:fld>
             <a:endParaRPr lang="en-US"/>
           </a:p>
@@ -1207,7 +1215,7 @@
           <a:p>
             <a:fld id="{65CF6084-2C3C-4FE7-B181-D16A3429058A}" type="slidenum">
               <a:rPr lang="en-US" smtClean="0"/>
-              <a:t>50</a:t>
+              <a:t>58</a:t>
             </a:fld>
             <a:endParaRPr lang="en-US"/>
           </a:p>
@@ -1291,7 +1299,7 @@
           <a:p>
             <a:fld id="{65CF6084-2C3C-4FE7-B181-D16A3429058A}" type="slidenum">
               <a:rPr lang="en-US" smtClean="0"/>
-              <a:t>52</a:t>
+              <a:t>60</a:t>
             </a:fld>
             <a:endParaRPr lang="en-US"/>
           </a:p>
@@ -4953,6 +4961,2473 @@
           <p:cNvPr id="2" name="Title 1">
             <a:extLst>
               <a:ext uri="{FF2B5EF4-FFF2-40B4-BE49-F238E27FC236}">
+                <a16:creationId xmlns:a16="http://schemas.microsoft.com/office/drawing/2014/main" id="{6E2A2125-057D-4DCF-84DE-383572BD0345}"/>
+              </a:ext>
+            </a:extLst>
+          </p:cNvPr>
+          <p:cNvSpPr>
+            <a:spLocks noGrp="1"/>
+          </p:cNvSpPr>
+          <p:nvPr>
+            <p:ph type="title"/>
+          </p:nvPr>
+        </p:nvSpPr>
+        <p:spPr/>
+        <p:txBody>
+          <a:bodyPr/>
+          <a:lstStyle/>
+          <a:p>
+            <a:r>
+              <a:rPr lang="en-US" dirty="0"/>
+              <a:t>One Hot Coding</a:t>
+            </a:r>
+          </a:p>
+        </p:txBody>
+      </p:sp>
+      <p:sp>
+        <p:nvSpPr>
+          <p:cNvPr id="3" name="Content Placeholder 2">
+            <a:extLst>
+              <a:ext uri="{FF2B5EF4-FFF2-40B4-BE49-F238E27FC236}">
+                <a16:creationId xmlns:a16="http://schemas.microsoft.com/office/drawing/2014/main" id="{B3A0ED79-B40F-4D00-88F0-8FE2A6E1819B}"/>
+              </a:ext>
+            </a:extLst>
+          </p:cNvPr>
+          <p:cNvSpPr>
+            <a:spLocks noGrp="1"/>
+          </p:cNvSpPr>
+          <p:nvPr>
+            <p:ph idx="1"/>
+          </p:nvPr>
+        </p:nvSpPr>
+        <p:spPr>
+          <a:xfrm>
+            <a:off x="755062" y="3821942"/>
+            <a:ext cx="4739727" cy="1966462"/>
+          </a:xfrm>
+        </p:spPr>
+        <p:txBody>
+          <a:bodyPr/>
+          <a:lstStyle/>
+          <a:p>
+            <a:r>
+              <a:rPr lang="en-US" dirty="0"/>
+              <a:t>Use pandas </a:t>
+            </a:r>
+            <a:r>
+              <a:rPr lang="en-US" dirty="0" err="1"/>
+              <a:t>get_dummies</a:t>
+            </a:r>
+            <a:endParaRPr lang="en-US" dirty="0"/>
+          </a:p>
+          <a:p>
+            <a:r>
+              <a:rPr lang="en-US" dirty="0"/>
+              <a:t>Replaces categorical variables</a:t>
+            </a:r>
+            <a:br>
+              <a:rPr lang="en-US" dirty="0"/>
+            </a:br>
+            <a:r>
+              <a:rPr lang="en-US" dirty="0"/>
+              <a:t>  with one-hot coded values</a:t>
+            </a:r>
+          </a:p>
+          <a:p>
+            <a:pPr lvl="1"/>
+            <a:r>
+              <a:rPr lang="en-US" dirty="0"/>
+              <a:t>Ex:  </a:t>
+            </a:r>
+            <a:r>
+              <a:rPr lang="en-US" dirty="0" err="1"/>
+              <a:t>MSZoning</a:t>
+            </a:r>
+            <a:endParaRPr lang="en-US" dirty="0"/>
+          </a:p>
+          <a:p>
+            <a:pPr lvl="1"/>
+            <a:r>
+              <a:rPr lang="en-US" dirty="0"/>
+              <a:t>Becomes </a:t>
+            </a:r>
+            <a:r>
+              <a:rPr lang="en-US" dirty="0" err="1"/>
+              <a:t>MSZoning_FV</a:t>
+            </a:r>
+            <a:r>
+              <a:rPr lang="en-US" dirty="0"/>
+              <a:t>, </a:t>
+            </a:r>
+            <a:r>
+              <a:rPr lang="en-US" dirty="0" err="1"/>
+              <a:t>MSZoning_RH</a:t>
+            </a:r>
+            <a:r>
+              <a:rPr lang="en-US" dirty="0"/>
+              <a:t>, …</a:t>
+            </a:r>
+          </a:p>
+        </p:txBody>
+      </p:sp>
+      <p:sp>
+        <p:nvSpPr>
+          <p:cNvPr id="4" name="Slide Number Placeholder 3">
+            <a:extLst>
+              <a:ext uri="{FF2B5EF4-FFF2-40B4-BE49-F238E27FC236}">
+                <a16:creationId xmlns:a16="http://schemas.microsoft.com/office/drawing/2014/main" id="{9383C6DE-1EC3-48FA-9740-66B355F713FD}"/>
+              </a:ext>
+            </a:extLst>
+          </p:cNvPr>
+          <p:cNvSpPr>
+            <a:spLocks noGrp="1"/>
+          </p:cNvSpPr>
+          <p:nvPr>
+            <p:ph type="sldNum" sz="quarter" idx="12"/>
+          </p:nvPr>
+        </p:nvSpPr>
+        <p:spPr/>
+        <p:txBody>
+          <a:bodyPr/>
+          <a:lstStyle/>
+          <a:p>
+            <a:fld id="{629637A9-119A-49DA-BD12-AAC58B377D80}" type="slidenum">
+              <a:rPr lang="en-US" smtClean="0"/>
+              <a:t>10</a:t>
+            </a:fld>
+            <a:endParaRPr lang="en-US" dirty="0"/>
+          </a:p>
+        </p:txBody>
+      </p:sp>
+      <p:pic>
+        <p:nvPicPr>
+          <p:cNvPr id="5" name="Picture 4">
+            <a:extLst>
+              <a:ext uri="{FF2B5EF4-FFF2-40B4-BE49-F238E27FC236}">
+                <a16:creationId xmlns:a16="http://schemas.microsoft.com/office/drawing/2014/main" id="{12F4E19D-EEF8-4629-851C-CE9E578CDAC6}"/>
+              </a:ext>
+            </a:extLst>
+          </p:cNvPr>
+          <p:cNvPicPr>
+            <a:picLocks noChangeAspect="1"/>
+          </p:cNvPicPr>
+          <p:nvPr/>
+        </p:nvPicPr>
+        <p:blipFill>
+          <a:blip r:embed="rId2"/>
+          <a:stretch>
+            <a:fillRect/>
+          </a:stretch>
+        </p:blipFill>
+        <p:spPr>
+          <a:xfrm>
+            <a:off x="5764181" y="3768132"/>
+            <a:ext cx="4238625" cy="1066800"/>
+          </a:xfrm>
+          <a:prstGeom prst="rect">
+            <a:avLst/>
+          </a:prstGeom>
+        </p:spPr>
+      </p:pic>
+      <p:pic>
+        <p:nvPicPr>
+          <p:cNvPr id="6" name="Picture 5">
+            <a:extLst>
+              <a:ext uri="{FF2B5EF4-FFF2-40B4-BE49-F238E27FC236}">
+                <a16:creationId xmlns:a16="http://schemas.microsoft.com/office/drawing/2014/main" id="{34DE38AA-FF25-4A0C-83E0-0C09ABD3DBF0}"/>
+              </a:ext>
+            </a:extLst>
+          </p:cNvPr>
+          <p:cNvPicPr>
+            <a:picLocks noChangeAspect="1"/>
+          </p:cNvPicPr>
+          <p:nvPr/>
+        </p:nvPicPr>
+        <p:blipFill>
+          <a:blip r:embed="rId3"/>
+          <a:stretch>
+            <a:fillRect/>
+          </a:stretch>
+        </p:blipFill>
+        <p:spPr>
+          <a:xfrm>
+            <a:off x="855825" y="1838640"/>
+            <a:ext cx="4095750" cy="1600200"/>
+          </a:xfrm>
+          <a:prstGeom prst="rect">
+            <a:avLst/>
+          </a:prstGeom>
+        </p:spPr>
+      </p:pic>
+      <p:pic>
+        <p:nvPicPr>
+          <p:cNvPr id="7" name="Picture 6">
+            <a:extLst>
+              <a:ext uri="{FF2B5EF4-FFF2-40B4-BE49-F238E27FC236}">
+                <a16:creationId xmlns:a16="http://schemas.microsoft.com/office/drawing/2014/main" id="{1AAB625F-9BEF-4B1F-B84F-083DF1A1E6A1}"/>
+              </a:ext>
+            </a:extLst>
+          </p:cNvPr>
+          <p:cNvPicPr>
+            <a:picLocks noChangeAspect="1"/>
+          </p:cNvPicPr>
+          <p:nvPr/>
+        </p:nvPicPr>
+        <p:blipFill rotWithShape="1">
+          <a:blip r:embed="rId4"/>
+          <a:srcRect l="-1" r="-1" b="14386"/>
+          <a:stretch/>
+        </p:blipFill>
+        <p:spPr>
+          <a:xfrm>
+            <a:off x="5665085" y="1865293"/>
+            <a:ext cx="4700019" cy="1490303"/>
+          </a:xfrm>
+          <a:prstGeom prst="rect">
+            <a:avLst/>
+          </a:prstGeom>
+        </p:spPr>
+      </p:pic>
+      <p:sp>
+        <p:nvSpPr>
+          <p:cNvPr id="8" name="TextBox 7">
+            <a:extLst>
+              <a:ext uri="{FF2B5EF4-FFF2-40B4-BE49-F238E27FC236}">
+                <a16:creationId xmlns:a16="http://schemas.microsoft.com/office/drawing/2014/main" id="{DE459CEE-F2D5-4448-A758-4472D9DE6066}"/>
+              </a:ext>
+            </a:extLst>
+          </p:cNvPr>
+          <p:cNvSpPr txBox="1"/>
+          <p:nvPr/>
+        </p:nvSpPr>
+        <p:spPr>
+          <a:xfrm>
+            <a:off x="950805" y="1495961"/>
+            <a:ext cx="917239" cy="369332"/>
+          </a:xfrm>
+          <a:prstGeom prst="rect">
+            <a:avLst/>
+          </a:prstGeom>
+          <a:noFill/>
+        </p:spPr>
+        <p:txBody>
+          <a:bodyPr wrap="none" rtlCol="0">
+            <a:spAutoFit/>
+          </a:bodyPr>
+          <a:lstStyle/>
+          <a:p>
+            <a:r>
+              <a:rPr lang="en-US" dirty="0">
+                <a:solidFill>
+                  <a:schemeClr val="accent1">
+                    <a:lumMod val="60000"/>
+                    <a:lumOff val="40000"/>
+                  </a:schemeClr>
+                </a:solidFill>
+              </a:rPr>
+              <a:t>Original</a:t>
+            </a:r>
+          </a:p>
+        </p:txBody>
+      </p:sp>
+      <p:sp>
+        <p:nvSpPr>
+          <p:cNvPr id="10" name="TextBox 9">
+            <a:extLst>
+              <a:ext uri="{FF2B5EF4-FFF2-40B4-BE49-F238E27FC236}">
+                <a16:creationId xmlns:a16="http://schemas.microsoft.com/office/drawing/2014/main" id="{F22B5FC4-B45F-43A7-B24D-826A62E6CA23}"/>
+              </a:ext>
+            </a:extLst>
+          </p:cNvPr>
+          <p:cNvSpPr txBox="1"/>
+          <p:nvPr/>
+        </p:nvSpPr>
+        <p:spPr>
+          <a:xfrm>
+            <a:off x="5784262" y="1494323"/>
+            <a:ext cx="1599797" cy="369332"/>
+          </a:xfrm>
+          <a:prstGeom prst="rect">
+            <a:avLst/>
+          </a:prstGeom>
+          <a:noFill/>
+        </p:spPr>
+        <p:txBody>
+          <a:bodyPr wrap="none" rtlCol="0">
+            <a:spAutoFit/>
+          </a:bodyPr>
+          <a:lstStyle/>
+          <a:p>
+            <a:r>
+              <a:rPr lang="en-US" dirty="0">
+                <a:solidFill>
+                  <a:schemeClr val="accent1">
+                    <a:lumMod val="60000"/>
+                    <a:lumOff val="40000"/>
+                  </a:schemeClr>
+                </a:solidFill>
+              </a:rPr>
+              <a:t>One Hot coded</a:t>
+            </a:r>
+          </a:p>
+        </p:txBody>
+      </p:sp>
+    </p:spTree>
+    <p:extLst>
+      <p:ext uri="{BB962C8B-B14F-4D97-AF65-F5344CB8AC3E}">
+        <p14:creationId xmlns:p14="http://schemas.microsoft.com/office/powerpoint/2010/main" val="2401747424"/>
+      </p:ext>
+    </p:extLst>
+  </p:cSld>
+  <p:clrMapOvr>
+    <a:masterClrMapping/>
+  </p:clrMapOvr>
+</p:sld>
+</file>
+
+<file path=ppt/slides/slide11.xml><?xml version="1.0" encoding="utf-8"?>
+<p:sld xmlns:a="http://schemas.openxmlformats.org/drawingml/2006/main" xmlns:r="http://schemas.openxmlformats.org/officeDocument/2006/relationships" xmlns:p="http://schemas.openxmlformats.org/presentationml/2006/main">
+  <p:cSld>
+    <p:spTree>
+      <p:nvGrpSpPr>
+        <p:cNvPr id="1" name=""/>
+        <p:cNvGrpSpPr/>
+        <p:nvPr/>
+      </p:nvGrpSpPr>
+      <p:grpSpPr>
+        <a:xfrm>
+          <a:off x="0" y="0"/>
+          <a:ext cx="0" cy="0"/>
+          <a:chOff x="0" y="0"/>
+          <a:chExt cx="0" cy="0"/>
+        </a:xfrm>
+      </p:grpSpPr>
+      <p:sp>
+        <p:nvSpPr>
+          <p:cNvPr id="2" name="Title 1">
+            <a:extLst>
+              <a:ext uri="{FF2B5EF4-FFF2-40B4-BE49-F238E27FC236}">
+                <a16:creationId xmlns:a16="http://schemas.microsoft.com/office/drawing/2014/main" id="{C93E3D0B-1CFE-499C-A48A-1DFB47B5D0D4}"/>
+              </a:ext>
+            </a:extLst>
+          </p:cNvPr>
+          <p:cNvSpPr>
+            <a:spLocks noGrp="1"/>
+          </p:cNvSpPr>
+          <p:nvPr>
+            <p:ph type="title"/>
+          </p:nvPr>
+        </p:nvSpPr>
+        <p:spPr/>
+        <p:txBody>
+          <a:bodyPr/>
+          <a:lstStyle/>
+          <a:p>
+            <a:r>
+              <a:rPr lang="en-US" dirty="0"/>
+              <a:t>Scaling Data</a:t>
+            </a:r>
+          </a:p>
+        </p:txBody>
+      </p:sp>
+      <p:sp>
+        <p:nvSpPr>
+          <p:cNvPr id="3" name="Content Placeholder 2">
+            <a:extLst>
+              <a:ext uri="{FF2B5EF4-FFF2-40B4-BE49-F238E27FC236}">
+                <a16:creationId xmlns:a16="http://schemas.microsoft.com/office/drawing/2014/main" id="{CD1139E5-442E-4778-A160-584BDCAEDF18}"/>
+              </a:ext>
+            </a:extLst>
+          </p:cNvPr>
+          <p:cNvSpPr>
+            <a:spLocks noGrp="1"/>
+          </p:cNvSpPr>
+          <p:nvPr>
+            <p:ph idx="1"/>
+          </p:nvPr>
+        </p:nvSpPr>
+        <p:spPr>
+          <a:xfrm>
+            <a:off x="1097280" y="1539277"/>
+            <a:ext cx="4308438" cy="4329817"/>
+          </a:xfrm>
+        </p:spPr>
+        <p:txBody>
+          <a:bodyPr/>
+          <a:lstStyle/>
+          <a:p>
+            <a:r>
+              <a:rPr lang="en-US" dirty="0"/>
+              <a:t>Split data into training and test</a:t>
+            </a:r>
+          </a:p>
+          <a:p>
+            <a:r>
+              <a:rPr lang="en-US" dirty="0"/>
+              <a:t>Scale data </a:t>
+            </a:r>
+          </a:p>
+          <a:p>
+            <a:pPr lvl="1"/>
+            <a:r>
+              <a:rPr lang="en-US" dirty="0"/>
+              <a:t>Remove mean and variance</a:t>
+            </a:r>
+          </a:p>
+          <a:p>
+            <a:r>
+              <a:rPr lang="en-US" dirty="0"/>
+              <a:t>Needed to compare coefficients</a:t>
+            </a:r>
+          </a:p>
+          <a:p>
+            <a:pPr lvl="1"/>
+            <a:r>
+              <a:rPr lang="en-US" dirty="0"/>
+              <a:t>Ensures that all variables have same range</a:t>
+            </a:r>
+          </a:p>
+          <a:p>
+            <a:r>
+              <a:rPr lang="en-US" dirty="0"/>
+              <a:t>Note:  The scaling transform is</a:t>
+            </a:r>
+          </a:p>
+          <a:p>
+            <a:pPr lvl="1"/>
+            <a:r>
+              <a:rPr lang="en-US" dirty="0"/>
+              <a:t>Fit on the training data</a:t>
+            </a:r>
+          </a:p>
+          <a:p>
+            <a:pPr lvl="1"/>
+            <a:r>
+              <a:rPr lang="en-US" dirty="0"/>
+              <a:t>Performed on training and test</a:t>
+            </a:r>
+          </a:p>
+        </p:txBody>
+      </p:sp>
+      <p:sp>
+        <p:nvSpPr>
+          <p:cNvPr id="4" name="Slide Number Placeholder 3">
+            <a:extLst>
+              <a:ext uri="{FF2B5EF4-FFF2-40B4-BE49-F238E27FC236}">
+                <a16:creationId xmlns:a16="http://schemas.microsoft.com/office/drawing/2014/main" id="{75066468-B913-4EFC-A82F-AD53409EB207}"/>
+              </a:ext>
+            </a:extLst>
+          </p:cNvPr>
+          <p:cNvSpPr>
+            <a:spLocks noGrp="1"/>
+          </p:cNvSpPr>
+          <p:nvPr>
+            <p:ph type="sldNum" sz="quarter" idx="12"/>
+          </p:nvPr>
+        </p:nvSpPr>
+        <p:spPr/>
+        <p:txBody>
+          <a:bodyPr/>
+          <a:lstStyle/>
+          <a:p>
+            <a:fld id="{629637A9-119A-49DA-BD12-AAC58B377D80}" type="slidenum">
+              <a:rPr lang="en-US" smtClean="0"/>
+              <a:t>11</a:t>
+            </a:fld>
+            <a:endParaRPr lang="en-US" dirty="0"/>
+          </a:p>
+        </p:txBody>
+      </p:sp>
+      <p:pic>
+        <p:nvPicPr>
+          <p:cNvPr id="5" name="Picture 4">
+            <a:extLst>
+              <a:ext uri="{FF2B5EF4-FFF2-40B4-BE49-F238E27FC236}">
+                <a16:creationId xmlns:a16="http://schemas.microsoft.com/office/drawing/2014/main" id="{38950D46-0D01-445D-BB3E-2D169658DE2D}"/>
+              </a:ext>
+            </a:extLst>
+          </p:cNvPr>
+          <p:cNvPicPr>
+            <a:picLocks noChangeAspect="1"/>
+          </p:cNvPicPr>
+          <p:nvPr/>
+        </p:nvPicPr>
+        <p:blipFill>
+          <a:blip r:embed="rId2"/>
+          <a:stretch>
+            <a:fillRect/>
+          </a:stretch>
+        </p:blipFill>
+        <p:spPr>
+          <a:xfrm>
+            <a:off x="6918611" y="2645324"/>
+            <a:ext cx="3924300" cy="2314575"/>
+          </a:xfrm>
+          <a:prstGeom prst="rect">
+            <a:avLst/>
+          </a:prstGeom>
+        </p:spPr>
+      </p:pic>
+      <p:pic>
+        <p:nvPicPr>
+          <p:cNvPr id="6" name="Picture 5">
+            <a:extLst>
+              <a:ext uri="{FF2B5EF4-FFF2-40B4-BE49-F238E27FC236}">
+                <a16:creationId xmlns:a16="http://schemas.microsoft.com/office/drawing/2014/main" id="{DB530990-BEAD-473C-A2BF-DEED83C369B9}"/>
+              </a:ext>
+            </a:extLst>
+          </p:cNvPr>
+          <p:cNvPicPr>
+            <a:picLocks noChangeAspect="1"/>
+          </p:cNvPicPr>
+          <p:nvPr/>
+        </p:nvPicPr>
+        <p:blipFill>
+          <a:blip r:embed="rId3"/>
+          <a:stretch>
+            <a:fillRect/>
+          </a:stretch>
+        </p:blipFill>
+        <p:spPr>
+          <a:xfrm>
+            <a:off x="6936105" y="1662779"/>
+            <a:ext cx="4219575" cy="628650"/>
+          </a:xfrm>
+          <a:prstGeom prst="rect">
+            <a:avLst/>
+          </a:prstGeom>
+        </p:spPr>
+      </p:pic>
+    </p:spTree>
+    <p:extLst>
+      <p:ext uri="{BB962C8B-B14F-4D97-AF65-F5344CB8AC3E}">
+        <p14:creationId xmlns:p14="http://schemas.microsoft.com/office/powerpoint/2010/main" val="535429094"/>
+      </p:ext>
+    </p:extLst>
+  </p:cSld>
+  <p:clrMapOvr>
+    <a:masterClrMapping/>
+  </p:clrMapOvr>
+</p:sld>
+</file>
+
+<file path=ppt/slides/slide12.xml><?xml version="1.0" encoding="utf-8"?>
+<p:sld xmlns:a="http://schemas.openxmlformats.org/drawingml/2006/main" xmlns:r="http://schemas.openxmlformats.org/officeDocument/2006/relationships" xmlns:p="http://schemas.openxmlformats.org/presentationml/2006/main">
+  <p:cSld>
+    <p:spTree>
+      <p:nvGrpSpPr>
+        <p:cNvPr id="1" name=""/>
+        <p:cNvGrpSpPr/>
+        <p:nvPr/>
+      </p:nvGrpSpPr>
+      <p:grpSpPr>
+        <a:xfrm>
+          <a:off x="0" y="0"/>
+          <a:ext cx="0" cy="0"/>
+          <a:chOff x="0" y="0"/>
+          <a:chExt cx="0" cy="0"/>
+        </a:xfrm>
+      </p:grpSpPr>
+      <p:sp>
+        <p:nvSpPr>
+          <p:cNvPr id="2" name="Title 1">
+            <a:extLst>
+              <a:ext uri="{FF2B5EF4-FFF2-40B4-BE49-F238E27FC236}">
+                <a16:creationId xmlns:a16="http://schemas.microsoft.com/office/drawing/2014/main" id="{87674354-8549-428C-A5B3-24311BFE7197}"/>
+              </a:ext>
+            </a:extLst>
+          </p:cNvPr>
+          <p:cNvSpPr>
+            <a:spLocks noGrp="1"/>
+          </p:cNvSpPr>
+          <p:nvPr>
+            <p:ph type="title"/>
+          </p:nvPr>
+        </p:nvSpPr>
+        <p:spPr/>
+        <p:txBody>
+          <a:bodyPr/>
+          <a:lstStyle/>
+          <a:p>
+            <a:r>
+              <a:rPr lang="en-US" dirty="0"/>
+              <a:t>First Try:  Linear Regression</a:t>
+            </a:r>
+          </a:p>
+        </p:txBody>
+      </p:sp>
+      <mc:AlternateContent xmlns:mc="http://schemas.openxmlformats.org/markup-compatibility/2006">
+        <mc:Choice xmlns:a14="http://schemas.microsoft.com/office/drawing/2010/main" Requires="a14">
+          <p:sp>
+            <p:nvSpPr>
+              <p:cNvPr id="3" name="Content Placeholder 2">
+                <a:extLst>
+                  <a:ext uri="{FF2B5EF4-FFF2-40B4-BE49-F238E27FC236}">
+                    <a16:creationId xmlns:a16="http://schemas.microsoft.com/office/drawing/2014/main" id="{2BF04122-994C-4509-9C3B-E1926719F8F1}"/>
+                  </a:ext>
+                </a:extLst>
+              </p:cNvPr>
+              <p:cNvSpPr>
+                <a:spLocks noGrp="1"/>
+              </p:cNvSpPr>
+              <p:nvPr>
+                <p:ph idx="1"/>
+              </p:nvPr>
+            </p:nvSpPr>
+            <p:spPr>
+              <a:xfrm>
+                <a:off x="5961529" y="1539277"/>
+                <a:ext cx="5194150" cy="4329817"/>
+              </a:xfrm>
+            </p:spPr>
+            <p:txBody>
+              <a:bodyPr/>
+              <a:lstStyle/>
+              <a:p>
+                <a:r>
+                  <a:rPr lang="en-US" dirty="0"/>
+                  <a:t>Simple idea:</a:t>
+                </a:r>
+              </a:p>
+              <a:p>
+                <a:pPr lvl="1"/>
+                <a:r>
+                  <a:rPr lang="en-US" dirty="0"/>
+                  <a:t>Use linear regression over features</a:t>
+                </a:r>
+              </a:p>
+              <a:p>
+                <a:r>
+                  <a:rPr lang="en-US" dirty="0"/>
+                  <a:t>Fits the training data very well!</a:t>
+                </a:r>
+              </a:p>
+              <a:p>
+                <a:pPr lvl="1"/>
+                <a:r>
+                  <a:rPr lang="en-US" dirty="0"/>
+                  <a:t>R^2 </a:t>
+                </a:r>
+                <a14:m>
+                  <m:oMath xmlns:m="http://schemas.openxmlformats.org/officeDocument/2006/math">
+                    <m:r>
+                      <a:rPr lang="es-ES" b="0" i="1" smtClean="0">
+                        <a:latin typeface="Cambria Math" panose="02040503050406030204" pitchFamily="18" charset="0"/>
+                      </a:rPr>
+                      <m:t>≈0.937</m:t>
+                    </m:r>
+                  </m:oMath>
+                </a14:m>
+                <a:endParaRPr lang="en-US" dirty="0"/>
+              </a:p>
+              <a:p>
+                <a:pPr lvl="1"/>
+                <a:endParaRPr lang="en-US" dirty="0"/>
+              </a:p>
+              <a:p>
+                <a:r>
+                  <a:rPr lang="en-US" dirty="0"/>
+                  <a:t>But, completely fails on the test data</a:t>
+                </a:r>
+              </a:p>
+              <a:p>
+                <a:pPr lvl="1"/>
+                <a14:m>
+                  <m:oMath xmlns:m="http://schemas.openxmlformats.org/officeDocument/2006/math">
+                    <m:sSup>
+                      <m:sSupPr>
+                        <m:ctrlPr>
+                          <a:rPr lang="es-ES" b="0" i="1" smtClean="0">
+                            <a:latin typeface="Cambria Math" panose="02040503050406030204" pitchFamily="18" charset="0"/>
+                          </a:rPr>
+                        </m:ctrlPr>
+                      </m:sSupPr>
+                      <m:e>
+                        <m:r>
+                          <a:rPr lang="es-ES" b="0" i="1" smtClean="0">
+                            <a:latin typeface="Cambria Math" panose="02040503050406030204" pitchFamily="18" charset="0"/>
+                          </a:rPr>
+                          <m:t>𝑅</m:t>
+                        </m:r>
+                      </m:e>
+                      <m:sup>
+                        <m:r>
+                          <a:rPr lang="es-ES" b="0" i="1" smtClean="0">
+                            <a:latin typeface="Cambria Math" panose="02040503050406030204" pitchFamily="18" charset="0"/>
+                          </a:rPr>
+                          <m:t>2</m:t>
+                        </m:r>
+                      </m:sup>
+                    </m:sSup>
+                    <m:r>
+                      <a:rPr lang="es-ES" b="0" i="1" smtClean="0">
+                        <a:latin typeface="Cambria Math" panose="02040503050406030204" pitchFamily="18" charset="0"/>
+                      </a:rPr>
+                      <m:t>&gt;</m:t>
+                    </m:r>
+                    <m:sSup>
+                      <m:sSupPr>
+                        <m:ctrlPr>
+                          <a:rPr lang="es-ES" b="0" i="1" smtClean="0">
+                            <a:latin typeface="Cambria Math" panose="02040503050406030204" pitchFamily="18" charset="0"/>
+                          </a:rPr>
+                        </m:ctrlPr>
+                      </m:sSupPr>
+                      <m:e>
+                        <m:r>
+                          <a:rPr lang="es-ES" b="0" i="1" smtClean="0">
+                            <a:latin typeface="Cambria Math" panose="02040503050406030204" pitchFamily="18" charset="0"/>
+                          </a:rPr>
+                          <m:t>10</m:t>
+                        </m:r>
+                      </m:e>
+                      <m:sup>
+                        <m:r>
+                          <a:rPr lang="es-ES" b="0" i="1" smtClean="0">
+                            <a:latin typeface="Cambria Math" panose="02040503050406030204" pitchFamily="18" charset="0"/>
+                          </a:rPr>
+                          <m:t>20</m:t>
+                        </m:r>
+                      </m:sup>
+                    </m:sSup>
+                  </m:oMath>
+                </a14:m>
+                <a:endParaRPr lang="en-US" dirty="0"/>
+              </a:p>
+              <a:p>
+                <a:pPr lvl="1"/>
+                <a:endParaRPr lang="en-US" dirty="0"/>
+              </a:p>
+            </p:txBody>
+          </p:sp>
+        </mc:Choice>
+        <mc:Fallback>
+          <p:sp>
+            <p:nvSpPr>
+              <p:cNvPr id="3" name="Content Placeholder 2">
+                <a:extLst>
+                  <a:ext uri="{FF2B5EF4-FFF2-40B4-BE49-F238E27FC236}">
+                    <a16:creationId xmlns:a16="http://schemas.microsoft.com/office/drawing/2014/main" id="{2BF04122-994C-4509-9C3B-E1926719F8F1}"/>
+                  </a:ext>
+                </a:extLst>
+              </p:cNvPr>
+              <p:cNvSpPr>
+                <a:spLocks noGrp="1" noRot="1" noChangeAspect="1" noMove="1" noResize="1" noEditPoints="1" noAdjustHandles="1" noChangeArrowheads="1" noChangeShapeType="1" noTextEdit="1"/>
+              </p:cNvSpPr>
+              <p:nvPr>
+                <p:ph idx="1"/>
+              </p:nvPr>
+            </p:nvSpPr>
+            <p:spPr>
+              <a:xfrm>
+                <a:off x="5961529" y="1539277"/>
+                <a:ext cx="5194150" cy="4329817"/>
+              </a:xfrm>
+              <a:blipFill>
+                <a:blip r:embed="rId2"/>
+                <a:stretch>
+                  <a:fillRect l="-2817" t="-1549"/>
+                </a:stretch>
+              </a:blipFill>
+            </p:spPr>
+            <p:txBody>
+              <a:bodyPr/>
+              <a:lstStyle/>
+              <a:p>
+                <a:r>
+                  <a:rPr lang="en-US">
+                    <a:noFill/>
+                  </a:rPr>
+                  <a:t> </a:t>
+                </a:r>
+              </a:p>
+            </p:txBody>
+          </p:sp>
+        </mc:Fallback>
+      </mc:AlternateContent>
+      <p:sp>
+        <p:nvSpPr>
+          <p:cNvPr id="4" name="Slide Number Placeholder 3">
+            <a:extLst>
+              <a:ext uri="{FF2B5EF4-FFF2-40B4-BE49-F238E27FC236}">
+                <a16:creationId xmlns:a16="http://schemas.microsoft.com/office/drawing/2014/main" id="{C0ED0FD5-696D-40EC-969F-0B8BF47A5D07}"/>
+              </a:ext>
+            </a:extLst>
+          </p:cNvPr>
+          <p:cNvSpPr>
+            <a:spLocks noGrp="1"/>
+          </p:cNvSpPr>
+          <p:nvPr>
+            <p:ph type="sldNum" sz="quarter" idx="12"/>
+          </p:nvPr>
+        </p:nvSpPr>
+        <p:spPr/>
+        <p:txBody>
+          <a:bodyPr/>
+          <a:lstStyle/>
+          <a:p>
+            <a:fld id="{629637A9-119A-49DA-BD12-AAC58B377D80}" type="slidenum">
+              <a:rPr lang="en-US" smtClean="0"/>
+              <a:t>12</a:t>
+            </a:fld>
+            <a:endParaRPr lang="en-US" dirty="0"/>
+          </a:p>
+        </p:txBody>
+      </p:sp>
+      <p:pic>
+        <p:nvPicPr>
+          <p:cNvPr id="6" name="Picture 5">
+            <a:extLst>
+              <a:ext uri="{FF2B5EF4-FFF2-40B4-BE49-F238E27FC236}">
+                <a16:creationId xmlns:a16="http://schemas.microsoft.com/office/drawing/2014/main" id="{1E58D92B-44ED-4786-8791-48663098C472}"/>
+              </a:ext>
+            </a:extLst>
+          </p:cNvPr>
+          <p:cNvPicPr>
+            <a:picLocks noChangeAspect="1"/>
+          </p:cNvPicPr>
+          <p:nvPr/>
+        </p:nvPicPr>
+        <p:blipFill>
+          <a:blip r:embed="rId3"/>
+          <a:stretch>
+            <a:fillRect/>
+          </a:stretch>
+        </p:blipFill>
+        <p:spPr>
+          <a:xfrm>
+            <a:off x="1097280" y="1509606"/>
+            <a:ext cx="4343400" cy="2847975"/>
+          </a:xfrm>
+          <a:prstGeom prst="rect">
+            <a:avLst/>
+          </a:prstGeom>
+        </p:spPr>
+      </p:pic>
+      <p:pic>
+        <p:nvPicPr>
+          <p:cNvPr id="7" name="Picture 6">
+            <a:extLst>
+              <a:ext uri="{FF2B5EF4-FFF2-40B4-BE49-F238E27FC236}">
+                <a16:creationId xmlns:a16="http://schemas.microsoft.com/office/drawing/2014/main" id="{6EFDB647-DC32-4EE7-A393-B1DB972BE3E5}"/>
+              </a:ext>
+            </a:extLst>
+          </p:cNvPr>
+          <p:cNvPicPr>
+            <a:picLocks noChangeAspect="1"/>
+          </p:cNvPicPr>
+          <p:nvPr/>
+        </p:nvPicPr>
+        <p:blipFill>
+          <a:blip r:embed="rId4"/>
+          <a:stretch>
+            <a:fillRect/>
+          </a:stretch>
+        </p:blipFill>
+        <p:spPr>
+          <a:xfrm>
+            <a:off x="1097279" y="4540373"/>
+            <a:ext cx="4359991" cy="883274"/>
+          </a:xfrm>
+          <a:prstGeom prst="rect">
+            <a:avLst/>
+          </a:prstGeom>
+        </p:spPr>
+      </p:pic>
+    </p:spTree>
+    <p:extLst>
+      <p:ext uri="{BB962C8B-B14F-4D97-AF65-F5344CB8AC3E}">
+        <p14:creationId xmlns:p14="http://schemas.microsoft.com/office/powerpoint/2010/main" val="3466385283"/>
+      </p:ext>
+    </p:extLst>
+  </p:cSld>
+  <p:clrMapOvr>
+    <a:masterClrMapping/>
+  </p:clrMapOvr>
+</p:sld>
+</file>
+
+<file path=ppt/slides/slide13.xml><?xml version="1.0" encoding="utf-8"?>
+<p:sld xmlns:a="http://schemas.openxmlformats.org/drawingml/2006/main" xmlns:r="http://schemas.openxmlformats.org/officeDocument/2006/relationships" xmlns:p="http://schemas.openxmlformats.org/presentationml/2006/main">
+  <p:cSld>
+    <p:spTree>
+      <p:nvGrpSpPr>
+        <p:cNvPr id="1" name=""/>
+        <p:cNvGrpSpPr/>
+        <p:nvPr/>
+      </p:nvGrpSpPr>
+      <p:grpSpPr>
+        <a:xfrm>
+          <a:off x="0" y="0"/>
+          <a:ext cx="0" cy="0"/>
+          <a:chOff x="0" y="0"/>
+          <a:chExt cx="0" cy="0"/>
+        </a:xfrm>
+      </p:grpSpPr>
+      <p:sp>
+        <p:nvSpPr>
+          <p:cNvPr id="2" name="Title 1">
+            <a:extLst>
+              <a:ext uri="{FF2B5EF4-FFF2-40B4-BE49-F238E27FC236}">
+                <a16:creationId xmlns:a16="http://schemas.microsoft.com/office/drawing/2014/main" id="{2C337448-6B74-4F66-BDBE-4868FCA803B9}"/>
+              </a:ext>
+            </a:extLst>
+          </p:cNvPr>
+          <p:cNvSpPr>
+            <a:spLocks noGrp="1"/>
+          </p:cNvSpPr>
+          <p:nvPr>
+            <p:ph type="title"/>
+          </p:nvPr>
+        </p:nvSpPr>
+        <p:spPr/>
+        <p:txBody>
+          <a:bodyPr/>
+          <a:lstStyle/>
+          <a:p>
+            <a:r>
+              <a:rPr lang="en-US" dirty="0"/>
+              <a:t>Conditioning</a:t>
+            </a:r>
+          </a:p>
+        </p:txBody>
+      </p:sp>
+      <mc:AlternateContent xmlns:mc="http://schemas.openxmlformats.org/markup-compatibility/2006">
+        <mc:Choice xmlns:a14="http://schemas.microsoft.com/office/drawing/2010/main" Requires="a14">
+          <p:sp>
+            <p:nvSpPr>
+              <p:cNvPr id="3" name="Content Placeholder 2">
+                <a:extLst>
+                  <a:ext uri="{FF2B5EF4-FFF2-40B4-BE49-F238E27FC236}">
+                    <a16:creationId xmlns:a16="http://schemas.microsoft.com/office/drawing/2014/main" id="{8F7B6898-4856-42B8-B239-96932961F179}"/>
+                  </a:ext>
+                </a:extLst>
+              </p:cNvPr>
+              <p:cNvSpPr>
+                <a:spLocks noGrp="1"/>
+              </p:cNvSpPr>
+              <p:nvPr>
+                <p:ph idx="1"/>
+              </p:nvPr>
+            </p:nvSpPr>
+            <p:spPr/>
+            <p:txBody>
+              <a:bodyPr/>
+              <a:lstStyle/>
+              <a:p>
+                <a:r>
+                  <a:rPr lang="en-US" dirty="0"/>
+                  <a:t>What went wrong?</a:t>
+                </a:r>
+              </a:p>
+              <a:p>
+                <a:r>
+                  <a:rPr lang="en-US" dirty="0"/>
+                  <a:t>Recall LS solution is:  </a:t>
+                </a:r>
+                <a14:m>
+                  <m:oMath xmlns:m="http://schemas.openxmlformats.org/officeDocument/2006/math">
+                    <m:acc>
+                      <m:accPr>
+                        <m:chr m:val="̂"/>
+                        <m:ctrlPr>
+                          <a:rPr lang="en-US" i="1" smtClean="0">
+                            <a:latin typeface="Cambria Math" panose="02040503050406030204" pitchFamily="18" charset="0"/>
+                          </a:rPr>
+                        </m:ctrlPr>
+                      </m:accPr>
+                      <m:e>
+                        <m:r>
+                          <a:rPr lang="es-ES" b="0" i="1" smtClean="0">
+                            <a:latin typeface="Cambria Math" panose="02040503050406030204" pitchFamily="18" charset="0"/>
+                          </a:rPr>
+                          <m:t>𝛽</m:t>
+                        </m:r>
+                      </m:e>
+                    </m:acc>
+                    <m:r>
+                      <a:rPr lang="es-ES" b="0" i="1" smtClean="0">
+                        <a:latin typeface="Cambria Math" panose="02040503050406030204" pitchFamily="18" charset="0"/>
+                      </a:rPr>
+                      <m:t>=</m:t>
+                    </m:r>
+                    <m:sSup>
+                      <m:sSupPr>
+                        <m:ctrlPr>
+                          <a:rPr lang="es-ES" b="0" i="1" smtClean="0">
+                            <a:latin typeface="Cambria Math" panose="02040503050406030204" pitchFamily="18" charset="0"/>
+                          </a:rPr>
+                        </m:ctrlPr>
+                      </m:sSupPr>
+                      <m:e>
+                        <m:d>
+                          <m:dPr>
+                            <m:ctrlPr>
+                              <a:rPr lang="es-ES" b="0" i="1" smtClean="0">
+                                <a:latin typeface="Cambria Math" panose="02040503050406030204" pitchFamily="18" charset="0"/>
+                              </a:rPr>
+                            </m:ctrlPr>
+                          </m:dPr>
+                          <m:e>
+                            <m:sSup>
+                              <m:sSupPr>
+                                <m:ctrlPr>
+                                  <a:rPr lang="es-ES" b="0" i="1" smtClean="0">
+                                    <a:latin typeface="Cambria Math" panose="02040503050406030204" pitchFamily="18" charset="0"/>
+                                  </a:rPr>
+                                </m:ctrlPr>
+                              </m:sSupPr>
+                              <m:e>
+                                <m:r>
+                                  <a:rPr lang="es-ES" b="0" i="1" smtClean="0">
+                                    <a:latin typeface="Cambria Math" panose="02040503050406030204" pitchFamily="18" charset="0"/>
+                                  </a:rPr>
+                                  <m:t>𝐴</m:t>
+                                </m:r>
+                              </m:e>
+                              <m:sup>
+                                <m:r>
+                                  <a:rPr lang="es-ES" b="0" i="1" smtClean="0">
+                                    <a:latin typeface="Cambria Math" panose="02040503050406030204" pitchFamily="18" charset="0"/>
+                                  </a:rPr>
+                                  <m:t>𝑇</m:t>
+                                </m:r>
+                              </m:sup>
+                            </m:sSup>
+                            <m:r>
+                              <a:rPr lang="es-ES" b="0" i="1" smtClean="0">
+                                <a:latin typeface="Cambria Math" panose="02040503050406030204" pitchFamily="18" charset="0"/>
+                              </a:rPr>
+                              <m:t>𝐴</m:t>
+                            </m:r>
+                          </m:e>
+                        </m:d>
+                      </m:e>
+                      <m:sup>
+                        <m:r>
+                          <a:rPr lang="es-ES" b="0" i="1" smtClean="0">
+                            <a:latin typeface="Cambria Math" panose="02040503050406030204" pitchFamily="18" charset="0"/>
+                          </a:rPr>
+                          <m:t>−1</m:t>
+                        </m:r>
+                      </m:sup>
+                    </m:sSup>
+                    <m:sSup>
+                      <m:sSupPr>
+                        <m:ctrlPr>
+                          <a:rPr lang="es-ES" b="0" i="1" smtClean="0">
+                            <a:latin typeface="Cambria Math" panose="02040503050406030204" pitchFamily="18" charset="0"/>
+                          </a:rPr>
+                        </m:ctrlPr>
+                      </m:sSupPr>
+                      <m:e>
+                        <m:r>
+                          <a:rPr lang="es-ES" b="0" i="1" smtClean="0">
+                            <a:latin typeface="Cambria Math" panose="02040503050406030204" pitchFamily="18" charset="0"/>
+                          </a:rPr>
+                          <m:t>𝐴</m:t>
+                        </m:r>
+                      </m:e>
+                      <m:sup>
+                        <m:r>
+                          <a:rPr lang="es-ES" b="0" i="1" smtClean="0">
+                            <a:latin typeface="Cambria Math" panose="02040503050406030204" pitchFamily="18" charset="0"/>
+                          </a:rPr>
+                          <m:t>𝑇</m:t>
+                        </m:r>
+                      </m:sup>
+                    </m:sSup>
+                    <m:r>
+                      <a:rPr lang="es-ES" b="0" i="1" smtClean="0">
+                        <a:latin typeface="Cambria Math" panose="02040503050406030204" pitchFamily="18" charset="0"/>
+                      </a:rPr>
+                      <m:t>𝑦</m:t>
+                    </m:r>
+                  </m:oMath>
+                </a14:m>
+                <a:endParaRPr lang="en-US" dirty="0"/>
+              </a:p>
+              <a:p>
+                <a:r>
+                  <a:rPr lang="en-US" dirty="0"/>
+                  <a:t>Matrix </a:t>
+                </a:r>
+                <a14:m>
+                  <m:oMath xmlns:m="http://schemas.openxmlformats.org/officeDocument/2006/math">
+                    <m:sSup>
+                      <m:sSupPr>
+                        <m:ctrlPr>
+                          <a:rPr lang="es-ES" b="0" i="1" smtClean="0">
+                            <a:latin typeface="Cambria Math" panose="02040503050406030204" pitchFamily="18" charset="0"/>
+                          </a:rPr>
+                        </m:ctrlPr>
+                      </m:sSupPr>
+                      <m:e>
+                        <m:r>
+                          <a:rPr lang="es-ES" b="0" i="1" smtClean="0">
+                            <a:latin typeface="Cambria Math" panose="02040503050406030204" pitchFamily="18" charset="0"/>
+                          </a:rPr>
+                          <m:t>𝐴</m:t>
+                        </m:r>
+                      </m:e>
+                      <m:sup>
+                        <m:r>
+                          <a:rPr lang="es-ES" b="0" i="1" smtClean="0">
+                            <a:latin typeface="Cambria Math" panose="02040503050406030204" pitchFamily="18" charset="0"/>
+                          </a:rPr>
+                          <m:t>𝑇</m:t>
+                        </m:r>
+                      </m:sup>
+                    </m:sSup>
+                    <m:r>
+                      <a:rPr lang="es-ES" b="0" i="1" smtClean="0">
+                        <a:latin typeface="Cambria Math" panose="02040503050406030204" pitchFamily="18" charset="0"/>
+                      </a:rPr>
+                      <m:t>𝐴</m:t>
+                    </m:r>
+                  </m:oMath>
+                </a14:m>
+                <a:r>
+                  <a:rPr lang="en-US" dirty="0"/>
+                  <a:t> may be ill-conditioned</a:t>
+                </a:r>
+              </a:p>
+              <a:p>
+                <a:pPr lvl="1"/>
+                <a:r>
+                  <a:rPr lang="en-US" dirty="0"/>
+                  <a:t>Eigenvalues close to zero</a:t>
+                </a:r>
+              </a:p>
+              <a:p>
+                <a:pPr lvl="1"/>
+                <a:r>
+                  <a:rPr lang="en-US" dirty="0"/>
+                  <a:t>Inverse blows up</a:t>
+                </a:r>
+              </a:p>
+              <a:p>
+                <a:r>
+                  <a:rPr lang="en-US" dirty="0"/>
+                  <a:t>With ill-conditioned data:</a:t>
+                </a:r>
+              </a:p>
+              <a:p>
+                <a:pPr lvl="1"/>
+                <a:r>
+                  <a:rPr lang="en-US" dirty="0"/>
+                  <a:t>Training error is fine</a:t>
+                </a:r>
+              </a:p>
+              <a:p>
+                <a:pPr lvl="1"/>
+                <a:r>
+                  <a:rPr lang="en-US" dirty="0"/>
+                  <a:t>But, the test error blows up</a:t>
+                </a:r>
+              </a:p>
+              <a:p>
+                <a:r>
+                  <a:rPr lang="en-US" dirty="0"/>
+                  <a:t>Overfits data</a:t>
+                </a:r>
+              </a:p>
+              <a:p>
+                <a:endParaRPr lang="en-US" dirty="0"/>
+              </a:p>
+            </p:txBody>
+          </p:sp>
+        </mc:Choice>
+        <mc:Fallback>
+          <p:sp>
+            <p:nvSpPr>
+              <p:cNvPr id="3" name="Content Placeholder 2">
+                <a:extLst>
+                  <a:ext uri="{FF2B5EF4-FFF2-40B4-BE49-F238E27FC236}">
+                    <a16:creationId xmlns:a16="http://schemas.microsoft.com/office/drawing/2014/main" id="{8F7B6898-4856-42B8-B239-96932961F179}"/>
+                  </a:ext>
+                </a:extLst>
+              </p:cNvPr>
+              <p:cNvSpPr>
+                <a:spLocks noGrp="1" noRot="1" noChangeAspect="1" noMove="1" noResize="1" noEditPoints="1" noAdjustHandles="1" noChangeArrowheads="1" noChangeShapeType="1" noTextEdit="1"/>
+              </p:cNvSpPr>
+              <p:nvPr>
+                <p:ph idx="1"/>
+              </p:nvPr>
+            </p:nvSpPr>
+            <p:spPr>
+              <a:blipFill>
+                <a:blip r:embed="rId2"/>
+                <a:stretch>
+                  <a:fillRect l="-1455" t="-1549"/>
+                </a:stretch>
+              </a:blipFill>
+            </p:spPr>
+            <p:txBody>
+              <a:bodyPr/>
+              <a:lstStyle/>
+              <a:p>
+                <a:r>
+                  <a:rPr lang="en-US">
+                    <a:noFill/>
+                  </a:rPr>
+                  <a:t> </a:t>
+                </a:r>
+              </a:p>
+            </p:txBody>
+          </p:sp>
+        </mc:Fallback>
+      </mc:AlternateContent>
+      <p:sp>
+        <p:nvSpPr>
+          <p:cNvPr id="4" name="Slide Number Placeholder 3">
+            <a:extLst>
+              <a:ext uri="{FF2B5EF4-FFF2-40B4-BE49-F238E27FC236}">
+                <a16:creationId xmlns:a16="http://schemas.microsoft.com/office/drawing/2014/main" id="{9D5DAB87-F106-4F90-92F7-03199656367D}"/>
+              </a:ext>
+            </a:extLst>
+          </p:cNvPr>
+          <p:cNvSpPr>
+            <a:spLocks noGrp="1"/>
+          </p:cNvSpPr>
+          <p:nvPr>
+            <p:ph type="sldNum" sz="quarter" idx="12"/>
+          </p:nvPr>
+        </p:nvSpPr>
+        <p:spPr/>
+        <p:txBody>
+          <a:bodyPr/>
+          <a:lstStyle/>
+          <a:p>
+            <a:fld id="{629637A9-119A-49DA-BD12-AAC58B377D80}" type="slidenum">
+              <a:rPr lang="en-US" smtClean="0"/>
+              <a:t>13</a:t>
+            </a:fld>
+            <a:endParaRPr lang="en-US" dirty="0"/>
+          </a:p>
+        </p:txBody>
+      </p:sp>
+      <p:pic>
+        <p:nvPicPr>
+          <p:cNvPr id="6" name="Picture 5">
+            <a:extLst>
+              <a:ext uri="{FF2B5EF4-FFF2-40B4-BE49-F238E27FC236}">
+                <a16:creationId xmlns:a16="http://schemas.microsoft.com/office/drawing/2014/main" id="{C6E3EA77-8542-4D31-8490-4FE4F5AD19BF}"/>
+              </a:ext>
+            </a:extLst>
+          </p:cNvPr>
+          <p:cNvPicPr>
+            <a:picLocks noChangeAspect="1"/>
+          </p:cNvPicPr>
+          <p:nvPr/>
+        </p:nvPicPr>
+        <p:blipFill>
+          <a:blip r:embed="rId3"/>
+          <a:stretch>
+            <a:fillRect/>
+          </a:stretch>
+        </p:blipFill>
+        <p:spPr>
+          <a:xfrm>
+            <a:off x="6795690" y="1539277"/>
+            <a:ext cx="4343400" cy="2847975"/>
+          </a:xfrm>
+          <a:prstGeom prst="rect">
+            <a:avLst/>
+          </a:prstGeom>
+        </p:spPr>
+      </p:pic>
+      <p:pic>
+        <p:nvPicPr>
+          <p:cNvPr id="8" name="Picture 7">
+            <a:extLst>
+              <a:ext uri="{FF2B5EF4-FFF2-40B4-BE49-F238E27FC236}">
+                <a16:creationId xmlns:a16="http://schemas.microsoft.com/office/drawing/2014/main" id="{9FC21B8D-71D9-45D3-9841-0D8FCA3AD0D8}"/>
+              </a:ext>
+            </a:extLst>
+          </p:cNvPr>
+          <p:cNvPicPr>
+            <a:picLocks noChangeAspect="1"/>
+          </p:cNvPicPr>
+          <p:nvPr/>
+        </p:nvPicPr>
+        <p:blipFill>
+          <a:blip r:embed="rId4"/>
+          <a:stretch>
+            <a:fillRect/>
+          </a:stretch>
+        </p:blipFill>
+        <p:spPr>
+          <a:xfrm>
+            <a:off x="6795689" y="4570044"/>
+            <a:ext cx="4359991" cy="883274"/>
+          </a:xfrm>
+          <a:prstGeom prst="rect">
+            <a:avLst/>
+          </a:prstGeom>
+        </p:spPr>
+      </p:pic>
+    </p:spTree>
+    <p:extLst>
+      <p:ext uri="{BB962C8B-B14F-4D97-AF65-F5344CB8AC3E}">
+        <p14:creationId xmlns:p14="http://schemas.microsoft.com/office/powerpoint/2010/main" val="967949598"/>
+      </p:ext>
+    </p:extLst>
+  </p:cSld>
+  <p:clrMapOvr>
+    <a:masterClrMapping/>
+  </p:clrMapOvr>
+</p:sld>
+</file>
+
+<file path=ppt/slides/slide14.xml><?xml version="1.0" encoding="utf-8"?>
+<p:sld xmlns:a="http://schemas.openxmlformats.org/drawingml/2006/main" xmlns:r="http://schemas.openxmlformats.org/officeDocument/2006/relationships" xmlns:p="http://schemas.openxmlformats.org/presentationml/2006/main">
+  <p:cSld>
+    <p:spTree>
+      <p:nvGrpSpPr>
+        <p:cNvPr id="1" name=""/>
+        <p:cNvGrpSpPr/>
+        <p:nvPr/>
+      </p:nvGrpSpPr>
+      <p:grpSpPr>
+        <a:xfrm>
+          <a:off x="0" y="0"/>
+          <a:ext cx="0" cy="0"/>
+          <a:chOff x="0" y="0"/>
+          <a:chExt cx="0" cy="0"/>
+        </a:xfrm>
+      </p:grpSpPr>
+      <p:sp>
+        <p:nvSpPr>
+          <p:cNvPr id="2" name="Title 1">
+            <a:extLst>
+              <a:ext uri="{FF2B5EF4-FFF2-40B4-BE49-F238E27FC236}">
+                <a16:creationId xmlns:a16="http://schemas.microsoft.com/office/drawing/2014/main" id="{2C337448-6B74-4F66-BDBE-4868FCA803B9}"/>
+              </a:ext>
+            </a:extLst>
+          </p:cNvPr>
+          <p:cNvSpPr>
+            <a:spLocks noGrp="1"/>
+          </p:cNvSpPr>
+          <p:nvPr>
+            <p:ph type="title"/>
+          </p:nvPr>
+        </p:nvSpPr>
+        <p:spPr/>
+        <p:txBody>
+          <a:bodyPr>
+            <a:normAutofit fontScale="90000"/>
+          </a:bodyPr>
+          <a:lstStyle/>
+          <a:p>
+            <a:r>
+              <a:rPr lang="en-US" dirty="0"/>
+              <a:t>Improving Conditioning via Ridge Regression</a:t>
+            </a:r>
+          </a:p>
+        </p:txBody>
+      </p:sp>
+      <mc:AlternateContent xmlns:mc="http://schemas.openxmlformats.org/markup-compatibility/2006">
+        <mc:Choice xmlns:a14="http://schemas.microsoft.com/office/drawing/2010/main" Requires="a14">
+          <p:sp>
+            <p:nvSpPr>
+              <p:cNvPr id="3" name="Content Placeholder 2">
+                <a:extLst>
+                  <a:ext uri="{FF2B5EF4-FFF2-40B4-BE49-F238E27FC236}">
+                    <a16:creationId xmlns:a16="http://schemas.microsoft.com/office/drawing/2014/main" id="{8F7B6898-4856-42B8-B239-96932961F179}"/>
+                  </a:ext>
+                </a:extLst>
+              </p:cNvPr>
+              <p:cNvSpPr>
+                <a:spLocks noGrp="1"/>
+              </p:cNvSpPr>
+              <p:nvPr>
+                <p:ph idx="1"/>
+              </p:nvPr>
+            </p:nvSpPr>
+            <p:spPr>
+              <a:xfrm>
+                <a:off x="1097280" y="1539277"/>
+                <a:ext cx="6251476" cy="4329817"/>
+              </a:xfrm>
+            </p:spPr>
+            <p:txBody>
+              <a:bodyPr/>
+              <a:lstStyle/>
+              <a:p>
+                <a:r>
+                  <a:rPr lang="en-US" dirty="0"/>
+                  <a:t>Standard LS solution:  </a:t>
+                </a:r>
+                <a14:m>
+                  <m:oMath xmlns:m="http://schemas.openxmlformats.org/officeDocument/2006/math">
+                    <m:acc>
+                      <m:accPr>
+                        <m:chr m:val="̂"/>
+                        <m:ctrlPr>
+                          <a:rPr lang="en-US" i="1" smtClean="0">
+                            <a:latin typeface="Cambria Math" panose="02040503050406030204" pitchFamily="18" charset="0"/>
+                          </a:rPr>
+                        </m:ctrlPr>
+                      </m:accPr>
+                      <m:e>
+                        <m:r>
+                          <a:rPr lang="es-ES" b="0" i="1" smtClean="0">
+                            <a:latin typeface="Cambria Math" panose="02040503050406030204" pitchFamily="18" charset="0"/>
+                          </a:rPr>
+                          <m:t>𝛽</m:t>
+                        </m:r>
+                      </m:e>
+                    </m:acc>
+                    <m:r>
+                      <a:rPr lang="es-ES" b="0" i="1" smtClean="0">
+                        <a:latin typeface="Cambria Math" panose="02040503050406030204" pitchFamily="18" charset="0"/>
+                      </a:rPr>
+                      <m:t>=</m:t>
+                    </m:r>
+                    <m:sSup>
+                      <m:sSupPr>
+                        <m:ctrlPr>
+                          <a:rPr lang="es-ES" b="0" i="1" smtClean="0">
+                            <a:latin typeface="Cambria Math" panose="02040503050406030204" pitchFamily="18" charset="0"/>
+                          </a:rPr>
+                        </m:ctrlPr>
+                      </m:sSupPr>
+                      <m:e>
+                        <m:d>
+                          <m:dPr>
+                            <m:ctrlPr>
+                              <a:rPr lang="es-ES" b="0" i="1" smtClean="0">
+                                <a:latin typeface="Cambria Math" panose="02040503050406030204" pitchFamily="18" charset="0"/>
+                              </a:rPr>
+                            </m:ctrlPr>
+                          </m:dPr>
+                          <m:e>
+                            <m:sSup>
+                              <m:sSupPr>
+                                <m:ctrlPr>
+                                  <a:rPr lang="es-ES" b="0" i="1" smtClean="0">
+                                    <a:latin typeface="Cambria Math" panose="02040503050406030204" pitchFamily="18" charset="0"/>
+                                  </a:rPr>
+                                </m:ctrlPr>
+                              </m:sSupPr>
+                              <m:e>
+                                <m:r>
+                                  <a:rPr lang="es-ES" b="0" i="1" smtClean="0">
+                                    <a:latin typeface="Cambria Math" panose="02040503050406030204" pitchFamily="18" charset="0"/>
+                                  </a:rPr>
+                                  <m:t>𝐴</m:t>
+                                </m:r>
+                              </m:e>
+                              <m:sup>
+                                <m:r>
+                                  <a:rPr lang="es-ES" b="0" i="1" smtClean="0">
+                                    <a:latin typeface="Cambria Math" panose="02040503050406030204" pitchFamily="18" charset="0"/>
+                                  </a:rPr>
+                                  <m:t>𝑇</m:t>
+                                </m:r>
+                              </m:sup>
+                            </m:sSup>
+                            <m:r>
+                              <a:rPr lang="es-ES" b="0" i="1" smtClean="0">
+                                <a:latin typeface="Cambria Math" panose="02040503050406030204" pitchFamily="18" charset="0"/>
+                              </a:rPr>
+                              <m:t>𝐴</m:t>
+                            </m:r>
+                          </m:e>
+                        </m:d>
+                      </m:e>
+                      <m:sup>
+                        <m:r>
+                          <a:rPr lang="es-ES" b="0" i="1" smtClean="0">
+                            <a:latin typeface="Cambria Math" panose="02040503050406030204" pitchFamily="18" charset="0"/>
+                          </a:rPr>
+                          <m:t>−1</m:t>
+                        </m:r>
+                      </m:sup>
+                    </m:sSup>
+                    <m:sSup>
+                      <m:sSupPr>
+                        <m:ctrlPr>
+                          <a:rPr lang="es-ES" b="0" i="1" smtClean="0">
+                            <a:latin typeface="Cambria Math" panose="02040503050406030204" pitchFamily="18" charset="0"/>
+                          </a:rPr>
+                        </m:ctrlPr>
+                      </m:sSupPr>
+                      <m:e>
+                        <m:r>
+                          <a:rPr lang="es-ES" b="0" i="1" smtClean="0">
+                            <a:latin typeface="Cambria Math" panose="02040503050406030204" pitchFamily="18" charset="0"/>
+                          </a:rPr>
+                          <m:t>𝐴</m:t>
+                        </m:r>
+                      </m:e>
+                      <m:sup>
+                        <m:r>
+                          <a:rPr lang="es-ES" b="0" i="1" smtClean="0">
+                            <a:latin typeface="Cambria Math" panose="02040503050406030204" pitchFamily="18" charset="0"/>
+                          </a:rPr>
+                          <m:t>𝑇</m:t>
+                        </m:r>
+                      </m:sup>
+                    </m:sSup>
+                    <m:r>
+                      <a:rPr lang="es-ES" b="0" i="1" smtClean="0">
+                        <a:latin typeface="Cambria Math" panose="02040503050406030204" pitchFamily="18" charset="0"/>
+                      </a:rPr>
+                      <m:t>𝑦</m:t>
+                    </m:r>
+                  </m:oMath>
+                </a14:m>
+                <a:endParaRPr lang="en-US" dirty="0"/>
+              </a:p>
+              <a:p>
+                <a:r>
+                  <a:rPr lang="en-US" dirty="0">
+                    <a:solidFill>
+                      <a:schemeClr val="accent1">
+                        <a:lumMod val="60000"/>
+                        <a:lumOff val="40000"/>
+                      </a:schemeClr>
+                    </a:solidFill>
+                  </a:rPr>
+                  <a:t>Ridge Regression</a:t>
+                </a:r>
+                <a:r>
+                  <a:rPr lang="en-US" dirty="0"/>
+                  <a:t>:  Add a conditioning term:  </a:t>
+                </a:r>
+                <a:br>
+                  <a:rPr lang="es-ES" i="1" dirty="0">
+                    <a:latin typeface="Cambria Math" panose="02040503050406030204" pitchFamily="18" charset="0"/>
+                  </a:rPr>
+                </a:br>
+                <a14:m>
+                  <m:oMath xmlns:m="http://schemas.openxmlformats.org/officeDocument/2006/math">
+                    <m:acc>
+                      <m:accPr>
+                        <m:chr m:val="̂"/>
+                        <m:ctrlPr>
+                          <a:rPr lang="en-US" i="1" smtClean="0">
+                            <a:latin typeface="Cambria Math" panose="02040503050406030204" pitchFamily="18" charset="0"/>
+                          </a:rPr>
+                        </m:ctrlPr>
+                      </m:accPr>
+                      <m:e>
+                        <m:r>
+                          <a:rPr lang="es-ES" b="0" i="1" smtClean="0">
+                            <a:latin typeface="Cambria Math" panose="02040503050406030204" pitchFamily="18" charset="0"/>
+                          </a:rPr>
+                          <m:t>𝛽</m:t>
+                        </m:r>
+                      </m:e>
+                    </m:acc>
+                    <m:r>
+                      <a:rPr lang="es-ES" b="0" i="1" smtClean="0">
+                        <a:latin typeface="Cambria Math" panose="02040503050406030204" pitchFamily="18" charset="0"/>
+                      </a:rPr>
+                      <m:t>=</m:t>
+                    </m:r>
+                    <m:sSup>
+                      <m:sSupPr>
+                        <m:ctrlPr>
+                          <a:rPr lang="es-ES" b="0" i="1" smtClean="0">
+                            <a:latin typeface="Cambria Math" panose="02040503050406030204" pitchFamily="18" charset="0"/>
+                          </a:rPr>
+                        </m:ctrlPr>
+                      </m:sSupPr>
+                      <m:e>
+                        <m:d>
+                          <m:dPr>
+                            <m:ctrlPr>
+                              <a:rPr lang="es-ES" b="0" i="1" smtClean="0">
+                                <a:latin typeface="Cambria Math" panose="02040503050406030204" pitchFamily="18" charset="0"/>
+                              </a:rPr>
+                            </m:ctrlPr>
+                          </m:dPr>
+                          <m:e>
+                            <m:sSup>
+                              <m:sSupPr>
+                                <m:ctrlPr>
+                                  <a:rPr lang="es-ES" b="0" i="1" smtClean="0">
+                                    <a:latin typeface="Cambria Math" panose="02040503050406030204" pitchFamily="18" charset="0"/>
+                                  </a:rPr>
+                                </m:ctrlPr>
+                              </m:sSupPr>
+                              <m:e>
+                                <m:r>
+                                  <a:rPr lang="es-ES" b="0" i="1" smtClean="0">
+                                    <a:latin typeface="Cambria Math" panose="02040503050406030204" pitchFamily="18" charset="0"/>
+                                  </a:rPr>
+                                  <m:t>𝐴</m:t>
+                                </m:r>
+                              </m:e>
+                              <m:sup>
+                                <m:r>
+                                  <a:rPr lang="es-ES" b="0" i="1" smtClean="0">
+                                    <a:latin typeface="Cambria Math" panose="02040503050406030204" pitchFamily="18" charset="0"/>
+                                  </a:rPr>
+                                  <m:t>𝑇</m:t>
+                                </m:r>
+                              </m:sup>
+                            </m:sSup>
+                            <m:r>
+                              <a:rPr lang="es-ES" b="0" i="1" smtClean="0">
+                                <a:latin typeface="Cambria Math" panose="02040503050406030204" pitchFamily="18" charset="0"/>
+                              </a:rPr>
+                              <m:t>𝐴</m:t>
+                            </m:r>
+                            <m:r>
+                              <a:rPr lang="es-ES" b="0" i="1" smtClean="0">
+                                <a:solidFill>
+                                  <a:schemeClr val="accent1">
+                                    <a:lumMod val="60000"/>
+                                    <a:lumOff val="40000"/>
+                                  </a:schemeClr>
+                                </a:solidFill>
+                                <a:latin typeface="Cambria Math" panose="02040503050406030204" pitchFamily="18" charset="0"/>
+                              </a:rPr>
+                              <m:t>+</m:t>
+                            </m:r>
+                            <m:r>
+                              <a:rPr lang="es-ES" b="0" i="1" smtClean="0">
+                                <a:solidFill>
+                                  <a:schemeClr val="accent1">
+                                    <a:lumMod val="60000"/>
+                                    <a:lumOff val="40000"/>
+                                  </a:schemeClr>
+                                </a:solidFill>
+                                <a:latin typeface="Cambria Math" panose="02040503050406030204" pitchFamily="18" charset="0"/>
+                              </a:rPr>
+                              <m:t>𝑐𝐼</m:t>
+                            </m:r>
+                          </m:e>
+                        </m:d>
+                      </m:e>
+                      <m:sup>
+                        <m:r>
+                          <a:rPr lang="es-ES" b="0" i="1" smtClean="0">
+                            <a:latin typeface="Cambria Math" panose="02040503050406030204" pitchFamily="18" charset="0"/>
+                          </a:rPr>
+                          <m:t>−1</m:t>
+                        </m:r>
+                      </m:sup>
+                    </m:sSup>
+                    <m:sSup>
+                      <m:sSupPr>
+                        <m:ctrlPr>
+                          <a:rPr lang="es-ES" b="0" i="1" smtClean="0">
+                            <a:latin typeface="Cambria Math" panose="02040503050406030204" pitchFamily="18" charset="0"/>
+                          </a:rPr>
+                        </m:ctrlPr>
+                      </m:sSupPr>
+                      <m:e>
+                        <m:r>
+                          <a:rPr lang="es-ES" b="0" i="1" smtClean="0">
+                            <a:latin typeface="Cambria Math" panose="02040503050406030204" pitchFamily="18" charset="0"/>
+                          </a:rPr>
+                          <m:t>𝐴</m:t>
+                        </m:r>
+                      </m:e>
+                      <m:sup>
+                        <m:r>
+                          <a:rPr lang="es-ES" b="0" i="1" smtClean="0">
+                            <a:latin typeface="Cambria Math" panose="02040503050406030204" pitchFamily="18" charset="0"/>
+                          </a:rPr>
+                          <m:t>𝑇</m:t>
+                        </m:r>
+                      </m:sup>
+                    </m:sSup>
+                    <m:r>
+                      <a:rPr lang="es-ES" b="0" i="1" smtClean="0">
+                        <a:latin typeface="Cambria Math" panose="02040503050406030204" pitchFamily="18" charset="0"/>
+                      </a:rPr>
+                      <m:t>𝑦</m:t>
+                    </m:r>
+                  </m:oMath>
+                </a14:m>
+                <a:endParaRPr lang="en-US" dirty="0"/>
+              </a:p>
+              <a:p>
+                <a:pPr lvl="1"/>
+                <a14:m>
+                  <m:oMath xmlns:m="http://schemas.openxmlformats.org/officeDocument/2006/math">
+                    <m:r>
+                      <a:rPr lang="es-ES" b="0" i="1" smtClean="0">
+                        <a:solidFill>
+                          <a:schemeClr val="accent1">
+                            <a:lumMod val="60000"/>
+                            <a:lumOff val="40000"/>
+                          </a:schemeClr>
+                        </a:solidFill>
+                        <a:latin typeface="Cambria Math" panose="02040503050406030204" pitchFamily="18" charset="0"/>
+                      </a:rPr>
+                      <m:t>𝑐</m:t>
+                    </m:r>
+                  </m:oMath>
+                </a14:m>
+                <a:r>
+                  <a:rPr lang="en-US" dirty="0"/>
+                  <a:t> is a small positive value.  </a:t>
+                </a:r>
+              </a:p>
+              <a:p>
+                <a:pPr lvl="1"/>
+                <a:r>
+                  <a:rPr lang="en-US" dirty="0"/>
+                  <a:t>Makes inverse well-behaved</a:t>
+                </a:r>
+              </a:p>
+              <a:p>
+                <a:pPr lvl="1"/>
+                <a:r>
+                  <a:rPr lang="en-US" dirty="0"/>
+                  <a:t>We will see this technique more later</a:t>
+                </a:r>
+              </a:p>
+              <a:p>
+                <a:pPr lvl="1"/>
+                <a:endParaRPr lang="en-US" dirty="0"/>
+              </a:p>
+              <a:p>
+                <a:r>
+                  <a:rPr lang="en-US" dirty="0"/>
+                  <a:t>Get good test R^2 </a:t>
+                </a:r>
+              </a:p>
+              <a:p>
+                <a:endParaRPr lang="en-US" dirty="0"/>
+              </a:p>
+            </p:txBody>
+          </p:sp>
+        </mc:Choice>
+        <mc:Fallback>
+          <p:sp>
+            <p:nvSpPr>
+              <p:cNvPr id="3" name="Content Placeholder 2">
+                <a:extLst>
+                  <a:ext uri="{FF2B5EF4-FFF2-40B4-BE49-F238E27FC236}">
+                    <a16:creationId xmlns:a16="http://schemas.microsoft.com/office/drawing/2014/main" id="{8F7B6898-4856-42B8-B239-96932961F179}"/>
+                  </a:ext>
+                </a:extLst>
+              </p:cNvPr>
+              <p:cNvSpPr>
+                <a:spLocks noGrp="1" noRot="1" noChangeAspect="1" noMove="1" noResize="1" noEditPoints="1" noAdjustHandles="1" noChangeArrowheads="1" noChangeShapeType="1" noTextEdit="1"/>
+              </p:cNvSpPr>
+              <p:nvPr>
+                <p:ph idx="1"/>
+              </p:nvPr>
+            </p:nvSpPr>
+            <p:spPr>
+              <a:xfrm>
+                <a:off x="1097280" y="1539277"/>
+                <a:ext cx="6251476" cy="4329817"/>
+              </a:xfrm>
+              <a:blipFill>
+                <a:blip r:embed="rId2"/>
+                <a:stretch>
+                  <a:fillRect l="-2339" t="-1127"/>
+                </a:stretch>
+              </a:blipFill>
+            </p:spPr>
+            <p:txBody>
+              <a:bodyPr/>
+              <a:lstStyle/>
+              <a:p>
+                <a:r>
+                  <a:rPr lang="en-US">
+                    <a:noFill/>
+                  </a:rPr>
+                  <a:t> </a:t>
+                </a:r>
+              </a:p>
+            </p:txBody>
+          </p:sp>
+        </mc:Fallback>
+      </mc:AlternateContent>
+      <p:sp>
+        <p:nvSpPr>
+          <p:cNvPr id="4" name="Slide Number Placeholder 3">
+            <a:extLst>
+              <a:ext uri="{FF2B5EF4-FFF2-40B4-BE49-F238E27FC236}">
+                <a16:creationId xmlns:a16="http://schemas.microsoft.com/office/drawing/2014/main" id="{9D5DAB87-F106-4F90-92F7-03199656367D}"/>
+              </a:ext>
+            </a:extLst>
+          </p:cNvPr>
+          <p:cNvSpPr>
+            <a:spLocks noGrp="1"/>
+          </p:cNvSpPr>
+          <p:nvPr>
+            <p:ph type="sldNum" sz="quarter" idx="12"/>
+          </p:nvPr>
+        </p:nvSpPr>
+        <p:spPr/>
+        <p:txBody>
+          <a:bodyPr/>
+          <a:lstStyle/>
+          <a:p>
+            <a:fld id="{629637A9-119A-49DA-BD12-AAC58B377D80}" type="slidenum">
+              <a:rPr lang="en-US" smtClean="0"/>
+              <a:t>14</a:t>
+            </a:fld>
+            <a:endParaRPr lang="en-US" dirty="0"/>
+          </a:p>
+        </p:txBody>
+      </p:sp>
+      <p:pic>
+        <p:nvPicPr>
+          <p:cNvPr id="5" name="Picture 4">
+            <a:extLst>
+              <a:ext uri="{FF2B5EF4-FFF2-40B4-BE49-F238E27FC236}">
+                <a16:creationId xmlns:a16="http://schemas.microsoft.com/office/drawing/2014/main" id="{96042189-997F-4066-9F88-235A5D4B2D7D}"/>
+              </a:ext>
+            </a:extLst>
+          </p:cNvPr>
+          <p:cNvPicPr>
+            <a:picLocks noChangeAspect="1"/>
+          </p:cNvPicPr>
+          <p:nvPr/>
+        </p:nvPicPr>
+        <p:blipFill>
+          <a:blip r:embed="rId3"/>
+          <a:stretch>
+            <a:fillRect/>
+          </a:stretch>
+        </p:blipFill>
+        <p:spPr>
+          <a:xfrm>
+            <a:off x="6900775" y="1657219"/>
+            <a:ext cx="3464056" cy="1186649"/>
+          </a:xfrm>
+          <a:prstGeom prst="rect">
+            <a:avLst/>
+          </a:prstGeom>
+        </p:spPr>
+      </p:pic>
+      <p:pic>
+        <p:nvPicPr>
+          <p:cNvPr id="7" name="Picture 6">
+            <a:extLst>
+              <a:ext uri="{FF2B5EF4-FFF2-40B4-BE49-F238E27FC236}">
+                <a16:creationId xmlns:a16="http://schemas.microsoft.com/office/drawing/2014/main" id="{744A587B-70F0-4AF6-BED4-98EAAB692AE0}"/>
+              </a:ext>
+            </a:extLst>
+          </p:cNvPr>
+          <p:cNvPicPr>
+            <a:picLocks noChangeAspect="1"/>
+          </p:cNvPicPr>
+          <p:nvPr/>
+        </p:nvPicPr>
+        <p:blipFill>
+          <a:blip r:embed="rId4"/>
+          <a:stretch>
+            <a:fillRect/>
+          </a:stretch>
+        </p:blipFill>
+        <p:spPr>
+          <a:xfrm>
+            <a:off x="6784953" y="2961810"/>
+            <a:ext cx="1847850" cy="314325"/>
+          </a:xfrm>
+          <a:prstGeom prst="rect">
+            <a:avLst/>
+          </a:prstGeom>
+        </p:spPr>
+      </p:pic>
+    </p:spTree>
+    <p:extLst>
+      <p:ext uri="{BB962C8B-B14F-4D97-AF65-F5344CB8AC3E}">
+        <p14:creationId xmlns:p14="http://schemas.microsoft.com/office/powerpoint/2010/main" val="195614264"/>
+      </p:ext>
+    </p:extLst>
+  </p:cSld>
+  <p:clrMapOvr>
+    <a:masterClrMapping/>
+  </p:clrMapOvr>
+</p:sld>
+</file>
+
+<file path=ppt/slides/slide15.xml><?xml version="1.0" encoding="utf-8"?>
+<p:sld xmlns:a="http://schemas.openxmlformats.org/drawingml/2006/main" xmlns:r="http://schemas.openxmlformats.org/officeDocument/2006/relationships" xmlns:p="http://schemas.openxmlformats.org/presentationml/2006/main">
+  <p:cSld>
+    <p:spTree>
+      <p:nvGrpSpPr>
+        <p:cNvPr id="1" name=""/>
+        <p:cNvGrpSpPr/>
+        <p:nvPr/>
+      </p:nvGrpSpPr>
+      <p:grpSpPr>
+        <a:xfrm>
+          <a:off x="0" y="0"/>
+          <a:ext cx="0" cy="0"/>
+          <a:chOff x="0" y="0"/>
+          <a:chExt cx="0" cy="0"/>
+        </a:xfrm>
+      </p:grpSpPr>
+      <p:sp>
+        <p:nvSpPr>
+          <p:cNvPr id="2" name="Title 1">
+            <a:extLst>
+              <a:ext uri="{FF2B5EF4-FFF2-40B4-BE49-F238E27FC236}">
+                <a16:creationId xmlns:a16="http://schemas.microsoft.com/office/drawing/2014/main" id="{1BAEF4CD-11CB-434D-9AFB-0D4A45F5726A}"/>
+              </a:ext>
+            </a:extLst>
+          </p:cNvPr>
+          <p:cNvSpPr>
+            <a:spLocks noGrp="1"/>
+          </p:cNvSpPr>
+          <p:nvPr>
+            <p:ph type="title"/>
+          </p:nvPr>
+        </p:nvSpPr>
+        <p:spPr/>
+        <p:txBody>
+          <a:bodyPr/>
+          <a:lstStyle/>
+          <a:p>
+            <a:r>
+              <a:rPr lang="en-US" dirty="0"/>
+              <a:t>What Components Matter?</a:t>
+            </a:r>
+          </a:p>
+        </p:txBody>
+      </p:sp>
+      <p:sp>
+        <p:nvSpPr>
+          <p:cNvPr id="3" name="Content Placeholder 2">
+            <a:extLst>
+              <a:ext uri="{FF2B5EF4-FFF2-40B4-BE49-F238E27FC236}">
+                <a16:creationId xmlns:a16="http://schemas.microsoft.com/office/drawing/2014/main" id="{AB492302-0FA2-4034-BE73-40C091DDF0FD}"/>
+              </a:ext>
+            </a:extLst>
+          </p:cNvPr>
+          <p:cNvSpPr>
+            <a:spLocks noGrp="1"/>
+          </p:cNvSpPr>
+          <p:nvPr>
+            <p:ph idx="1"/>
+          </p:nvPr>
+        </p:nvSpPr>
+        <p:spPr/>
+        <p:txBody>
+          <a:bodyPr/>
+          <a:lstStyle/>
+          <a:p>
+            <a:r>
+              <a:rPr lang="en-US" dirty="0"/>
+              <a:t>Simple idea:  Look at large coefficients</a:t>
+            </a:r>
+          </a:p>
+          <a:p>
+            <a:r>
+              <a:rPr lang="en-US" dirty="0"/>
+              <a:t>We see variables that we may expect:</a:t>
+            </a:r>
+          </a:p>
+          <a:p>
+            <a:pPr lvl="1"/>
+            <a:r>
+              <a:rPr lang="en-US" dirty="0"/>
+              <a:t>Square footage</a:t>
+            </a:r>
+          </a:p>
+          <a:p>
+            <a:pPr lvl="1"/>
+            <a:r>
+              <a:rPr lang="en-US" dirty="0"/>
+              <a:t>Quality</a:t>
+            </a:r>
+          </a:p>
+          <a:p>
+            <a:pPr lvl="1"/>
+            <a:r>
+              <a:rPr lang="en-US" dirty="0"/>
+              <a:t>Zoning </a:t>
+            </a:r>
+          </a:p>
+          <a:p>
+            <a:r>
+              <a:rPr lang="en-US" dirty="0"/>
+              <a:t>But, there is some issue</a:t>
+            </a:r>
+          </a:p>
+          <a:p>
+            <a:pPr lvl="1"/>
+            <a:r>
+              <a:rPr lang="en-US" dirty="0"/>
+              <a:t>Some variables seem highly correlated</a:t>
+            </a:r>
+          </a:p>
+          <a:p>
+            <a:pPr lvl="1"/>
+            <a:r>
+              <a:rPr lang="en-US" dirty="0"/>
+              <a:t>Ex:  </a:t>
+            </a:r>
+            <a:r>
+              <a:rPr lang="en-US" dirty="0" err="1"/>
+              <a:t>GrLivArea</a:t>
+            </a:r>
+            <a:r>
+              <a:rPr lang="en-US" dirty="0"/>
+              <a:t> and 2ndFlrSF</a:t>
+            </a:r>
+          </a:p>
+          <a:p>
+            <a:pPr lvl="1"/>
+            <a:r>
+              <a:rPr lang="en-US" dirty="0" err="1"/>
+              <a:t>KitchenQual</a:t>
+            </a:r>
+            <a:r>
+              <a:rPr lang="en-US" dirty="0"/>
+              <a:t> and </a:t>
+            </a:r>
+            <a:r>
+              <a:rPr lang="en-US" dirty="0" err="1"/>
+              <a:t>OverallQual</a:t>
+            </a:r>
+            <a:endParaRPr lang="en-US" dirty="0"/>
+          </a:p>
+          <a:p>
+            <a:pPr lvl="1"/>
+            <a:r>
+              <a:rPr lang="en-US" dirty="0"/>
+              <a:t>Are they really distinct?</a:t>
+            </a:r>
+          </a:p>
+          <a:p>
+            <a:endParaRPr lang="en-US" dirty="0"/>
+          </a:p>
+          <a:p>
+            <a:endParaRPr lang="en-US" dirty="0"/>
+          </a:p>
+        </p:txBody>
+      </p:sp>
+      <p:sp>
+        <p:nvSpPr>
+          <p:cNvPr id="4" name="Slide Number Placeholder 3">
+            <a:extLst>
+              <a:ext uri="{FF2B5EF4-FFF2-40B4-BE49-F238E27FC236}">
+                <a16:creationId xmlns:a16="http://schemas.microsoft.com/office/drawing/2014/main" id="{C77E1A1C-0CF0-4D3A-B79B-330CD073E74A}"/>
+              </a:ext>
+            </a:extLst>
+          </p:cNvPr>
+          <p:cNvSpPr>
+            <a:spLocks noGrp="1"/>
+          </p:cNvSpPr>
+          <p:nvPr>
+            <p:ph type="sldNum" sz="quarter" idx="12"/>
+          </p:nvPr>
+        </p:nvSpPr>
+        <p:spPr/>
+        <p:txBody>
+          <a:bodyPr/>
+          <a:lstStyle/>
+          <a:p>
+            <a:fld id="{629637A9-119A-49DA-BD12-AAC58B377D80}" type="slidenum">
+              <a:rPr lang="en-US" smtClean="0"/>
+              <a:t>15</a:t>
+            </a:fld>
+            <a:endParaRPr lang="en-US" dirty="0"/>
+          </a:p>
+        </p:txBody>
+      </p:sp>
+      <p:pic>
+        <p:nvPicPr>
+          <p:cNvPr id="5" name="Picture 4">
+            <a:extLst>
+              <a:ext uri="{FF2B5EF4-FFF2-40B4-BE49-F238E27FC236}">
+                <a16:creationId xmlns:a16="http://schemas.microsoft.com/office/drawing/2014/main" id="{6797B13C-748D-42F4-B464-F98EF080F543}"/>
+              </a:ext>
+            </a:extLst>
+          </p:cNvPr>
+          <p:cNvPicPr>
+            <a:picLocks noChangeAspect="1"/>
+          </p:cNvPicPr>
+          <p:nvPr/>
+        </p:nvPicPr>
+        <p:blipFill>
+          <a:blip r:embed="rId2"/>
+          <a:stretch>
+            <a:fillRect/>
+          </a:stretch>
+        </p:blipFill>
+        <p:spPr>
+          <a:xfrm>
+            <a:off x="6583680" y="1885950"/>
+            <a:ext cx="3886200" cy="3086100"/>
+          </a:xfrm>
+          <a:prstGeom prst="rect">
+            <a:avLst/>
+          </a:prstGeom>
+        </p:spPr>
+      </p:pic>
+    </p:spTree>
+    <p:extLst>
+      <p:ext uri="{BB962C8B-B14F-4D97-AF65-F5344CB8AC3E}">
+        <p14:creationId xmlns:p14="http://schemas.microsoft.com/office/powerpoint/2010/main" val="586526723"/>
+      </p:ext>
+    </p:extLst>
+  </p:cSld>
+  <p:clrMapOvr>
+    <a:masterClrMapping/>
+  </p:clrMapOvr>
+</p:sld>
+</file>
+
+<file path=ppt/slides/slide16.xml><?xml version="1.0" encoding="utf-8"?>
+<p:sld xmlns:a="http://schemas.openxmlformats.org/drawingml/2006/main" xmlns:r="http://schemas.openxmlformats.org/officeDocument/2006/relationships" xmlns:p="http://schemas.openxmlformats.org/presentationml/2006/main">
+  <p:cSld>
+    <p:spTree>
+      <p:nvGrpSpPr>
+        <p:cNvPr id="1" name=""/>
+        <p:cNvGrpSpPr/>
+        <p:nvPr/>
+      </p:nvGrpSpPr>
+      <p:grpSpPr>
+        <a:xfrm>
+          <a:off x="0" y="0"/>
+          <a:ext cx="0" cy="0"/>
+          <a:chOff x="0" y="0"/>
+          <a:chExt cx="0" cy="0"/>
+        </a:xfrm>
+      </p:grpSpPr>
+      <p:sp>
+        <p:nvSpPr>
+          <p:cNvPr id="2" name="Title 1">
+            <a:extLst>
+              <a:ext uri="{FF2B5EF4-FFF2-40B4-BE49-F238E27FC236}">
+                <a16:creationId xmlns:a16="http://schemas.microsoft.com/office/drawing/2014/main" id="{1BAEF4CD-11CB-434D-9AFB-0D4A45F5726A}"/>
+              </a:ext>
+            </a:extLst>
+          </p:cNvPr>
+          <p:cNvSpPr>
+            <a:spLocks noGrp="1"/>
+          </p:cNvSpPr>
+          <p:nvPr>
+            <p:ph type="title"/>
+          </p:nvPr>
+        </p:nvSpPr>
+        <p:spPr/>
+        <p:txBody>
+          <a:bodyPr/>
+          <a:lstStyle/>
+          <a:p>
+            <a:r>
+              <a:rPr lang="en-US" dirty="0"/>
+              <a:t>What Components Do Not Matter?</a:t>
+            </a:r>
+          </a:p>
+        </p:txBody>
+      </p:sp>
+      <p:sp>
+        <p:nvSpPr>
+          <p:cNvPr id="3" name="Content Placeholder 2">
+            <a:extLst>
+              <a:ext uri="{FF2B5EF4-FFF2-40B4-BE49-F238E27FC236}">
+                <a16:creationId xmlns:a16="http://schemas.microsoft.com/office/drawing/2014/main" id="{AB492302-0FA2-4034-BE73-40C091DDF0FD}"/>
+              </a:ext>
+            </a:extLst>
+          </p:cNvPr>
+          <p:cNvSpPr>
+            <a:spLocks noGrp="1"/>
+          </p:cNvSpPr>
+          <p:nvPr>
+            <p:ph idx="1"/>
+          </p:nvPr>
+        </p:nvSpPr>
+        <p:spPr/>
+        <p:txBody>
+          <a:bodyPr/>
+          <a:lstStyle/>
+          <a:p>
+            <a:r>
+              <a:rPr lang="en-US" dirty="0"/>
+              <a:t>All coefficients are far from zero</a:t>
+            </a:r>
+          </a:p>
+          <a:p>
+            <a:r>
+              <a:rPr lang="en-US" dirty="0"/>
+              <a:t>Very few coefficients that can be removed</a:t>
+            </a:r>
+          </a:p>
+          <a:p>
+            <a:r>
+              <a:rPr lang="en-US" dirty="0"/>
+              <a:t>Does this mean all variables matter?</a:t>
+            </a:r>
+          </a:p>
+          <a:p>
+            <a:endParaRPr lang="en-US" dirty="0"/>
+          </a:p>
+          <a:p>
+            <a:endParaRPr lang="en-US" dirty="0"/>
+          </a:p>
+        </p:txBody>
+      </p:sp>
+      <p:sp>
+        <p:nvSpPr>
+          <p:cNvPr id="4" name="Slide Number Placeholder 3">
+            <a:extLst>
+              <a:ext uri="{FF2B5EF4-FFF2-40B4-BE49-F238E27FC236}">
+                <a16:creationId xmlns:a16="http://schemas.microsoft.com/office/drawing/2014/main" id="{C77E1A1C-0CF0-4D3A-B79B-330CD073E74A}"/>
+              </a:ext>
+            </a:extLst>
+          </p:cNvPr>
+          <p:cNvSpPr>
+            <a:spLocks noGrp="1"/>
+          </p:cNvSpPr>
+          <p:nvPr>
+            <p:ph type="sldNum" sz="quarter" idx="12"/>
+          </p:nvPr>
+        </p:nvSpPr>
+        <p:spPr/>
+        <p:txBody>
+          <a:bodyPr/>
+          <a:lstStyle/>
+          <a:p>
+            <a:fld id="{629637A9-119A-49DA-BD12-AAC58B377D80}" type="slidenum">
+              <a:rPr lang="en-US" smtClean="0"/>
+              <a:t>16</a:t>
+            </a:fld>
+            <a:endParaRPr lang="en-US" dirty="0"/>
+          </a:p>
+        </p:txBody>
+      </p:sp>
+      <p:pic>
+        <p:nvPicPr>
+          <p:cNvPr id="6" name="Picture 5">
+            <a:extLst>
+              <a:ext uri="{FF2B5EF4-FFF2-40B4-BE49-F238E27FC236}">
+                <a16:creationId xmlns:a16="http://schemas.microsoft.com/office/drawing/2014/main" id="{A0404832-6873-43F9-9396-9799B978E33A}"/>
+              </a:ext>
+            </a:extLst>
+          </p:cNvPr>
+          <p:cNvPicPr>
+            <a:picLocks noChangeAspect="1"/>
+          </p:cNvPicPr>
+          <p:nvPr/>
+        </p:nvPicPr>
+        <p:blipFill>
+          <a:blip r:embed="rId2"/>
+          <a:stretch>
+            <a:fillRect/>
+          </a:stretch>
+        </p:blipFill>
+        <p:spPr>
+          <a:xfrm>
+            <a:off x="5926231" y="1992645"/>
+            <a:ext cx="5857134" cy="2872709"/>
+          </a:xfrm>
+          <a:prstGeom prst="rect">
+            <a:avLst/>
+          </a:prstGeom>
+        </p:spPr>
+      </p:pic>
+    </p:spTree>
+    <p:extLst>
+      <p:ext uri="{BB962C8B-B14F-4D97-AF65-F5344CB8AC3E}">
+        <p14:creationId xmlns:p14="http://schemas.microsoft.com/office/powerpoint/2010/main" val="1156527936"/>
+      </p:ext>
+    </p:extLst>
+  </p:cSld>
+  <p:clrMapOvr>
+    <a:masterClrMapping/>
+  </p:clrMapOvr>
+</p:sld>
+</file>
+
+<file path=ppt/slides/slide17.xml><?xml version="1.0" encoding="utf-8"?>
+<p:sld xmlns:a="http://schemas.openxmlformats.org/drawingml/2006/main" xmlns:r="http://schemas.openxmlformats.org/officeDocument/2006/relationships" xmlns:p="http://schemas.openxmlformats.org/presentationml/2006/main">
+  <p:cSld>
+    <p:spTree>
+      <p:nvGrpSpPr>
+        <p:cNvPr id="1" name=""/>
+        <p:cNvGrpSpPr/>
+        <p:nvPr/>
+      </p:nvGrpSpPr>
+      <p:grpSpPr>
+        <a:xfrm>
+          <a:off x="0" y="0"/>
+          <a:ext cx="0" cy="0"/>
+          <a:chOff x="0" y="0"/>
+          <a:chExt cx="0" cy="0"/>
+        </a:xfrm>
+      </p:grpSpPr>
+      <p:sp>
+        <p:nvSpPr>
+          <p:cNvPr id="2" name="Title 1"/>
+          <p:cNvSpPr>
+            <a:spLocks noGrp="1"/>
+          </p:cNvSpPr>
+          <p:nvPr>
+            <p:ph type="title"/>
+          </p:nvPr>
+        </p:nvSpPr>
+        <p:spPr/>
+        <p:txBody>
+          <a:bodyPr/>
+          <a:lstStyle/>
+          <a:p>
+            <a:r>
+              <a:rPr lang="en-US" dirty="0"/>
+              <a:t>Outline	</a:t>
+            </a:r>
+          </a:p>
+        </p:txBody>
+      </p:sp>
+      <p:sp>
+        <p:nvSpPr>
+          <p:cNvPr id="3" name="Content Placeholder 2"/>
+          <p:cNvSpPr>
+            <a:spLocks noGrp="1"/>
+          </p:cNvSpPr>
+          <p:nvPr>
+            <p:ph idx="1"/>
+          </p:nvPr>
+        </p:nvSpPr>
+        <p:spPr/>
+        <p:txBody>
+          <a:bodyPr/>
+          <a:lstStyle/>
+          <a:p>
+            <a:r>
+              <a:rPr lang="en-US" dirty="0"/>
+              <a:t>Motivating Example: Predicting housing price Model Selection </a:t>
+            </a:r>
+          </a:p>
+          <a:p>
+            <a:r>
+              <a:rPr lang="en-US" dirty="0"/>
+              <a:t>Model Selection from LASSO regularization</a:t>
+            </a:r>
+          </a:p>
+          <a:p>
+            <a:r>
+              <a:rPr lang="en-US" dirty="0"/>
+              <a:t>Probabilistic interpretation</a:t>
+            </a:r>
+          </a:p>
+          <a:p>
+            <a:r>
+              <a:rPr lang="en-US" dirty="0"/>
+              <a:t>Other Model Selection Methods</a:t>
+            </a:r>
+          </a:p>
+          <a:p>
+            <a:r>
+              <a:rPr lang="en-US" dirty="0"/>
+              <a:t>In-Class Exercise:  Audio Pitch Detection </a:t>
+            </a:r>
+          </a:p>
+        </p:txBody>
+      </p:sp>
+      <p:sp>
+        <p:nvSpPr>
+          <p:cNvPr id="4" name="Slide Number Placeholder 3"/>
+          <p:cNvSpPr>
+            <a:spLocks noGrp="1"/>
+          </p:cNvSpPr>
+          <p:nvPr>
+            <p:ph type="sldNum" sz="quarter" idx="12"/>
+          </p:nvPr>
+        </p:nvSpPr>
+        <p:spPr/>
+        <p:txBody>
+          <a:bodyPr/>
+          <a:lstStyle/>
+          <a:p>
+            <a:fld id="{629637A9-119A-49DA-BD12-AAC58B377D80}" type="slidenum">
+              <a:rPr lang="en-US" smtClean="0"/>
+              <a:t>17</a:t>
+            </a:fld>
+            <a:endParaRPr lang="en-US" dirty="0"/>
+          </a:p>
+        </p:txBody>
+      </p:sp>
+      <p:sp>
+        <p:nvSpPr>
+          <p:cNvPr id="5" name="Arrow: Right 4"/>
+          <p:cNvSpPr/>
+          <p:nvPr/>
+        </p:nvSpPr>
+        <p:spPr>
+          <a:xfrm>
+            <a:off x="283569" y="1880873"/>
+            <a:ext cx="978408" cy="484632"/>
+          </a:xfrm>
+          <a:prstGeom prst="rightArrow">
+            <a:avLst/>
+          </a:prstGeom>
+          <a:solidFill>
+            <a:schemeClr val="accent1">
+              <a:lumMod val="60000"/>
+              <a:lumOff val="40000"/>
+            </a:schemeClr>
+          </a:solidFill>
+        </p:spPr>
+        <p:style>
+          <a:lnRef idx="2">
+            <a:schemeClr val="accent1">
+              <a:shade val="50000"/>
+            </a:schemeClr>
+          </a:lnRef>
+          <a:fillRef idx="1">
+            <a:schemeClr val="accent1"/>
+          </a:fillRef>
+          <a:effectRef idx="0">
+            <a:schemeClr val="accent1"/>
+          </a:effectRef>
+          <a:fontRef idx="minor">
+            <a:schemeClr val="lt1"/>
+          </a:fontRef>
+        </p:style>
+        <p:txBody>
+          <a:bodyPr rtlCol="0" anchor="ctr"/>
+          <a:lstStyle/>
+          <a:p>
+            <a:pPr algn="ctr"/>
+            <a:endParaRPr lang="en-US"/>
+          </a:p>
+        </p:txBody>
+      </p:sp>
+    </p:spTree>
+    <p:extLst>
+      <p:ext uri="{BB962C8B-B14F-4D97-AF65-F5344CB8AC3E}">
+        <p14:creationId xmlns:p14="http://schemas.microsoft.com/office/powerpoint/2010/main" val="935259536"/>
+      </p:ext>
+    </p:extLst>
+  </p:cSld>
+  <p:clrMapOvr>
+    <a:masterClrMapping/>
+  </p:clrMapOvr>
+</p:sld>
+</file>
+
+<file path=ppt/slides/slide18.xml><?xml version="1.0" encoding="utf-8"?>
+<p:sld xmlns:a="http://schemas.openxmlformats.org/drawingml/2006/main" xmlns:r="http://schemas.openxmlformats.org/officeDocument/2006/relationships" xmlns:p="http://schemas.openxmlformats.org/presentationml/2006/main">
+  <p:cSld>
+    <p:spTree>
+      <p:nvGrpSpPr>
+        <p:cNvPr id="1" name=""/>
+        <p:cNvGrpSpPr/>
+        <p:nvPr/>
+      </p:nvGrpSpPr>
+      <p:grpSpPr>
+        <a:xfrm>
+          <a:off x="0" y="0"/>
+          <a:ext cx="0" cy="0"/>
+          <a:chOff x="0" y="0"/>
+          <a:chExt cx="0" cy="0"/>
+        </a:xfrm>
+      </p:grpSpPr>
+      <p:sp>
+        <p:nvSpPr>
+          <p:cNvPr id="2" name="Title 1">
+            <a:extLst>
+              <a:ext uri="{FF2B5EF4-FFF2-40B4-BE49-F238E27FC236}">
                 <a16:creationId xmlns:a16="http://schemas.microsoft.com/office/drawing/2014/main" id="{D9067277-D2CA-4C91-8ED0-27B55145733A}"/>
               </a:ext>
             </a:extLst>
@@ -4976,8 +7451,8 @@
           </a:p>
         </p:txBody>
       </p:sp>
-      <mc:AlternateContent xmlns:mc="http://schemas.openxmlformats.org/markup-compatibility/2006" xmlns:a14="http://schemas.microsoft.com/office/drawing/2010/main">
-        <mc:Choice Requires="a14">
+      <mc:AlternateContent xmlns:mc="http://schemas.openxmlformats.org/markup-compatibility/2006">
+        <mc:Choice xmlns:a14="http://schemas.microsoft.com/office/drawing/2010/main" Requires="a14">
           <p:sp>
             <p:nvSpPr>
               <p:cNvPr id="3" name="Content Placeholder 2">
@@ -5164,6 +7639,7 @@
                 <a:endParaRPr lang="en-US" dirty="0"/>
               </a:p>
               <a:p>
+                <a:pPr lvl="1"/>
                 <a:r>
                   <a:rPr lang="en-US" dirty="0"/>
                   <a:t>Models target </a:t>
@@ -5321,8 +7797,19 @@
               </a:p>
               <a:p>
                 <a:r>
+                  <a:rPr lang="en-US" dirty="0">
+                    <a:solidFill>
+                      <a:schemeClr val="accent1">
+                        <a:lumMod val="60000"/>
+                        <a:lumOff val="40000"/>
+                      </a:schemeClr>
+                    </a:solidFill>
+                  </a:rPr>
+                  <a:t>Model selection problem</a:t>
+                </a:r>
+                <a:r>
                   <a:rPr lang="en-US" dirty="0"/>
-                  <a:t>Model selection problem:  Fit a model with a small number of features</a:t>
+                  <a:t>:  Fit a model with a small number of features</a:t>
                 </a:r>
               </a:p>
               <a:p>
@@ -5618,7 +8105,7 @@
             </p:txBody>
           </p:sp>
         </mc:Choice>
-        <mc:Fallback xmlns="">
+        <mc:Fallback>
           <p:sp>
             <p:nvSpPr>
               <p:cNvPr id="3" name="Content Placeholder 2">
@@ -5681,7 +8168,7 @@
           <a:p>
             <a:fld id="{629637A9-119A-49DA-BD12-AAC58B377D80}" type="slidenum">
               <a:rPr lang="en-US" smtClean="0"/>
-              <a:t>10</a:t>
+              <a:t>18</a:t>
             </a:fld>
             <a:endParaRPr lang="en-US" dirty="0"/>
           </a:p>
@@ -5700,7 +8187,7 @@
 </p:sld>
 </file>
 
-<file path=ppt/slides/slide11.xml><?xml version="1.0" encoding="utf-8"?>
+<file path=ppt/slides/slide19.xml><?xml version="1.0" encoding="utf-8"?>
 <p:sld xmlns:a="http://schemas.openxmlformats.org/drawingml/2006/main" xmlns:r="http://schemas.openxmlformats.org/officeDocument/2006/relationships" xmlns:p="http://schemas.openxmlformats.org/presentationml/2006/main">
   <p:cSld>
     <p:spTree>
@@ -5824,7 +8311,7 @@
           <a:p>
             <a:fld id="{629637A9-119A-49DA-BD12-AAC58B377D80}" type="slidenum">
               <a:rPr lang="en-US" smtClean="0"/>
-              <a:t>11</a:t>
+              <a:t>19</a:t>
             </a:fld>
             <a:endParaRPr lang="en-US" dirty="0"/>
           </a:p>
@@ -5873,7 +8360,177 @@
 </p:sld>
 </file>
 
-<file path=ppt/slides/slide12.xml><?xml version="1.0" encoding="utf-8"?>
+<file path=ppt/slides/slide2.xml><?xml version="1.0" encoding="utf-8"?>
+<p:sld xmlns:a="http://schemas.openxmlformats.org/drawingml/2006/main" xmlns:r="http://schemas.openxmlformats.org/officeDocument/2006/relationships" xmlns:p="http://schemas.openxmlformats.org/presentationml/2006/main">
+  <p:cSld>
+    <p:spTree>
+      <p:nvGrpSpPr>
+        <p:cNvPr id="1" name=""/>
+        <p:cNvGrpSpPr/>
+        <p:nvPr/>
+      </p:nvGrpSpPr>
+      <p:grpSpPr>
+        <a:xfrm>
+          <a:off x="0" y="0"/>
+          <a:ext cx="0" cy="0"/>
+          <a:chOff x="0" y="0"/>
+          <a:chExt cx="0" cy="0"/>
+        </a:xfrm>
+      </p:grpSpPr>
+      <p:sp>
+        <p:nvSpPr>
+          <p:cNvPr id="2" name="Title 1"/>
+          <p:cNvSpPr>
+            <a:spLocks noGrp="1"/>
+          </p:cNvSpPr>
+          <p:nvPr>
+            <p:ph type="title"/>
+          </p:nvPr>
+        </p:nvSpPr>
+        <p:spPr/>
+        <p:txBody>
+          <a:bodyPr/>
+          <a:lstStyle/>
+          <a:p>
+            <a:r>
+              <a:rPr lang="en-US" dirty="0"/>
+              <a:t>Learning Objectives</a:t>
+            </a:r>
+          </a:p>
+        </p:txBody>
+      </p:sp>
+      <p:sp>
+        <p:nvSpPr>
+          <p:cNvPr id="3" name="Content Placeholder 2"/>
+          <p:cNvSpPr>
+            <a:spLocks noGrp="1"/>
+          </p:cNvSpPr>
+          <p:nvPr>
+            <p:ph idx="1"/>
+          </p:nvPr>
+        </p:nvSpPr>
+        <p:spPr/>
+        <p:txBody>
+          <a:bodyPr/>
+          <a:lstStyle/>
+          <a:p>
+            <a:r>
+              <a:rPr lang="en-US" dirty="0"/>
+              <a:t>Formulate a linear estimation problem with a regularization</a:t>
+            </a:r>
+          </a:p>
+          <a:p>
+            <a:r>
+              <a:rPr lang="en-US" dirty="0"/>
+              <a:t>Compute an L1-regularized estimate (LASSO) using </a:t>
+            </a:r>
+            <a:r>
+              <a:rPr lang="en-US" dirty="0" err="1"/>
+              <a:t>sklearn</a:t>
+            </a:r>
+            <a:r>
+              <a:rPr lang="en-US" dirty="0"/>
+              <a:t> tools</a:t>
+            </a:r>
+          </a:p>
+          <a:p>
+            <a:r>
+              <a:rPr lang="en-US" dirty="0"/>
+              <a:t>Compute the optimal regularization level using cross validation</a:t>
+            </a:r>
+          </a:p>
+          <a:p>
+            <a:r>
+              <a:rPr lang="en-US" dirty="0"/>
+              <a:t>Interpret results from a LASSO path</a:t>
+            </a:r>
+          </a:p>
+          <a:p>
+            <a:r>
+              <a:rPr lang="en-US" dirty="0"/>
+              <a:t>Determine final regression function from cross validation</a:t>
+            </a:r>
+          </a:p>
+          <a:p>
+            <a:r>
+              <a:rPr lang="en-US" dirty="0"/>
+              <a:t>Set </a:t>
+            </a:r>
+            <a:r>
+              <a:rPr lang="en-US" dirty="0" err="1"/>
+              <a:t>regularizer</a:t>
+            </a:r>
+            <a:r>
+              <a:rPr lang="en-US" dirty="0"/>
+              <a:t> based on a probabilistic prior</a:t>
+            </a:r>
+          </a:p>
+          <a:p>
+            <a:r>
+              <a:rPr lang="en-US" dirty="0"/>
+              <a:t>Perform other feature selection methods</a:t>
+            </a:r>
+          </a:p>
+          <a:p>
+            <a:pPr marL="0" indent="0">
+              <a:buNone/>
+            </a:pPr>
+            <a:endParaRPr lang="en-US" dirty="0"/>
+          </a:p>
+          <a:p>
+            <a:endParaRPr lang="en-US" dirty="0"/>
+          </a:p>
+          <a:p>
+            <a:endParaRPr lang="en-US" dirty="0"/>
+          </a:p>
+          <a:p>
+            <a:endParaRPr lang="en-US" dirty="0"/>
+          </a:p>
+          <a:p>
+            <a:endParaRPr lang="en-US" dirty="0"/>
+          </a:p>
+          <a:p>
+            <a:endParaRPr lang="en-US" dirty="0"/>
+          </a:p>
+        </p:txBody>
+      </p:sp>
+      <p:sp>
+        <p:nvSpPr>
+          <p:cNvPr id="4" name="Slide Number Placeholder 3"/>
+          <p:cNvSpPr>
+            <a:spLocks noGrp="1"/>
+          </p:cNvSpPr>
+          <p:nvPr>
+            <p:ph type="sldNum" sz="quarter" idx="12"/>
+          </p:nvPr>
+        </p:nvSpPr>
+        <p:spPr/>
+        <p:txBody>
+          <a:bodyPr/>
+          <a:lstStyle/>
+          <a:p>
+            <a:fld id="{629637A9-119A-49DA-BD12-AAC58B377D80}" type="slidenum">
+              <a:rPr lang="en-US" smtClean="0"/>
+              <a:t>2</a:t>
+            </a:fld>
+            <a:endParaRPr lang="en-US" dirty="0"/>
+          </a:p>
+        </p:txBody>
+      </p:sp>
+    </p:spTree>
+    <p:extLst>
+      <p:ext uri="{BB962C8B-B14F-4D97-AF65-F5344CB8AC3E}">
+        <p14:creationId xmlns:p14="http://schemas.microsoft.com/office/powerpoint/2010/main" val="2210901991"/>
+      </p:ext>
+    </p:extLst>
+  </p:cSld>
+  <p:clrMapOvr>
+    <a:masterClrMapping/>
+  </p:clrMapOvr>
+</p:sld>
+</file>
+
+<file path=ppt/slides/slide20.xml><?xml version="1.0" encoding="utf-8"?>
 <p:sld xmlns:a="http://schemas.openxmlformats.org/drawingml/2006/main" xmlns:r="http://schemas.openxmlformats.org/officeDocument/2006/relationships" xmlns:p="http://schemas.openxmlformats.org/presentationml/2006/main">
   <p:cSld>
     <p:spTree>
@@ -6412,7 +9069,7 @@
           <a:p>
             <a:fld id="{629637A9-119A-49DA-BD12-AAC58B377D80}" type="slidenum">
               <a:rPr lang="en-US" smtClean="0"/>
-              <a:t>12</a:t>
+              <a:t>20</a:t>
             </a:fld>
             <a:endParaRPr lang="en-US" dirty="0"/>
           </a:p>
@@ -6431,7 +9088,7 @@
 </p:sld>
 </file>
 
-<file path=ppt/slides/slide13.xml><?xml version="1.0" encoding="utf-8"?>
+<file path=ppt/slides/slide21.xml><?xml version="1.0" encoding="utf-8"?>
 <p:sld xmlns:a="http://schemas.openxmlformats.org/drawingml/2006/main" xmlns:r="http://schemas.openxmlformats.org/officeDocument/2006/relationships" xmlns:p="http://schemas.openxmlformats.org/presentationml/2006/main">
   <p:cSld>
     <p:spTree>
@@ -6735,7 +9392,7 @@
           <a:p>
             <a:fld id="{629637A9-119A-49DA-BD12-AAC58B377D80}" type="slidenum">
               <a:rPr lang="en-US" smtClean="0"/>
-              <a:t>13</a:t>
+              <a:t>21</a:t>
             </a:fld>
             <a:endParaRPr lang="en-US" dirty="0"/>
           </a:p>
@@ -6778,7 +9435,7 @@
 </p:sld>
 </file>
 
-<file path=ppt/slides/slide14.xml><?xml version="1.0" encoding="utf-8"?>
+<file path=ppt/slides/slide22.xml><?xml version="1.0" encoding="utf-8"?>
 <p:sld xmlns:a="http://schemas.openxmlformats.org/drawingml/2006/main" xmlns:r="http://schemas.openxmlformats.org/officeDocument/2006/relationships" xmlns:p="http://schemas.openxmlformats.org/presentationml/2006/main">
   <p:cSld>
     <p:spTree>
@@ -7025,7 +9682,7 @@
           <a:p>
             <a:fld id="{629637A9-119A-49DA-BD12-AAC58B377D80}" type="slidenum">
               <a:rPr lang="en-US" smtClean="0"/>
-              <a:t>14</a:t>
+              <a:t>22</a:t>
             </a:fld>
             <a:endParaRPr lang="en-US" dirty="0"/>
           </a:p>
@@ -7173,7 +9830,7 @@
 </p:sld>
 </file>
 
-<file path=ppt/slides/slide15.xml><?xml version="1.0" encoding="utf-8"?>
+<file path=ppt/slides/slide23.xml><?xml version="1.0" encoding="utf-8"?>
 <p:sld xmlns:a="http://schemas.openxmlformats.org/drawingml/2006/main" xmlns:r="http://schemas.openxmlformats.org/officeDocument/2006/relationships" xmlns:p="http://schemas.openxmlformats.org/presentationml/2006/main">
   <p:cSld>
     <p:spTree>
@@ -7453,7 +10110,7 @@
           <a:p>
             <a:fld id="{629637A9-119A-49DA-BD12-AAC58B377D80}" type="slidenum">
               <a:rPr lang="en-US" smtClean="0"/>
-              <a:t>15</a:t>
+              <a:t>23</a:t>
             </a:fld>
             <a:endParaRPr lang="en-US" dirty="0"/>
           </a:p>
@@ -7502,7 +10159,7 @@
 </p:sld>
 </file>
 
-<file path=ppt/slides/slide16.xml><?xml version="1.0" encoding="utf-8"?>
+<file path=ppt/slides/slide24.xml><?xml version="1.0" encoding="utf-8"?>
 <p:sld xmlns:a="http://schemas.openxmlformats.org/drawingml/2006/main" xmlns:r="http://schemas.openxmlformats.org/officeDocument/2006/relationships" xmlns:p="http://schemas.openxmlformats.org/presentationml/2006/main">
   <p:cSld>
     <p:spTree>
@@ -7610,7 +10267,7 @@
           <a:p>
             <a:fld id="{629637A9-119A-49DA-BD12-AAC58B377D80}" type="slidenum">
               <a:rPr lang="en-US" smtClean="0"/>
-              <a:t>16</a:t>
+              <a:t>24</a:t>
             </a:fld>
             <a:endParaRPr lang="en-US" dirty="0"/>
           </a:p>
@@ -7675,7 +10332,7 @@
 </p:sld>
 </file>
 
-<file path=ppt/slides/slide17.xml><?xml version="1.0" encoding="utf-8"?>
+<file path=ppt/slides/slide25.xml><?xml version="1.0" encoding="utf-8"?>
 <p:sld xmlns:a="http://schemas.openxmlformats.org/drawingml/2006/main" xmlns:r="http://schemas.openxmlformats.org/officeDocument/2006/relationships" xmlns:p="http://schemas.openxmlformats.org/presentationml/2006/main">
   <p:cSld>
     <p:spTree>
@@ -7935,7 +10592,7 @@
           <a:p>
             <a:fld id="{629637A9-119A-49DA-BD12-AAC58B377D80}" type="slidenum">
               <a:rPr lang="en-US" smtClean="0"/>
-              <a:t>17</a:t>
+              <a:t>25</a:t>
             </a:fld>
             <a:endParaRPr lang="en-US" dirty="0"/>
           </a:p>
@@ -7984,7 +10641,7 @@
 </p:sld>
 </file>
 
-<file path=ppt/slides/slide18.xml><?xml version="1.0" encoding="utf-8"?>
+<file path=ppt/slides/slide26.xml><?xml version="1.0" encoding="utf-8"?>
 <p:sld xmlns:a="http://schemas.openxmlformats.org/drawingml/2006/main" xmlns:r="http://schemas.openxmlformats.org/officeDocument/2006/relationships" xmlns:p="http://schemas.openxmlformats.org/presentationml/2006/main">
   <p:cSld>
     <p:spTree>
@@ -8802,7 +11459,7 @@
           <a:p>
             <a:fld id="{629637A9-119A-49DA-BD12-AAC58B377D80}" type="slidenum">
               <a:rPr lang="en-US" smtClean="0"/>
-              <a:t>18</a:t>
+              <a:t>26</a:t>
             </a:fld>
             <a:endParaRPr lang="en-US" dirty="0"/>
           </a:p>
@@ -8821,7 +11478,7 @@
 </p:sld>
 </file>
 
-<file path=ppt/slides/slide19.xml><?xml version="1.0" encoding="utf-8"?>
+<file path=ppt/slides/slide27.xml><?xml version="1.0" encoding="utf-8"?>
 <p:sld xmlns:a="http://schemas.openxmlformats.org/drawingml/2006/main" xmlns:r="http://schemas.openxmlformats.org/officeDocument/2006/relationships" xmlns:p="http://schemas.openxmlformats.org/presentationml/2006/main">
   <p:cSld>
     <p:spTree>
@@ -9389,7 +12046,7 @@
           <a:p>
             <a:fld id="{629637A9-119A-49DA-BD12-AAC58B377D80}" type="slidenum">
               <a:rPr lang="en-US" smtClean="0"/>
-              <a:t>19</a:t>
+              <a:t>27</a:t>
             </a:fld>
             <a:endParaRPr lang="en-US" dirty="0"/>
           </a:p>
@@ -10081,177 +12738,7 @@
 </p:sld>
 </file>
 
-<file path=ppt/slides/slide2.xml><?xml version="1.0" encoding="utf-8"?>
-<p:sld xmlns:a="http://schemas.openxmlformats.org/drawingml/2006/main" xmlns:r="http://schemas.openxmlformats.org/officeDocument/2006/relationships" xmlns:p="http://schemas.openxmlformats.org/presentationml/2006/main">
-  <p:cSld>
-    <p:spTree>
-      <p:nvGrpSpPr>
-        <p:cNvPr id="1" name=""/>
-        <p:cNvGrpSpPr/>
-        <p:nvPr/>
-      </p:nvGrpSpPr>
-      <p:grpSpPr>
-        <a:xfrm>
-          <a:off x="0" y="0"/>
-          <a:ext cx="0" cy="0"/>
-          <a:chOff x="0" y="0"/>
-          <a:chExt cx="0" cy="0"/>
-        </a:xfrm>
-      </p:grpSpPr>
-      <p:sp>
-        <p:nvSpPr>
-          <p:cNvPr id="2" name="Title 1"/>
-          <p:cNvSpPr>
-            <a:spLocks noGrp="1"/>
-          </p:cNvSpPr>
-          <p:nvPr>
-            <p:ph type="title"/>
-          </p:nvPr>
-        </p:nvSpPr>
-        <p:spPr/>
-        <p:txBody>
-          <a:bodyPr/>
-          <a:lstStyle/>
-          <a:p>
-            <a:r>
-              <a:rPr lang="en-US" dirty="0"/>
-              <a:t>Learning Objectives</a:t>
-            </a:r>
-          </a:p>
-        </p:txBody>
-      </p:sp>
-      <p:sp>
-        <p:nvSpPr>
-          <p:cNvPr id="3" name="Content Placeholder 2"/>
-          <p:cNvSpPr>
-            <a:spLocks noGrp="1"/>
-          </p:cNvSpPr>
-          <p:nvPr>
-            <p:ph idx="1"/>
-          </p:nvPr>
-        </p:nvSpPr>
-        <p:spPr/>
-        <p:txBody>
-          <a:bodyPr/>
-          <a:lstStyle/>
-          <a:p>
-            <a:r>
-              <a:rPr lang="en-US" dirty="0"/>
-              <a:t>Formulate a linear estimation problem with a regularization</a:t>
-            </a:r>
-          </a:p>
-          <a:p>
-            <a:r>
-              <a:rPr lang="en-US" dirty="0"/>
-              <a:t>Compute an L1-regularized estimate (LASSO) using </a:t>
-            </a:r>
-            <a:r>
-              <a:rPr lang="en-US" dirty="0" err="1"/>
-              <a:t>sklearn</a:t>
-            </a:r>
-            <a:r>
-              <a:rPr lang="en-US" dirty="0"/>
-              <a:t> tools</a:t>
-            </a:r>
-          </a:p>
-          <a:p>
-            <a:r>
-              <a:rPr lang="en-US" dirty="0"/>
-              <a:t>Compute the optimal regularization level using cross validation</a:t>
-            </a:r>
-          </a:p>
-          <a:p>
-            <a:r>
-              <a:rPr lang="en-US" dirty="0"/>
-              <a:t>Interpret results from a LASSO path</a:t>
-            </a:r>
-          </a:p>
-          <a:p>
-            <a:r>
-              <a:rPr lang="en-US" dirty="0"/>
-              <a:t>Determine final regression function from cross validation</a:t>
-            </a:r>
-          </a:p>
-          <a:p>
-            <a:r>
-              <a:rPr lang="en-US" dirty="0"/>
-              <a:t>Set </a:t>
-            </a:r>
-            <a:r>
-              <a:rPr lang="en-US" dirty="0" err="1"/>
-              <a:t>regularizer</a:t>
-            </a:r>
-            <a:r>
-              <a:rPr lang="en-US" dirty="0"/>
-              <a:t> based on a probabilistic prior</a:t>
-            </a:r>
-          </a:p>
-          <a:p>
-            <a:r>
-              <a:rPr lang="en-US" dirty="0"/>
-              <a:t>Perform other feature selection methods</a:t>
-            </a:r>
-          </a:p>
-          <a:p>
-            <a:pPr marL="0" indent="0">
-              <a:buNone/>
-            </a:pPr>
-            <a:endParaRPr lang="en-US" dirty="0"/>
-          </a:p>
-          <a:p>
-            <a:endParaRPr lang="en-US" dirty="0"/>
-          </a:p>
-          <a:p>
-            <a:endParaRPr lang="en-US" dirty="0"/>
-          </a:p>
-          <a:p>
-            <a:endParaRPr lang="en-US" dirty="0"/>
-          </a:p>
-          <a:p>
-            <a:endParaRPr lang="en-US" dirty="0"/>
-          </a:p>
-          <a:p>
-            <a:endParaRPr lang="en-US" dirty="0"/>
-          </a:p>
-        </p:txBody>
-      </p:sp>
-      <p:sp>
-        <p:nvSpPr>
-          <p:cNvPr id="4" name="Slide Number Placeholder 3"/>
-          <p:cNvSpPr>
-            <a:spLocks noGrp="1"/>
-          </p:cNvSpPr>
-          <p:nvPr>
-            <p:ph type="sldNum" sz="quarter" idx="12"/>
-          </p:nvPr>
-        </p:nvSpPr>
-        <p:spPr/>
-        <p:txBody>
-          <a:bodyPr/>
-          <a:lstStyle/>
-          <a:p>
-            <a:fld id="{629637A9-119A-49DA-BD12-AAC58B377D80}" type="slidenum">
-              <a:rPr lang="en-US" smtClean="0"/>
-              <a:t>2</a:t>
-            </a:fld>
-            <a:endParaRPr lang="en-US" dirty="0"/>
-          </a:p>
-        </p:txBody>
-      </p:sp>
-    </p:spTree>
-    <p:extLst>
-      <p:ext uri="{BB962C8B-B14F-4D97-AF65-F5344CB8AC3E}">
-        <p14:creationId xmlns:p14="http://schemas.microsoft.com/office/powerpoint/2010/main" val="2210901991"/>
-      </p:ext>
-    </p:extLst>
-  </p:cSld>
-  <p:clrMapOvr>
-    <a:masterClrMapping/>
-  </p:clrMapOvr>
-</p:sld>
-</file>
-
-<file path=ppt/slides/slide20.xml><?xml version="1.0" encoding="utf-8"?>
+<file path=ppt/slides/slide28.xml><?xml version="1.0" encoding="utf-8"?>
 <p:sld xmlns:a="http://schemas.openxmlformats.org/drawingml/2006/main" xmlns:r="http://schemas.openxmlformats.org/officeDocument/2006/relationships" xmlns:p="http://schemas.openxmlformats.org/presentationml/2006/main">
   <p:cSld>
     <p:spTree>
@@ -10889,7 +13376,7 @@
           <a:p>
             <a:fld id="{629637A9-119A-49DA-BD12-AAC58B377D80}" type="slidenum">
               <a:rPr lang="en-US" smtClean="0"/>
-              <a:t>20</a:t>
+              <a:t>28</a:t>
             </a:fld>
             <a:endParaRPr lang="en-US" dirty="0"/>
           </a:p>
@@ -10908,7 +13395,7 @@
 </p:sld>
 </file>
 
-<file path=ppt/slides/slide21.xml><?xml version="1.0" encoding="utf-8"?>
+<file path=ppt/slides/slide29.xml><?xml version="1.0" encoding="utf-8"?>
 <p:sld xmlns:a="http://schemas.openxmlformats.org/drawingml/2006/main" xmlns:r="http://schemas.openxmlformats.org/officeDocument/2006/relationships" xmlns:p="http://schemas.openxmlformats.org/presentationml/2006/main">
   <p:cSld>
     <p:spTree>
@@ -11904,14 +14391,14 @@
           <a:p>
             <a:fld id="{629637A9-119A-49DA-BD12-AAC58B377D80}" type="slidenum">
               <a:rPr lang="en-US" smtClean="0"/>
-              <a:t>21</a:t>
+              <a:t>29</a:t>
             </a:fld>
             <a:endParaRPr lang="en-US" dirty="0"/>
           </a:p>
         </p:txBody>
       </p:sp>
-      <mc:AlternateContent xmlns:mc="http://schemas.openxmlformats.org/markup-compatibility/2006">
-        <mc:Choice xmlns:p14="http://schemas.microsoft.com/office/powerpoint/2010/main" Requires="p14">
+      <mc:AlternateContent xmlns:mc="http://schemas.openxmlformats.org/markup-compatibility/2006" xmlns:p14="http://schemas.microsoft.com/office/powerpoint/2010/main">
+        <mc:Choice Requires="p14">
           <p:contentPart p14:bwMode="auto" r:id="rId3">
             <p14:nvContentPartPr>
               <p14:cNvPr id="5" name="Ink 4">
@@ -11930,7 +14417,7 @@
             </p14:xfrm>
           </p:contentPart>
         </mc:Choice>
-        <mc:Fallback>
+        <mc:Fallback xmlns="">
           <p:pic>
             <p:nvPicPr>
               <p:cNvPr id="5" name="Ink 4">
@@ -11974,7 +14461,180 @@
 </p:sld>
 </file>
 
-<file path=ppt/slides/slide22.xml><?xml version="1.0" encoding="utf-8"?>
+<file path=ppt/slides/slide3.xml><?xml version="1.0" encoding="utf-8"?>
+<p:sld xmlns:a="http://schemas.openxmlformats.org/drawingml/2006/main" xmlns:r="http://schemas.openxmlformats.org/officeDocument/2006/relationships" xmlns:p="http://schemas.openxmlformats.org/presentationml/2006/main">
+  <p:cSld>
+    <p:spTree>
+      <p:nvGrpSpPr>
+        <p:cNvPr id="1" name=""/>
+        <p:cNvGrpSpPr/>
+        <p:nvPr/>
+      </p:nvGrpSpPr>
+      <p:grpSpPr>
+        <a:xfrm>
+          <a:off x="0" y="0"/>
+          <a:ext cx="0" cy="0"/>
+          <a:chOff x="0" y="0"/>
+          <a:chExt cx="0" cy="0"/>
+        </a:xfrm>
+      </p:grpSpPr>
+      <p:sp>
+        <p:nvSpPr>
+          <p:cNvPr id="2" name="Title 1"/>
+          <p:cNvSpPr>
+            <a:spLocks noGrp="1"/>
+          </p:cNvSpPr>
+          <p:nvPr>
+            <p:ph type="title"/>
+          </p:nvPr>
+        </p:nvSpPr>
+        <p:spPr/>
+        <p:txBody>
+          <a:bodyPr/>
+          <a:lstStyle/>
+          <a:p>
+            <a:r>
+              <a:rPr lang="en-US" dirty="0"/>
+              <a:t>Outline	</a:t>
+            </a:r>
+          </a:p>
+        </p:txBody>
+      </p:sp>
+      <p:sp>
+        <p:nvSpPr>
+          <p:cNvPr id="3" name="Content Placeholder 2"/>
+          <p:cNvSpPr>
+            <a:spLocks noGrp="1"/>
+          </p:cNvSpPr>
+          <p:nvPr>
+            <p:ph idx="1"/>
+          </p:nvPr>
+        </p:nvSpPr>
+        <p:spPr/>
+        <p:txBody>
+          <a:bodyPr/>
+          <a:lstStyle/>
+          <a:p>
+            <a:r>
+              <a:rPr lang="en-US" dirty="0"/>
+              <a:t>Motivating Example:  Predicting housing price</a:t>
+            </a:r>
+          </a:p>
+          <a:p>
+            <a:r>
+              <a:rPr lang="en-US" dirty="0"/>
+              <a:t>Model Selection </a:t>
+            </a:r>
+          </a:p>
+          <a:p>
+            <a:r>
+              <a:rPr lang="en-US" dirty="0"/>
+              <a:t>Model Selection from LASSO regularization</a:t>
+            </a:r>
+          </a:p>
+          <a:p>
+            <a:r>
+              <a:rPr lang="en-US" dirty="0"/>
+              <a:t>Probabilistic interpretation</a:t>
+            </a:r>
+          </a:p>
+          <a:p>
+            <a:r>
+              <a:rPr lang="en-US" dirty="0"/>
+              <a:t>Other Model Selection Methods</a:t>
+            </a:r>
+          </a:p>
+          <a:p>
+            <a:r>
+              <a:rPr lang="en-US" dirty="0"/>
+              <a:t>In-Class Exercise:  Audio Pitch Detection </a:t>
+            </a:r>
+          </a:p>
+        </p:txBody>
+      </p:sp>
+      <p:sp>
+        <p:nvSpPr>
+          <p:cNvPr id="4" name="Slide Number Placeholder 3"/>
+          <p:cNvSpPr>
+            <a:spLocks noGrp="1"/>
+          </p:cNvSpPr>
+          <p:nvPr>
+            <p:ph type="sldNum" sz="quarter" idx="12"/>
+          </p:nvPr>
+        </p:nvSpPr>
+        <p:spPr/>
+        <p:txBody>
+          <a:bodyPr/>
+          <a:lstStyle/>
+          <a:p>
+            <a:fld id="{629637A9-119A-49DA-BD12-AAC58B377D80}" type="slidenum">
+              <a:rPr lang="en-US" smtClean="0"/>
+              <a:t>3</a:t>
+            </a:fld>
+            <a:endParaRPr lang="en-US" dirty="0"/>
+          </a:p>
+        </p:txBody>
+      </p:sp>
+      <p:sp>
+        <p:nvSpPr>
+          <p:cNvPr id="5" name="Arrow: Right 4"/>
+          <p:cNvSpPr/>
+          <p:nvPr/>
+        </p:nvSpPr>
+        <p:spPr>
+          <a:xfrm>
+            <a:off x="314049" y="1448057"/>
+            <a:ext cx="978408" cy="484632"/>
+          </a:xfrm>
+          <a:prstGeom prst="rightArrow">
+            <a:avLst/>
+          </a:prstGeom>
+          <a:solidFill>
+            <a:schemeClr val="accent1">
+              <a:lumMod val="60000"/>
+              <a:lumOff val="40000"/>
+            </a:schemeClr>
+          </a:solidFill>
+        </p:spPr>
+        <p:style>
+          <a:lnRef idx="2">
+            <a:schemeClr val="accent1">
+              <a:shade val="50000"/>
+            </a:schemeClr>
+          </a:lnRef>
+          <a:fillRef idx="1">
+            <a:schemeClr val="accent1"/>
+          </a:fillRef>
+          <a:effectRef idx="0">
+            <a:schemeClr val="accent1"/>
+          </a:effectRef>
+          <a:fontRef idx="minor">
+            <a:schemeClr val="lt1"/>
+          </a:fontRef>
+        </p:style>
+        <p:txBody>
+          <a:bodyPr rtlCol="0" anchor="ctr"/>
+          <a:lstStyle/>
+          <a:p>
+            <a:pPr algn="ctr"/>
+            <a:endParaRPr lang="en-US"/>
+          </a:p>
+        </p:txBody>
+      </p:sp>
+    </p:spTree>
+    <p:extLst>
+      <p:ext uri="{BB962C8B-B14F-4D97-AF65-F5344CB8AC3E}">
+        <p14:creationId xmlns:p14="http://schemas.microsoft.com/office/powerpoint/2010/main" val="3884634229"/>
+      </p:ext>
+    </p:extLst>
+  </p:cSld>
+  <p:clrMapOvr>
+    <a:masterClrMapping/>
+  </p:clrMapOvr>
+</p:sld>
+</file>
+
+<file path=ppt/slides/slide30.xml><?xml version="1.0" encoding="utf-8"?>
 <p:sld xmlns:a="http://schemas.openxmlformats.org/drawingml/2006/main" xmlns:r="http://schemas.openxmlformats.org/officeDocument/2006/relationships" xmlns:p="http://schemas.openxmlformats.org/presentationml/2006/main">
   <p:cSld>
     <p:spTree>
@@ -12140,7 +14800,7 @@
           <a:p>
             <a:fld id="{629637A9-119A-49DA-BD12-AAC58B377D80}" type="slidenum">
               <a:rPr lang="en-US" smtClean="0"/>
-              <a:t>22</a:t>
+              <a:t>30</a:t>
             </a:fld>
             <a:endParaRPr lang="en-US" dirty="0"/>
           </a:p>
@@ -12189,7 +14849,7 @@
 </p:sld>
 </file>
 
-<file path=ppt/slides/slide23.xml><?xml version="1.0" encoding="utf-8"?>
+<file path=ppt/slides/slide31.xml><?xml version="1.0" encoding="utf-8"?>
 <p:sld xmlns:a="http://schemas.openxmlformats.org/drawingml/2006/main" xmlns:r="http://schemas.openxmlformats.org/officeDocument/2006/relationships" xmlns:p="http://schemas.openxmlformats.org/presentationml/2006/main">
   <p:cSld>
     <p:spTree>
@@ -12822,7 +15482,7 @@
           <a:p>
             <a:fld id="{629637A9-119A-49DA-BD12-AAC58B377D80}" type="slidenum">
               <a:rPr lang="en-US" smtClean="0"/>
-              <a:t>23</a:t>
+              <a:t>31</a:t>
             </a:fld>
             <a:endParaRPr lang="en-US" dirty="0"/>
           </a:p>
@@ -12841,7 +15501,7 @@
 </p:sld>
 </file>
 
-<file path=ppt/slides/slide24.xml><?xml version="1.0" encoding="utf-8"?>
+<file path=ppt/slides/slide32.xml><?xml version="1.0" encoding="utf-8"?>
 <p:sld xmlns:a="http://schemas.openxmlformats.org/drawingml/2006/main" xmlns:r="http://schemas.openxmlformats.org/officeDocument/2006/relationships" xmlns:p="http://schemas.openxmlformats.org/presentationml/2006/main">
   <p:cSld>
     <p:spTree>
@@ -13058,7 +15718,7 @@
           <a:p>
             <a:fld id="{629637A9-119A-49DA-BD12-AAC58B377D80}" type="slidenum">
               <a:rPr lang="en-US" smtClean="0"/>
-              <a:t>24</a:t>
+              <a:t>32</a:t>
             </a:fld>
             <a:endParaRPr lang="en-US" dirty="0"/>
           </a:p>
@@ -13487,7 +16147,7 @@
 </p:sld>
 </file>
 
-<file path=ppt/slides/slide25.xml><?xml version="1.0" encoding="utf-8"?>
+<file path=ppt/slides/slide33.xml><?xml version="1.0" encoding="utf-8"?>
 <p:sld xmlns:a="http://schemas.openxmlformats.org/drawingml/2006/main" xmlns:r="http://schemas.openxmlformats.org/officeDocument/2006/relationships" xmlns:p="http://schemas.openxmlformats.org/presentationml/2006/main">
   <p:cSld>
     <p:spTree>
@@ -13591,7 +16251,7 @@
           <a:p>
             <a:fld id="{629637A9-119A-49DA-BD12-AAC58B377D80}" type="slidenum">
               <a:rPr lang="en-US" smtClean="0"/>
-              <a:t>25</a:t>
+              <a:t>33</a:t>
             </a:fld>
             <a:endParaRPr lang="en-US" dirty="0"/>
           </a:p>
@@ -13972,7 +16632,7 @@
 </p:sld>
 </file>
 
-<file path=ppt/slides/slide26.xml><?xml version="1.0" encoding="utf-8"?>
+<file path=ppt/slides/slide34.xml><?xml version="1.0" encoding="utf-8"?>
 <p:sld xmlns:a="http://schemas.openxmlformats.org/drawingml/2006/main" xmlns:r="http://schemas.openxmlformats.org/officeDocument/2006/relationships" xmlns:p="http://schemas.openxmlformats.org/presentationml/2006/main">
   <p:cSld>
     <p:spTree>
@@ -14598,7 +17258,7 @@
           <a:p>
             <a:fld id="{629637A9-119A-49DA-BD12-AAC58B377D80}" type="slidenum">
               <a:rPr lang="en-US" smtClean="0"/>
-              <a:t>26</a:t>
+              <a:t>34</a:t>
             </a:fld>
             <a:endParaRPr lang="en-US" dirty="0"/>
           </a:p>
@@ -14617,7 +17277,7 @@
 </p:sld>
 </file>
 
-<file path=ppt/slides/slide27.xml><?xml version="1.0" encoding="utf-8"?>
+<file path=ppt/slides/slide35.xml><?xml version="1.0" encoding="utf-8"?>
 <p:sld xmlns:a="http://schemas.openxmlformats.org/drawingml/2006/main" xmlns:r="http://schemas.openxmlformats.org/officeDocument/2006/relationships" xmlns:p="http://schemas.openxmlformats.org/presentationml/2006/main">
   <p:cSld>
     <p:spTree>
@@ -14863,7 +17523,7 @@
           <a:p>
             <a:fld id="{629637A9-119A-49DA-BD12-AAC58B377D80}" type="slidenum">
               <a:rPr lang="en-US" smtClean="0"/>
-              <a:t>27</a:t>
+              <a:t>35</a:t>
             </a:fld>
             <a:endParaRPr lang="en-US" dirty="0"/>
           </a:p>
@@ -14882,7 +17542,7 @@
 </p:sld>
 </file>
 
-<file path=ppt/slides/slide28.xml><?xml version="1.0" encoding="utf-8"?>
+<file path=ppt/slides/slide36.xml><?xml version="1.0" encoding="utf-8"?>
 <p:sld xmlns:a="http://schemas.openxmlformats.org/drawingml/2006/main" xmlns:r="http://schemas.openxmlformats.org/officeDocument/2006/relationships" xmlns:p="http://schemas.openxmlformats.org/presentationml/2006/main">
   <p:cSld>
     <p:spTree>
@@ -15091,7 +17751,7 @@
           <a:p>
             <a:fld id="{629637A9-119A-49DA-BD12-AAC58B377D80}" type="slidenum">
               <a:rPr lang="en-US" smtClean="0"/>
-              <a:t>28</a:t>
+              <a:t>36</a:t>
             </a:fld>
             <a:endParaRPr lang="en-US" dirty="0"/>
           </a:p>
@@ -15170,7 +17830,7 @@
 </p:sld>
 </file>
 
-<file path=ppt/slides/slide29.xml><?xml version="1.0" encoding="utf-8"?>
+<file path=ppt/slides/slide37.xml><?xml version="1.0" encoding="utf-8"?>
 <p:sld xmlns:a="http://schemas.openxmlformats.org/drawingml/2006/main" xmlns:r="http://schemas.openxmlformats.org/officeDocument/2006/relationships" xmlns:p="http://schemas.openxmlformats.org/presentationml/2006/main">
   <p:cSld>
     <p:spTree>
@@ -15599,7 +18259,7 @@
           <a:p>
             <a:fld id="{629637A9-119A-49DA-BD12-AAC58B377D80}" type="slidenum">
               <a:rPr lang="en-US" smtClean="0"/>
-              <a:t>29</a:t>
+              <a:t>37</a:t>
             </a:fld>
             <a:endParaRPr lang="en-US" dirty="0"/>
           </a:p>
@@ -15678,180 +18338,7 @@
 </p:sld>
 </file>
 
-<file path=ppt/slides/slide3.xml><?xml version="1.0" encoding="utf-8"?>
-<p:sld xmlns:a="http://schemas.openxmlformats.org/drawingml/2006/main" xmlns:r="http://schemas.openxmlformats.org/officeDocument/2006/relationships" xmlns:p="http://schemas.openxmlformats.org/presentationml/2006/main">
-  <p:cSld>
-    <p:spTree>
-      <p:nvGrpSpPr>
-        <p:cNvPr id="1" name=""/>
-        <p:cNvGrpSpPr/>
-        <p:nvPr/>
-      </p:nvGrpSpPr>
-      <p:grpSpPr>
-        <a:xfrm>
-          <a:off x="0" y="0"/>
-          <a:ext cx="0" cy="0"/>
-          <a:chOff x="0" y="0"/>
-          <a:chExt cx="0" cy="0"/>
-        </a:xfrm>
-      </p:grpSpPr>
-      <p:sp>
-        <p:nvSpPr>
-          <p:cNvPr id="2" name="Title 1"/>
-          <p:cNvSpPr>
-            <a:spLocks noGrp="1"/>
-          </p:cNvSpPr>
-          <p:nvPr>
-            <p:ph type="title"/>
-          </p:nvPr>
-        </p:nvSpPr>
-        <p:spPr/>
-        <p:txBody>
-          <a:bodyPr/>
-          <a:lstStyle/>
-          <a:p>
-            <a:r>
-              <a:rPr lang="en-US" dirty="0"/>
-              <a:t>Outline	</a:t>
-            </a:r>
-          </a:p>
-        </p:txBody>
-      </p:sp>
-      <p:sp>
-        <p:nvSpPr>
-          <p:cNvPr id="3" name="Content Placeholder 2"/>
-          <p:cNvSpPr>
-            <a:spLocks noGrp="1"/>
-          </p:cNvSpPr>
-          <p:nvPr>
-            <p:ph idx="1"/>
-          </p:nvPr>
-        </p:nvSpPr>
-        <p:spPr/>
-        <p:txBody>
-          <a:bodyPr/>
-          <a:lstStyle/>
-          <a:p>
-            <a:r>
-              <a:rPr lang="en-US" dirty="0"/>
-              <a:t>Motivating Example:  Predicting prostate cancer from a PSA test</a:t>
-            </a:r>
-          </a:p>
-          <a:p>
-            <a:r>
-              <a:rPr lang="en-US" dirty="0"/>
-              <a:t>Model Selection </a:t>
-            </a:r>
-          </a:p>
-          <a:p>
-            <a:r>
-              <a:rPr lang="en-US" dirty="0"/>
-              <a:t>Model Selection from LASSO regularization</a:t>
-            </a:r>
-          </a:p>
-          <a:p>
-            <a:r>
-              <a:rPr lang="en-US" dirty="0"/>
-              <a:t>Probabilistic interpretation</a:t>
-            </a:r>
-          </a:p>
-          <a:p>
-            <a:r>
-              <a:rPr lang="en-US" dirty="0"/>
-              <a:t>Other Model Selection Methods</a:t>
-            </a:r>
-          </a:p>
-          <a:p>
-            <a:r>
-              <a:rPr lang="en-US" dirty="0"/>
-              <a:t>In-Class Exercise:  Audio Pitch Detection </a:t>
-            </a:r>
-          </a:p>
-        </p:txBody>
-      </p:sp>
-      <p:sp>
-        <p:nvSpPr>
-          <p:cNvPr id="4" name="Slide Number Placeholder 3"/>
-          <p:cNvSpPr>
-            <a:spLocks noGrp="1"/>
-          </p:cNvSpPr>
-          <p:nvPr>
-            <p:ph type="sldNum" sz="quarter" idx="12"/>
-          </p:nvPr>
-        </p:nvSpPr>
-        <p:spPr/>
-        <p:txBody>
-          <a:bodyPr/>
-          <a:lstStyle/>
-          <a:p>
-            <a:fld id="{629637A9-119A-49DA-BD12-AAC58B377D80}" type="slidenum">
-              <a:rPr lang="en-US" smtClean="0"/>
-              <a:t>3</a:t>
-            </a:fld>
-            <a:endParaRPr lang="en-US" dirty="0"/>
-          </a:p>
-        </p:txBody>
-      </p:sp>
-      <p:sp>
-        <p:nvSpPr>
-          <p:cNvPr id="5" name="Arrow: Right 4"/>
-          <p:cNvSpPr/>
-          <p:nvPr/>
-        </p:nvSpPr>
-        <p:spPr>
-          <a:xfrm>
-            <a:off x="314049" y="1448057"/>
-            <a:ext cx="978408" cy="484632"/>
-          </a:xfrm>
-          <a:prstGeom prst="rightArrow">
-            <a:avLst/>
-          </a:prstGeom>
-          <a:solidFill>
-            <a:schemeClr val="accent1">
-              <a:lumMod val="60000"/>
-              <a:lumOff val="40000"/>
-            </a:schemeClr>
-          </a:solidFill>
-        </p:spPr>
-        <p:style>
-          <a:lnRef idx="2">
-            <a:schemeClr val="accent1">
-              <a:shade val="50000"/>
-            </a:schemeClr>
-          </a:lnRef>
-          <a:fillRef idx="1">
-            <a:schemeClr val="accent1"/>
-          </a:fillRef>
-          <a:effectRef idx="0">
-            <a:schemeClr val="accent1"/>
-          </a:effectRef>
-          <a:fontRef idx="minor">
-            <a:schemeClr val="lt1"/>
-          </a:fontRef>
-        </p:style>
-        <p:txBody>
-          <a:bodyPr rtlCol="0" anchor="ctr"/>
-          <a:lstStyle/>
-          <a:p>
-            <a:pPr algn="ctr"/>
-            <a:endParaRPr lang="en-US"/>
-          </a:p>
-        </p:txBody>
-      </p:sp>
-    </p:spTree>
-    <p:extLst>
-      <p:ext uri="{BB962C8B-B14F-4D97-AF65-F5344CB8AC3E}">
-        <p14:creationId xmlns:p14="http://schemas.microsoft.com/office/powerpoint/2010/main" val="3884634229"/>
-      </p:ext>
-    </p:extLst>
-  </p:cSld>
-  <p:clrMapOvr>
-    <a:masterClrMapping/>
-  </p:clrMapOvr>
-</p:sld>
-</file>
-
-<file path=ppt/slides/slide30.xml><?xml version="1.0" encoding="utf-8"?>
+<file path=ppt/slides/slide38.xml><?xml version="1.0" encoding="utf-8"?>
 <p:sld xmlns:a="http://schemas.openxmlformats.org/drawingml/2006/main" xmlns:r="http://schemas.openxmlformats.org/officeDocument/2006/relationships" xmlns:p="http://schemas.openxmlformats.org/presentationml/2006/main">
   <p:cSld>
     <p:spTree>
@@ -16071,7 +18558,7 @@
           <a:p>
             <a:fld id="{629637A9-119A-49DA-BD12-AAC58B377D80}" type="slidenum">
               <a:rPr lang="en-US" smtClean="0"/>
-              <a:t>30</a:t>
+              <a:t>38</a:t>
             </a:fld>
             <a:endParaRPr lang="en-US" dirty="0"/>
           </a:p>
@@ -16120,7 +18607,7 @@
 </p:sld>
 </file>
 
-<file path=ppt/slides/slide31.xml><?xml version="1.0" encoding="utf-8"?>
+<file path=ppt/slides/slide39.xml><?xml version="1.0" encoding="utf-8"?>
 <p:sld xmlns:a="http://schemas.openxmlformats.org/drawingml/2006/main" xmlns:r="http://schemas.openxmlformats.org/officeDocument/2006/relationships" xmlns:p="http://schemas.openxmlformats.org/presentationml/2006/main">
   <p:cSld>
     <p:spTree>
@@ -16325,7 +18812,7 @@
           <a:p>
             <a:fld id="{629637A9-119A-49DA-BD12-AAC58B377D80}" type="slidenum">
               <a:rPr lang="en-US" smtClean="0"/>
-              <a:t>31</a:t>
+              <a:t>39</a:t>
             </a:fld>
             <a:endParaRPr lang="en-US" dirty="0"/>
           </a:p>
@@ -16374,7 +18861,286 @@
 </p:sld>
 </file>
 
-<file path=ppt/slides/slide32.xml><?xml version="1.0" encoding="utf-8"?>
+<file path=ppt/slides/slide4.xml><?xml version="1.0" encoding="utf-8"?>
+<p:sld xmlns:a="http://schemas.openxmlformats.org/drawingml/2006/main" xmlns:r="http://schemas.openxmlformats.org/officeDocument/2006/relationships" xmlns:p="http://schemas.openxmlformats.org/presentationml/2006/main">
+  <p:cSld>
+    <p:spTree>
+      <p:nvGrpSpPr>
+        <p:cNvPr id="1" name=""/>
+        <p:cNvGrpSpPr/>
+        <p:nvPr/>
+      </p:nvGrpSpPr>
+      <p:grpSpPr>
+        <a:xfrm>
+          <a:off x="0" y="0"/>
+          <a:ext cx="0" cy="0"/>
+          <a:chOff x="0" y="0"/>
+          <a:chExt cx="0" cy="0"/>
+        </a:xfrm>
+      </p:grpSpPr>
+      <p:sp>
+        <p:nvSpPr>
+          <p:cNvPr id="2" name="Title 1">
+            <a:extLst>
+              <a:ext uri="{FF2B5EF4-FFF2-40B4-BE49-F238E27FC236}">
+                <a16:creationId xmlns:a16="http://schemas.microsoft.com/office/drawing/2014/main" id="{B9CA316D-0CAF-4314-9E5A-B425D1A79EC7}"/>
+              </a:ext>
+            </a:extLst>
+          </p:cNvPr>
+          <p:cNvSpPr>
+            <a:spLocks noGrp="1"/>
+          </p:cNvSpPr>
+          <p:nvPr>
+            <p:ph type="title"/>
+          </p:nvPr>
+        </p:nvSpPr>
+        <p:spPr/>
+        <p:txBody>
+          <a:bodyPr/>
+          <a:lstStyle/>
+          <a:p>
+            <a:r>
+              <a:rPr lang="en-US" dirty="0"/>
+              <a:t>Predicting Housing Price</a:t>
+            </a:r>
+          </a:p>
+        </p:txBody>
+      </p:sp>
+      <p:sp>
+        <p:nvSpPr>
+          <p:cNvPr id="3" name="Content Placeholder 2">
+            <a:extLst>
+              <a:ext uri="{FF2B5EF4-FFF2-40B4-BE49-F238E27FC236}">
+                <a16:creationId xmlns:a16="http://schemas.microsoft.com/office/drawing/2014/main" id="{4124C962-8047-41C9-BA45-C696E567074B}"/>
+              </a:ext>
+            </a:extLst>
+          </p:cNvPr>
+          <p:cNvSpPr>
+            <a:spLocks noGrp="1"/>
+          </p:cNvSpPr>
+          <p:nvPr>
+            <p:ph idx="1"/>
+          </p:nvPr>
+        </p:nvSpPr>
+        <p:spPr>
+          <a:xfrm>
+            <a:off x="6308520" y="1539277"/>
+            <a:ext cx="4847159" cy="4329817"/>
+          </a:xfrm>
+        </p:spPr>
+        <p:txBody>
+          <a:bodyPr/>
+          <a:lstStyle/>
+          <a:p>
+            <a:r>
+              <a:rPr lang="en-US" dirty="0"/>
+              <a:t>Many services now predict house prices</a:t>
+            </a:r>
+          </a:p>
+          <a:p>
+            <a:r>
+              <a:rPr lang="en-US" dirty="0"/>
+              <a:t>Many possible variables:</a:t>
+            </a:r>
+          </a:p>
+          <a:p>
+            <a:pPr lvl="1"/>
+            <a:r>
+              <a:rPr lang="en-US" dirty="0"/>
+              <a:t>Square meters</a:t>
+            </a:r>
+          </a:p>
+          <a:p>
+            <a:pPr lvl="1"/>
+            <a:r>
+              <a:rPr lang="en-US" dirty="0"/>
+              <a:t>Condition</a:t>
+            </a:r>
+          </a:p>
+          <a:p>
+            <a:pPr lvl="1"/>
+            <a:r>
+              <a:rPr lang="en-US" dirty="0"/>
+              <a:t>Zip code</a:t>
+            </a:r>
+          </a:p>
+          <a:p>
+            <a:pPr lvl="1"/>
+            <a:r>
+              <a:rPr lang="en-US" dirty="0"/>
+              <a:t>Education quality </a:t>
+            </a:r>
+          </a:p>
+          <a:p>
+            <a:pPr lvl="1"/>
+            <a:r>
+              <a:rPr lang="en-US" dirty="0"/>
+              <a:t>…</a:t>
+            </a:r>
+          </a:p>
+          <a:p>
+            <a:r>
+              <a:rPr lang="en-US" dirty="0"/>
+              <a:t>What variables determine the price?</a:t>
+            </a:r>
+          </a:p>
+        </p:txBody>
+      </p:sp>
+      <p:sp>
+        <p:nvSpPr>
+          <p:cNvPr id="4" name="Slide Number Placeholder 3">
+            <a:extLst>
+              <a:ext uri="{FF2B5EF4-FFF2-40B4-BE49-F238E27FC236}">
+                <a16:creationId xmlns:a16="http://schemas.microsoft.com/office/drawing/2014/main" id="{57BF1AF8-ACE6-48F6-893C-32F694F2C224}"/>
+              </a:ext>
+            </a:extLst>
+          </p:cNvPr>
+          <p:cNvSpPr>
+            <a:spLocks noGrp="1"/>
+          </p:cNvSpPr>
+          <p:nvPr>
+            <p:ph type="sldNum" sz="quarter" idx="12"/>
+          </p:nvPr>
+        </p:nvSpPr>
+        <p:spPr/>
+        <p:txBody>
+          <a:bodyPr/>
+          <a:lstStyle/>
+          <a:p>
+            <a:fld id="{629637A9-119A-49DA-BD12-AAC58B377D80}" type="slidenum">
+              <a:rPr lang="en-US" smtClean="0"/>
+              <a:t>4</a:t>
+            </a:fld>
+            <a:endParaRPr lang="en-US" dirty="0"/>
+          </a:p>
+        </p:txBody>
+      </p:sp>
+      <p:pic>
+        <p:nvPicPr>
+          <p:cNvPr id="1026" name="Picture 2">
+            <a:extLst>
+              <a:ext uri="{FF2B5EF4-FFF2-40B4-BE49-F238E27FC236}">
+                <a16:creationId xmlns:a16="http://schemas.microsoft.com/office/drawing/2014/main" id="{E1F46503-4D4A-4641-86B4-1CDF0585CDF8}"/>
+              </a:ext>
+            </a:extLst>
+          </p:cNvPr>
+          <p:cNvPicPr>
+            <a:picLocks noChangeAspect="1" noChangeArrowheads="1"/>
+          </p:cNvPicPr>
+          <p:nvPr/>
+        </p:nvPicPr>
+        <p:blipFill>
+          <a:blip r:embed="rId2">
+            <a:extLst>
+              <a:ext uri="{28A0092B-C50C-407E-A947-70E740481C1C}">
+                <a14:useLocalDpi xmlns:a14="http://schemas.microsoft.com/office/drawing/2010/main" val="0"/>
+              </a:ext>
+            </a:extLst>
+          </a:blip>
+          <a:srcRect/>
+          <a:stretch>
+            <a:fillRect/>
+          </a:stretch>
+        </p:blipFill>
+        <p:spPr bwMode="auto">
+          <a:xfrm>
+            <a:off x="1238530" y="2294320"/>
+            <a:ext cx="3980330" cy="2457854"/>
+          </a:xfrm>
+          <a:prstGeom prst="rect">
+            <a:avLst/>
+          </a:prstGeom>
+          <a:noFill/>
+          <a:extLst>
+            <a:ext uri="{909E8E84-426E-40DD-AFC4-6F175D3DCCD1}">
+              <a14:hiddenFill xmlns:a14="http://schemas.microsoft.com/office/drawing/2010/main">
+                <a:solidFill>
+                  <a:srgbClr val="FFFFFF"/>
+                </a:solidFill>
+              </a14:hiddenFill>
+            </a:ext>
+          </a:extLst>
+        </p:spPr>
+      </p:pic>
+      <p:pic>
+        <p:nvPicPr>
+          <p:cNvPr id="5" name="Picture 4">
+            <a:extLst>
+              <a:ext uri="{FF2B5EF4-FFF2-40B4-BE49-F238E27FC236}">
+                <a16:creationId xmlns:a16="http://schemas.microsoft.com/office/drawing/2014/main" id="{66196CEF-C74C-4B87-8716-54C2C4853E11}"/>
+              </a:ext>
+            </a:extLst>
+          </p:cNvPr>
+          <p:cNvPicPr>
+            <a:picLocks noChangeAspect="1"/>
+          </p:cNvPicPr>
+          <p:nvPr/>
+        </p:nvPicPr>
+        <p:blipFill>
+          <a:blip r:embed="rId3"/>
+          <a:stretch>
+            <a:fillRect/>
+          </a:stretch>
+        </p:blipFill>
+        <p:spPr>
+          <a:xfrm>
+            <a:off x="1238530" y="1539277"/>
+            <a:ext cx="4489917" cy="755043"/>
+          </a:xfrm>
+          <a:prstGeom prst="rect">
+            <a:avLst/>
+          </a:prstGeom>
+        </p:spPr>
+      </p:pic>
+      <p:sp>
+        <p:nvSpPr>
+          <p:cNvPr id="8" name="TextBox 7">
+            <a:extLst>
+              <a:ext uri="{FF2B5EF4-FFF2-40B4-BE49-F238E27FC236}">
+                <a16:creationId xmlns:a16="http://schemas.microsoft.com/office/drawing/2014/main" id="{A3C379A5-6625-43E2-94CC-7C3F7B17A207}"/>
+              </a:ext>
+            </a:extLst>
+          </p:cNvPr>
+          <p:cNvSpPr txBox="1"/>
+          <p:nvPr/>
+        </p:nvSpPr>
+        <p:spPr>
+          <a:xfrm>
+            <a:off x="1232282" y="5057113"/>
+            <a:ext cx="4786201" cy="523220"/>
+          </a:xfrm>
+          <a:prstGeom prst="rect">
+            <a:avLst/>
+          </a:prstGeom>
+          <a:noFill/>
+        </p:spPr>
+        <p:txBody>
+          <a:bodyPr wrap="square">
+            <a:spAutoFit/>
+          </a:bodyPr>
+          <a:lstStyle/>
+          <a:p>
+            <a:r>
+              <a:rPr lang="en-US" sz="1400" dirty="0"/>
+              <a:t>https://www.zillow.com/tech/introducing-a-new-and-improved-zestimate-algorithm/</a:t>
+            </a:r>
+          </a:p>
+        </p:txBody>
+      </p:sp>
+    </p:spTree>
+    <p:extLst>
+      <p:ext uri="{BB962C8B-B14F-4D97-AF65-F5344CB8AC3E}">
+        <p14:creationId xmlns:p14="http://schemas.microsoft.com/office/powerpoint/2010/main" val="72323682"/>
+      </p:ext>
+    </p:extLst>
+  </p:cSld>
+  <p:clrMapOvr>
+    <a:masterClrMapping/>
+  </p:clrMapOvr>
+</p:sld>
+</file>
+
+<file path=ppt/slides/slide40.xml><?xml version="1.0" encoding="utf-8"?>
 <p:sld xmlns:a="http://schemas.openxmlformats.org/drawingml/2006/main" xmlns:r="http://schemas.openxmlformats.org/officeDocument/2006/relationships" xmlns:p="http://schemas.openxmlformats.org/presentationml/2006/main">
   <p:cSld>
     <p:spTree>
@@ -16579,7 +19345,7 @@
           <a:p>
             <a:fld id="{629637A9-119A-49DA-BD12-AAC58B377D80}" type="slidenum">
               <a:rPr lang="en-US" smtClean="0"/>
-              <a:t>32</a:t>
+              <a:t>40</a:t>
             </a:fld>
             <a:endParaRPr lang="en-US" dirty="0"/>
           </a:p>
@@ -16598,7 +19364,7 @@
 </p:sld>
 </file>
 
-<file path=ppt/slides/slide33.xml><?xml version="1.0" encoding="utf-8"?>
+<file path=ppt/slides/slide41.xml><?xml version="1.0" encoding="utf-8"?>
 <p:sld xmlns:a="http://schemas.openxmlformats.org/drawingml/2006/main" xmlns:r="http://schemas.openxmlformats.org/officeDocument/2006/relationships" xmlns:p="http://schemas.openxmlformats.org/presentationml/2006/main">
   <p:cSld>
     <p:spTree>
@@ -16706,7 +19472,7 @@
           <a:p>
             <a:fld id="{629637A9-119A-49DA-BD12-AAC58B377D80}" type="slidenum">
               <a:rPr lang="en-US" smtClean="0"/>
-              <a:t>33</a:t>
+              <a:t>41</a:t>
             </a:fld>
             <a:endParaRPr lang="en-US" dirty="0"/>
           </a:p>
@@ -16771,7 +19537,7 @@
 </p:sld>
 </file>
 
-<file path=ppt/slides/slide34.xml><?xml version="1.0" encoding="utf-8"?>
+<file path=ppt/slides/slide42.xml><?xml version="1.0" encoding="utf-8"?>
 <p:sld xmlns:a="http://schemas.openxmlformats.org/drawingml/2006/main" xmlns:r="http://schemas.openxmlformats.org/officeDocument/2006/relationships" xmlns:p="http://schemas.openxmlformats.org/presentationml/2006/main">
   <p:cSld>
     <p:spTree>
@@ -17863,7 +20629,7 @@
           <a:p>
             <a:fld id="{629637A9-119A-49DA-BD12-AAC58B377D80}" type="slidenum">
               <a:rPr lang="en-US" smtClean="0"/>
-              <a:t>34</a:t>
+              <a:t>42</a:t>
             </a:fld>
             <a:endParaRPr lang="en-US" dirty="0"/>
           </a:p>
@@ -17882,7 +20648,7 @@
 </p:sld>
 </file>
 
-<file path=ppt/slides/slide35.xml><?xml version="1.0" encoding="utf-8"?>
+<file path=ppt/slides/slide43.xml><?xml version="1.0" encoding="utf-8"?>
 <p:sld xmlns:a="http://schemas.openxmlformats.org/drawingml/2006/main" xmlns:r="http://schemas.openxmlformats.org/officeDocument/2006/relationships" xmlns:p="http://schemas.openxmlformats.org/presentationml/2006/main">
   <p:cSld>
     <p:spTree>
@@ -18814,7 +21580,7 @@
           <a:p>
             <a:fld id="{629637A9-119A-49DA-BD12-AAC58B377D80}" type="slidenum">
               <a:rPr lang="en-US" smtClean="0"/>
-              <a:t>35</a:t>
+              <a:t>43</a:t>
             </a:fld>
             <a:endParaRPr lang="en-US" dirty="0"/>
           </a:p>
@@ -18833,7 +21599,7 @@
 </p:sld>
 </file>
 
-<file path=ppt/slides/slide36.xml><?xml version="1.0" encoding="utf-8"?>
+<file path=ppt/slides/slide44.xml><?xml version="1.0" encoding="utf-8"?>
 <p:sld xmlns:a="http://schemas.openxmlformats.org/drawingml/2006/main" xmlns:r="http://schemas.openxmlformats.org/officeDocument/2006/relationships" xmlns:p="http://schemas.openxmlformats.org/presentationml/2006/main">
   <p:cSld>
     <p:spTree>
@@ -20430,7 +23196,7 @@
           <a:p>
             <a:fld id="{629637A9-119A-49DA-BD12-AAC58B377D80}" type="slidenum">
               <a:rPr lang="en-US" smtClean="0"/>
-              <a:t>36</a:t>
+              <a:t>44</a:t>
             </a:fld>
             <a:endParaRPr lang="en-US" dirty="0"/>
           </a:p>
@@ -20449,7 +23215,7 @@
 </p:sld>
 </file>
 
-<file path=ppt/slides/slide37.xml><?xml version="1.0" encoding="utf-8"?>
+<file path=ppt/slides/slide45.xml><?xml version="1.0" encoding="utf-8"?>
 <p:sld xmlns:a="http://schemas.openxmlformats.org/drawingml/2006/main" xmlns:r="http://schemas.openxmlformats.org/officeDocument/2006/relationships" xmlns:p="http://schemas.openxmlformats.org/presentationml/2006/main">
   <p:cSld>
     <p:spTree>
@@ -22344,7 +25110,7 @@
           <a:p>
             <a:fld id="{629637A9-119A-49DA-BD12-AAC58B377D80}" type="slidenum">
               <a:rPr lang="en-US" smtClean="0"/>
-              <a:t>37</a:t>
+              <a:t>45</a:t>
             </a:fld>
             <a:endParaRPr lang="en-US" dirty="0"/>
           </a:p>
@@ -22363,7 +25129,7 @@
 </p:sld>
 </file>
 
-<file path=ppt/slides/slide38.xml><?xml version="1.0" encoding="utf-8"?>
+<file path=ppt/slides/slide46.xml><?xml version="1.0" encoding="utf-8"?>
 <p:sld xmlns:a="http://schemas.openxmlformats.org/drawingml/2006/main" xmlns:r="http://schemas.openxmlformats.org/officeDocument/2006/relationships" xmlns:p="http://schemas.openxmlformats.org/presentationml/2006/main">
   <p:cSld>
     <p:spTree>
@@ -22471,7 +25237,7 @@
           <a:p>
             <a:fld id="{629637A9-119A-49DA-BD12-AAC58B377D80}" type="slidenum">
               <a:rPr lang="en-US" smtClean="0"/>
-              <a:t>38</a:t>
+              <a:t>46</a:t>
             </a:fld>
             <a:endParaRPr lang="en-US" dirty="0"/>
           </a:p>
@@ -22536,7 +25302,7 @@
 </p:sld>
 </file>
 
-<file path=ppt/slides/slide39.xml><?xml version="1.0" encoding="utf-8"?>
+<file path=ppt/slides/slide47.xml><?xml version="1.0" encoding="utf-8"?>
 <p:sld xmlns:a="http://schemas.openxmlformats.org/drawingml/2006/main" xmlns:r="http://schemas.openxmlformats.org/officeDocument/2006/relationships" xmlns:p="http://schemas.openxmlformats.org/presentationml/2006/main">
   <p:cSld>
     <p:spTree>
@@ -22705,7 +25471,7 @@
           <a:p>
             <a:fld id="{629637A9-119A-49DA-BD12-AAC58B377D80}" type="slidenum">
               <a:rPr lang="en-US" smtClean="0"/>
-              <a:t>39</a:t>
+              <a:t>47</a:t>
             </a:fld>
             <a:endParaRPr lang="en-US" dirty="0"/>
           </a:p>
@@ -22724,318 +25490,7 @@
 </p:sld>
 </file>
 
-<file path=ppt/slides/slide4.xml><?xml version="1.0" encoding="utf-8"?>
-<p:sld xmlns:a="http://schemas.openxmlformats.org/drawingml/2006/main" xmlns:r="http://schemas.openxmlformats.org/officeDocument/2006/relationships" xmlns:p="http://schemas.openxmlformats.org/presentationml/2006/main">
-  <p:cSld>
-    <p:spTree>
-      <p:nvGrpSpPr>
-        <p:cNvPr id="1" name=""/>
-        <p:cNvGrpSpPr/>
-        <p:nvPr/>
-      </p:nvGrpSpPr>
-      <p:grpSpPr>
-        <a:xfrm>
-          <a:off x="0" y="0"/>
-          <a:ext cx="0" cy="0"/>
-          <a:chOff x="0" y="0"/>
-          <a:chExt cx="0" cy="0"/>
-        </a:xfrm>
-      </p:grpSpPr>
-      <p:sp>
-        <p:nvSpPr>
-          <p:cNvPr id="2" name="Title 1">
-            <a:extLst>
-              <a:ext uri="{FF2B5EF4-FFF2-40B4-BE49-F238E27FC236}">
-                <a16:creationId xmlns:a16="http://schemas.microsoft.com/office/drawing/2014/main" id="{8E4FE66F-6839-4583-BAEB-4B3B7DCCD949}"/>
-              </a:ext>
-            </a:extLst>
-          </p:cNvPr>
-          <p:cNvSpPr>
-            <a:spLocks noGrp="1"/>
-          </p:cNvSpPr>
-          <p:nvPr>
-            <p:ph type="title"/>
-          </p:nvPr>
-        </p:nvSpPr>
-        <p:spPr/>
-        <p:txBody>
-          <a:bodyPr/>
-          <a:lstStyle/>
-          <a:p>
-            <a:r>
-              <a:rPr lang="en-US" dirty="0"/>
-              <a:t>Prostate Specific Antigen Testing</a:t>
-            </a:r>
-          </a:p>
-        </p:txBody>
-      </p:sp>
-      <p:sp>
-        <p:nvSpPr>
-          <p:cNvPr id="3" name="Content Placeholder 2">
-            <a:extLst>
-              <a:ext uri="{FF2B5EF4-FFF2-40B4-BE49-F238E27FC236}">
-                <a16:creationId xmlns:a16="http://schemas.microsoft.com/office/drawing/2014/main" id="{F97B28E3-EA84-461D-A8FB-242DE90F4DF7}"/>
-              </a:ext>
-            </a:extLst>
-          </p:cNvPr>
-          <p:cNvSpPr>
-            <a:spLocks noGrp="1"/>
-          </p:cNvSpPr>
-          <p:nvPr>
-            <p:ph idx="1"/>
-          </p:nvPr>
-        </p:nvSpPr>
-        <p:spPr/>
-        <p:txBody>
-          <a:bodyPr/>
-          <a:lstStyle/>
-          <a:p>
-            <a:r>
-              <a:rPr lang="en-US" dirty="0"/>
-              <a:t>PSA levels easily tested</a:t>
-            </a:r>
-          </a:p>
-          <a:p>
-            <a:r>
-              <a:rPr lang="en-US" dirty="0"/>
-              <a:t>High PSA believed to be associated with prostate cancer</a:t>
-            </a:r>
-          </a:p>
-          <a:p>
-            <a:pPr lvl="1"/>
-            <a:r>
-              <a:rPr lang="en-US" dirty="0"/>
-              <a:t>Potential tool for screening</a:t>
-            </a:r>
-          </a:p>
-          <a:p>
-            <a:r>
-              <a:rPr lang="en-US" dirty="0"/>
-              <a:t>Classic 1989 study by Thomas et al:</a:t>
-            </a:r>
-          </a:p>
-          <a:p>
-            <a:pPr lvl="1"/>
-            <a:r>
-              <a:rPr lang="en-US" dirty="0"/>
-              <a:t>Measured PSA level of 102 men prior to prostate removal</a:t>
-            </a:r>
-          </a:p>
-          <a:p>
-            <a:pPr lvl="1"/>
-            <a:r>
-              <a:rPr lang="en-US" dirty="0"/>
-              <a:t>Measured characteristics of prostate from samples</a:t>
-            </a:r>
-          </a:p>
-          <a:p>
-            <a:pPr lvl="1"/>
-            <a:r>
-              <a:rPr lang="en-US" dirty="0"/>
-              <a:t>Characteristics include cancer volume, weight, …</a:t>
-            </a:r>
-          </a:p>
-          <a:p>
-            <a:r>
-              <a:rPr lang="en-US" dirty="0"/>
-              <a:t>Data analysis:</a:t>
-            </a:r>
-          </a:p>
-          <a:p>
-            <a:pPr lvl="1"/>
-            <a:r>
-              <a:rPr lang="en-US" dirty="0"/>
-              <a:t>What characteristics predict PSA?</a:t>
-            </a:r>
-          </a:p>
-        </p:txBody>
-      </p:sp>
-      <p:sp>
-        <p:nvSpPr>
-          <p:cNvPr id="4" name="Slide Number Placeholder 3">
-            <a:extLst>
-              <a:ext uri="{FF2B5EF4-FFF2-40B4-BE49-F238E27FC236}">
-                <a16:creationId xmlns:a16="http://schemas.microsoft.com/office/drawing/2014/main" id="{D8F9C79C-0FD9-477E-8ABC-92DA10487392}"/>
-              </a:ext>
-            </a:extLst>
-          </p:cNvPr>
-          <p:cNvSpPr>
-            <a:spLocks noGrp="1"/>
-          </p:cNvSpPr>
-          <p:nvPr>
-            <p:ph type="sldNum" sz="quarter" idx="12"/>
-          </p:nvPr>
-        </p:nvSpPr>
-        <p:spPr/>
-        <p:txBody>
-          <a:bodyPr/>
-          <a:lstStyle/>
-          <a:p>
-            <a:fld id="{629637A9-119A-49DA-BD12-AAC58B377D80}" type="slidenum">
-              <a:rPr lang="en-US" smtClean="0"/>
-              <a:t>4</a:t>
-            </a:fld>
-            <a:endParaRPr lang="en-US" dirty="0"/>
-          </a:p>
-        </p:txBody>
-      </p:sp>
-      <p:pic>
-        <p:nvPicPr>
-          <p:cNvPr id="2050" name="Picture 2" descr="Related image">
-            <a:extLst>
-              <a:ext uri="{FF2B5EF4-FFF2-40B4-BE49-F238E27FC236}">
-                <a16:creationId xmlns:a16="http://schemas.microsoft.com/office/drawing/2014/main" id="{30490070-4BA6-433B-BF85-815ACCE56C3D}"/>
-              </a:ext>
-            </a:extLst>
-          </p:cNvPr>
-          <p:cNvPicPr>
-            <a:picLocks noChangeAspect="1" noChangeArrowheads="1"/>
-          </p:cNvPicPr>
-          <p:nvPr/>
-        </p:nvPicPr>
-        <p:blipFill>
-          <a:blip r:embed="rId2">
-            <a:extLst>
-              <a:ext uri="{28A0092B-C50C-407E-A947-70E740481C1C}">
-                <a14:useLocalDpi xmlns:a14="http://schemas.microsoft.com/office/drawing/2010/main" val="0"/>
-              </a:ext>
-            </a:extLst>
-          </a:blip>
-          <a:srcRect/>
-          <a:stretch>
-            <a:fillRect/>
-          </a:stretch>
-        </p:blipFill>
-        <p:spPr bwMode="auto">
-          <a:xfrm>
-            <a:off x="7863534" y="3960867"/>
-            <a:ext cx="2461375" cy="1846032"/>
-          </a:xfrm>
-          <a:prstGeom prst="rect">
-            <a:avLst/>
-          </a:prstGeom>
-          <a:noFill/>
-          <a:extLst>
-            <a:ext uri="{909E8E84-426E-40DD-AFC4-6F175D3DCCD1}">
-              <a14:hiddenFill xmlns:a14="http://schemas.microsoft.com/office/drawing/2010/main">
-                <a:solidFill>
-                  <a:srgbClr val="FFFFFF"/>
-                </a:solidFill>
-              </a14:hiddenFill>
-            </a:ext>
-          </a:extLst>
-        </p:spPr>
-      </p:pic>
-      <p:pic>
-        <p:nvPicPr>
-          <p:cNvPr id="2052" name="Picture 4" descr="Image result for prostate specific antigen">
-            <a:extLst>
-              <a:ext uri="{FF2B5EF4-FFF2-40B4-BE49-F238E27FC236}">
-                <a16:creationId xmlns:a16="http://schemas.microsoft.com/office/drawing/2014/main" id="{1B0D21E1-9EE9-47DA-858E-D8B19BD72986}"/>
-              </a:ext>
-            </a:extLst>
-          </p:cNvPr>
-          <p:cNvPicPr>
-            <a:picLocks noChangeAspect="1" noChangeArrowheads="1"/>
-          </p:cNvPicPr>
-          <p:nvPr/>
-        </p:nvPicPr>
-        <p:blipFill>
-          <a:blip r:embed="rId3">
-            <a:extLst>
-              <a:ext uri="{28A0092B-C50C-407E-A947-70E740481C1C}">
-                <a14:useLocalDpi xmlns:a14="http://schemas.microsoft.com/office/drawing/2010/main" val="0"/>
-              </a:ext>
-            </a:extLst>
-          </a:blip>
-          <a:srcRect/>
-          <a:stretch>
-            <a:fillRect/>
-          </a:stretch>
-        </p:blipFill>
-        <p:spPr bwMode="auto">
-          <a:xfrm>
-            <a:off x="7863534" y="1838564"/>
-            <a:ext cx="2847975" cy="1600200"/>
-          </a:xfrm>
-          <a:prstGeom prst="rect">
-            <a:avLst/>
-          </a:prstGeom>
-          <a:noFill/>
-          <a:extLst>
-            <a:ext uri="{909E8E84-426E-40DD-AFC4-6F175D3DCCD1}">
-              <a14:hiddenFill xmlns:a14="http://schemas.microsoft.com/office/drawing/2010/main">
-                <a:solidFill>
-                  <a:srgbClr val="FFFFFF"/>
-                </a:solidFill>
-              </a14:hiddenFill>
-            </a:ext>
-          </a:extLst>
-        </p:spPr>
-      </p:pic>
-      <p:sp>
-        <p:nvSpPr>
-          <p:cNvPr id="5" name="TextBox 4">
-            <a:extLst>
-              <a:ext uri="{FF2B5EF4-FFF2-40B4-BE49-F238E27FC236}">
-                <a16:creationId xmlns:a16="http://schemas.microsoft.com/office/drawing/2014/main" id="{C1CF7363-C618-43A4-874D-40A7AAFF2023}"/>
-              </a:ext>
-            </a:extLst>
-          </p:cNvPr>
-          <p:cNvSpPr txBox="1"/>
-          <p:nvPr/>
-        </p:nvSpPr>
-        <p:spPr>
-          <a:xfrm>
-            <a:off x="1062218" y="5068235"/>
-            <a:ext cx="5853901" cy="738664"/>
-          </a:xfrm>
-          <a:prstGeom prst="rect">
-            <a:avLst/>
-          </a:prstGeom>
-          <a:noFill/>
-        </p:spPr>
-        <p:txBody>
-          <a:bodyPr wrap="square" rtlCol="0">
-            <a:spAutoFit/>
-          </a:bodyPr>
-          <a:lstStyle/>
-          <a:p>
-            <a:r>
-              <a:rPr lang="en-US" sz="1400" dirty="0" err="1"/>
-              <a:t>Stamey</a:t>
-            </a:r>
-            <a:r>
-              <a:rPr lang="en-US" sz="1400" dirty="0"/>
-              <a:t>, Thomas A., et al. "</a:t>
-            </a:r>
-            <a:r>
-              <a:rPr lang="en-US" sz="1400" u="sng" dirty="0">
-                <a:hlinkClick r:id="rId4"/>
-              </a:rPr>
-              <a:t>Prostate specific antigen in the diagnosis and treatment of adenocarcinoma of the prostate. II. Radical prostatectomy treated patients</a:t>
-            </a:r>
-            <a:r>
-              <a:rPr lang="en-US" sz="1400" dirty="0"/>
-              <a:t>." The Journal of urology 141.5 (1989): 1076-1083.</a:t>
-            </a:r>
-          </a:p>
-        </p:txBody>
-      </p:sp>
-    </p:spTree>
-    <p:extLst>
-      <p:ext uri="{BB962C8B-B14F-4D97-AF65-F5344CB8AC3E}">
-        <p14:creationId xmlns:p14="http://schemas.microsoft.com/office/powerpoint/2010/main" val="3599042202"/>
-      </p:ext>
-    </p:extLst>
-  </p:cSld>
-  <p:clrMapOvr>
-    <a:masterClrMapping/>
-  </p:clrMapOvr>
-</p:sld>
-</file>
-
-<file path=ppt/slides/slide40.xml><?xml version="1.0" encoding="utf-8"?>
+<file path=ppt/slides/slide48.xml><?xml version="1.0" encoding="utf-8"?>
 <p:sld xmlns:a="http://schemas.openxmlformats.org/drawingml/2006/main" xmlns:r="http://schemas.openxmlformats.org/officeDocument/2006/relationships" xmlns:p="http://schemas.openxmlformats.org/presentationml/2006/main">
   <p:cSld>
     <p:spTree>
@@ -23211,7 +25666,7 @@
           <a:p>
             <a:fld id="{629637A9-119A-49DA-BD12-AAC58B377D80}" type="slidenum">
               <a:rPr lang="en-US" smtClean="0"/>
-              <a:t>40</a:t>
+              <a:t>48</a:t>
             </a:fld>
             <a:endParaRPr lang="en-US" dirty="0"/>
           </a:p>
@@ -23230,7 +25685,7 @@
 </p:sld>
 </file>
 
-<file path=ppt/slides/slide41.xml><?xml version="1.0" encoding="utf-8"?>
+<file path=ppt/slides/slide49.xml><?xml version="1.0" encoding="utf-8"?>
 <p:sld xmlns:a="http://schemas.openxmlformats.org/drawingml/2006/main" xmlns:r="http://schemas.openxmlformats.org/officeDocument/2006/relationships" xmlns:p="http://schemas.openxmlformats.org/presentationml/2006/main">
   <p:cSld>
     <p:spTree>
@@ -23719,7 +26174,7 @@
           <a:p>
             <a:fld id="{629637A9-119A-49DA-BD12-AAC58B377D80}" type="slidenum">
               <a:rPr lang="en-US" smtClean="0"/>
-              <a:t>41</a:t>
+              <a:t>49</a:t>
             </a:fld>
             <a:endParaRPr lang="en-US" dirty="0"/>
           </a:p>
@@ -23738,7 +26193,200 @@
 </p:sld>
 </file>
 
-<file path=ppt/slides/slide42.xml><?xml version="1.0" encoding="utf-8"?>
+<file path=ppt/slides/slide5.xml><?xml version="1.0" encoding="utf-8"?>
+<p:sld xmlns:a="http://schemas.openxmlformats.org/drawingml/2006/main" xmlns:r="http://schemas.openxmlformats.org/officeDocument/2006/relationships" xmlns:p="http://schemas.openxmlformats.org/presentationml/2006/main">
+  <p:cSld>
+    <p:spTree>
+      <p:nvGrpSpPr>
+        <p:cNvPr id="1" name=""/>
+        <p:cNvGrpSpPr/>
+        <p:nvPr/>
+      </p:nvGrpSpPr>
+      <p:grpSpPr>
+        <a:xfrm>
+          <a:off x="0" y="0"/>
+          <a:ext cx="0" cy="0"/>
+          <a:chOff x="0" y="0"/>
+          <a:chExt cx="0" cy="0"/>
+        </a:xfrm>
+      </p:grpSpPr>
+      <p:sp>
+        <p:nvSpPr>
+          <p:cNvPr id="2" name="Title 1">
+            <a:extLst>
+              <a:ext uri="{FF2B5EF4-FFF2-40B4-BE49-F238E27FC236}">
+                <a16:creationId xmlns:a16="http://schemas.microsoft.com/office/drawing/2014/main" id="{E93DD4CC-562E-449E-9ADD-636CDD980D89}"/>
+              </a:ext>
+            </a:extLst>
+          </p:cNvPr>
+          <p:cNvSpPr>
+            <a:spLocks noGrp="1"/>
+          </p:cNvSpPr>
+          <p:nvPr>
+            <p:ph type="title"/>
+          </p:nvPr>
+        </p:nvSpPr>
+        <p:spPr/>
+        <p:txBody>
+          <a:bodyPr/>
+          <a:lstStyle/>
+          <a:p>
+            <a:r>
+              <a:rPr lang="en-US" dirty="0"/>
+              <a:t>Ames, Iowa Dataset</a:t>
+            </a:r>
+          </a:p>
+        </p:txBody>
+      </p:sp>
+      <p:sp>
+        <p:nvSpPr>
+          <p:cNvPr id="3" name="Content Placeholder 2">
+            <a:extLst>
+              <a:ext uri="{FF2B5EF4-FFF2-40B4-BE49-F238E27FC236}">
+                <a16:creationId xmlns:a16="http://schemas.microsoft.com/office/drawing/2014/main" id="{5DA0A2BC-2F4E-432F-BBD0-7F651F26EF33}"/>
+              </a:ext>
+            </a:extLst>
+          </p:cNvPr>
+          <p:cNvSpPr>
+            <a:spLocks noGrp="1"/>
+          </p:cNvSpPr>
+          <p:nvPr>
+            <p:ph idx="1"/>
+          </p:nvPr>
+        </p:nvSpPr>
+        <p:spPr>
+          <a:xfrm>
+            <a:off x="7117977" y="1539277"/>
+            <a:ext cx="4401670" cy="4329817"/>
+          </a:xfrm>
+        </p:spPr>
+        <p:txBody>
+          <a:bodyPr/>
+          <a:lstStyle/>
+          <a:p>
+            <a:r>
+              <a:rPr lang="en-US" dirty="0"/>
+              <a:t>Ames, Iowa Dataset</a:t>
+            </a:r>
+          </a:p>
+          <a:p>
+            <a:pPr lvl="1"/>
+            <a:r>
+              <a:rPr lang="en-US" dirty="0"/>
+              <a:t>2011</a:t>
+            </a:r>
+          </a:p>
+          <a:p>
+            <a:pPr lvl="1"/>
+            <a:r>
+              <a:rPr lang="en-US" dirty="0"/>
+              <a:t>From Dean De Cock</a:t>
+            </a:r>
+          </a:p>
+          <a:p>
+            <a:r>
+              <a:rPr lang="en-US" dirty="0"/>
+              <a:t>Alternative to Boston Housing dataset</a:t>
+            </a:r>
+          </a:p>
+          <a:p>
+            <a:r>
+              <a:rPr lang="en-US" dirty="0"/>
+              <a:t>Many more variables to explore</a:t>
+            </a:r>
+          </a:p>
+          <a:p>
+            <a:pPr lvl="1"/>
+            <a:r>
+              <a:rPr lang="en-US" dirty="0"/>
+              <a:t>Approximately 81 variables </a:t>
+            </a:r>
+          </a:p>
+          <a:p>
+            <a:pPr lvl="1"/>
+            <a:r>
+              <a:rPr lang="en-US" dirty="0"/>
+              <a:t>2930 samples</a:t>
+            </a:r>
+          </a:p>
+          <a:p>
+            <a:endParaRPr lang="en-US" dirty="0"/>
+          </a:p>
+        </p:txBody>
+      </p:sp>
+      <p:sp>
+        <p:nvSpPr>
+          <p:cNvPr id="4" name="Slide Number Placeholder 3">
+            <a:extLst>
+              <a:ext uri="{FF2B5EF4-FFF2-40B4-BE49-F238E27FC236}">
+                <a16:creationId xmlns:a16="http://schemas.microsoft.com/office/drawing/2014/main" id="{FF7BECD0-EDF4-4B1C-AD21-98CF2E32A1D2}"/>
+              </a:ext>
+            </a:extLst>
+          </p:cNvPr>
+          <p:cNvSpPr>
+            <a:spLocks noGrp="1"/>
+          </p:cNvSpPr>
+          <p:nvPr>
+            <p:ph type="sldNum" sz="quarter" idx="12"/>
+          </p:nvPr>
+        </p:nvSpPr>
+        <p:spPr/>
+        <p:txBody>
+          <a:bodyPr/>
+          <a:lstStyle/>
+          <a:p>
+            <a:fld id="{629637A9-119A-49DA-BD12-AAC58B377D80}" type="slidenum">
+              <a:rPr lang="en-US" smtClean="0"/>
+              <a:t>5</a:t>
+            </a:fld>
+            <a:endParaRPr lang="en-US" dirty="0"/>
+          </a:p>
+        </p:txBody>
+      </p:sp>
+      <p:pic>
+        <p:nvPicPr>
+          <p:cNvPr id="6" name="Picture 5">
+            <a:extLst>
+              <a:ext uri="{FF2B5EF4-FFF2-40B4-BE49-F238E27FC236}">
+                <a16:creationId xmlns:a16="http://schemas.microsoft.com/office/drawing/2014/main" id="{4535BEC0-DC74-4E61-B251-F42DB31940D6}"/>
+              </a:ext>
+            </a:extLst>
+          </p:cNvPr>
+          <p:cNvPicPr>
+            <a:picLocks noChangeAspect="1"/>
+          </p:cNvPicPr>
+          <p:nvPr/>
+        </p:nvPicPr>
+        <p:blipFill>
+          <a:blip r:embed="rId2"/>
+          <a:stretch>
+            <a:fillRect/>
+          </a:stretch>
+        </p:blipFill>
+        <p:spPr>
+          <a:xfrm>
+            <a:off x="1165972" y="1539277"/>
+            <a:ext cx="5276964" cy="4329817"/>
+          </a:xfrm>
+          <a:prstGeom prst="rect">
+            <a:avLst/>
+          </a:prstGeom>
+        </p:spPr>
+      </p:pic>
+    </p:spTree>
+    <p:extLst>
+      <p:ext uri="{BB962C8B-B14F-4D97-AF65-F5344CB8AC3E}">
+        <p14:creationId xmlns:p14="http://schemas.microsoft.com/office/powerpoint/2010/main" val="2766175107"/>
+      </p:ext>
+    </p:extLst>
+  </p:cSld>
+  <p:clrMapOvr>
+    <a:masterClrMapping/>
+  </p:clrMapOvr>
+</p:sld>
+</file>
+
+<file path=ppt/slides/slide50.xml><?xml version="1.0" encoding="utf-8"?>
 <p:sld xmlns:a="http://schemas.openxmlformats.org/drawingml/2006/main" xmlns:r="http://schemas.openxmlformats.org/officeDocument/2006/relationships" xmlns:p="http://schemas.openxmlformats.org/presentationml/2006/main">
   <p:cSld>
     <p:spTree>
@@ -23941,7 +26589,7 @@
           <a:p>
             <a:fld id="{629637A9-119A-49DA-BD12-AAC58B377D80}" type="slidenum">
               <a:rPr lang="en-US" smtClean="0"/>
-              <a:t>42</a:t>
+              <a:t>50</a:t>
             </a:fld>
             <a:endParaRPr lang="en-US" dirty="0"/>
           </a:p>
@@ -23960,7 +26608,7 @@
 </p:sld>
 </file>
 
-<file path=ppt/slides/slide43.xml><?xml version="1.0" encoding="utf-8"?>
+<file path=ppt/slides/slide51.xml><?xml version="1.0" encoding="utf-8"?>
 <p:sld xmlns:a="http://schemas.openxmlformats.org/drawingml/2006/main" xmlns:r="http://schemas.openxmlformats.org/officeDocument/2006/relationships" xmlns:p="http://schemas.openxmlformats.org/presentationml/2006/main">
   <p:cSld>
     <p:spTree>
@@ -24095,7 +26743,7 @@
           <a:p>
             <a:fld id="{629637A9-119A-49DA-BD12-AAC58B377D80}" type="slidenum">
               <a:rPr lang="en-US" smtClean="0"/>
-              <a:t>43</a:t>
+              <a:t>51</a:t>
             </a:fld>
             <a:endParaRPr lang="en-US" dirty="0"/>
           </a:p>
@@ -24114,7 +26762,7 @@
 </p:sld>
 </file>
 
-<file path=ppt/slides/slide44.xml><?xml version="1.0" encoding="utf-8"?>
+<file path=ppt/slides/slide52.xml><?xml version="1.0" encoding="utf-8"?>
 <p:sld xmlns:a="http://schemas.openxmlformats.org/drawingml/2006/main" xmlns:r="http://schemas.openxmlformats.org/officeDocument/2006/relationships" xmlns:p="http://schemas.openxmlformats.org/presentationml/2006/main">
   <p:cSld>
     <p:spTree>
@@ -24325,7 +26973,7 @@
           <a:p>
             <a:fld id="{629637A9-119A-49DA-BD12-AAC58B377D80}" type="slidenum">
               <a:rPr lang="en-US" smtClean="0"/>
-              <a:t>44</a:t>
+              <a:t>52</a:t>
             </a:fld>
             <a:endParaRPr lang="en-US" dirty="0"/>
           </a:p>
@@ -24344,7 +26992,7 @@
 </p:sld>
 </file>
 
-<file path=ppt/slides/slide45.xml><?xml version="1.0" encoding="utf-8"?>
+<file path=ppt/slides/slide53.xml><?xml version="1.0" encoding="utf-8"?>
 <p:sld xmlns:a="http://schemas.openxmlformats.org/drawingml/2006/main" xmlns:r="http://schemas.openxmlformats.org/officeDocument/2006/relationships" xmlns:p="http://schemas.openxmlformats.org/presentationml/2006/main">
   <p:cSld>
     <p:spTree>
@@ -24503,7 +27151,7 @@
           <a:p>
             <a:fld id="{629637A9-119A-49DA-BD12-AAC58B377D80}" type="slidenum">
               <a:rPr lang="en-US" smtClean="0"/>
-              <a:t>45</a:t>
+              <a:t>53</a:t>
             </a:fld>
             <a:endParaRPr lang="en-US" dirty="0"/>
           </a:p>
@@ -24522,7 +27170,7 @@
 </p:sld>
 </file>
 
-<file path=ppt/slides/slide46.xml><?xml version="1.0" encoding="utf-8"?>
+<file path=ppt/slides/slide54.xml><?xml version="1.0" encoding="utf-8"?>
 <p:sld xmlns:a="http://schemas.openxmlformats.org/drawingml/2006/main" xmlns:r="http://schemas.openxmlformats.org/officeDocument/2006/relationships" xmlns:p="http://schemas.openxmlformats.org/presentationml/2006/main">
   <p:cSld>
     <p:spTree>
@@ -24597,7 +27245,7 @@
           <a:p>
             <a:fld id="{629637A9-119A-49DA-BD12-AAC58B377D80}" type="slidenum">
               <a:rPr lang="en-US" smtClean="0"/>
-              <a:t>46</a:t>
+              <a:t>54</a:t>
             </a:fld>
             <a:endParaRPr lang="en-US" dirty="0"/>
           </a:p>
@@ -24697,7 +27345,7 @@
 </p:sld>
 </file>
 
-<file path=ppt/slides/slide47.xml><?xml version="1.0" encoding="utf-8"?>
+<file path=ppt/slides/slide55.xml><?xml version="1.0" encoding="utf-8"?>
 <p:sld xmlns:a="http://schemas.openxmlformats.org/drawingml/2006/main" xmlns:r="http://schemas.openxmlformats.org/officeDocument/2006/relationships" xmlns:p="http://schemas.openxmlformats.org/presentationml/2006/main">
   <p:cSld>
     <p:spTree>
@@ -24792,7 +27440,7 @@
           <a:p>
             <a:fld id="{629637A9-119A-49DA-BD12-AAC58B377D80}" type="slidenum">
               <a:rPr lang="en-US" smtClean="0"/>
-              <a:t>47</a:t>
+              <a:t>55</a:t>
             </a:fld>
             <a:endParaRPr lang="en-US" dirty="0"/>
           </a:p>
@@ -24811,7 +27459,7 @@
 </p:sld>
 </file>
 
-<file path=ppt/slides/slide48.xml><?xml version="1.0" encoding="utf-8"?>
+<file path=ppt/slides/slide56.xml><?xml version="1.0" encoding="utf-8"?>
 <p:sld xmlns:a="http://schemas.openxmlformats.org/drawingml/2006/main" xmlns:r="http://schemas.openxmlformats.org/officeDocument/2006/relationships" xmlns:p="http://schemas.openxmlformats.org/presentationml/2006/main">
   <p:cSld>
     <p:spTree>
@@ -25001,7 +27649,7 @@
           <a:p>
             <a:fld id="{629637A9-119A-49DA-BD12-AAC58B377D80}" type="slidenum">
               <a:rPr lang="en-US" smtClean="0"/>
-              <a:t>48</a:t>
+              <a:t>56</a:t>
             </a:fld>
             <a:endParaRPr lang="en-US" dirty="0"/>
           </a:p>
@@ -25020,7 +27668,7 @@
 </p:sld>
 </file>
 
-<file path=ppt/slides/slide49.xml><?xml version="1.0" encoding="utf-8"?>
+<file path=ppt/slides/slide57.xml><?xml version="1.0" encoding="utf-8"?>
 <p:sld xmlns:a="http://schemas.openxmlformats.org/drawingml/2006/main" xmlns:r="http://schemas.openxmlformats.org/officeDocument/2006/relationships" xmlns:p="http://schemas.openxmlformats.org/presentationml/2006/main">
   <p:cSld>
     <p:spTree>
@@ -25163,7 +27811,7 @@
           <a:p>
             <a:fld id="{629637A9-119A-49DA-BD12-AAC58B377D80}" type="slidenum">
               <a:rPr lang="en-US" smtClean="0"/>
-              <a:t>49</a:t>
+              <a:t>57</a:t>
             </a:fld>
             <a:endParaRPr lang="en-US" dirty="0"/>
           </a:p>
@@ -25182,214 +27830,7 @@
 </p:sld>
 </file>
 
-<file path=ppt/slides/slide5.xml><?xml version="1.0" encoding="utf-8"?>
-<p:sld xmlns:a="http://schemas.openxmlformats.org/drawingml/2006/main" xmlns:r="http://schemas.openxmlformats.org/officeDocument/2006/relationships" xmlns:p="http://schemas.openxmlformats.org/presentationml/2006/main">
-  <p:cSld>
-    <p:spTree>
-      <p:nvGrpSpPr>
-        <p:cNvPr id="1" name=""/>
-        <p:cNvGrpSpPr/>
-        <p:nvPr/>
-      </p:nvGrpSpPr>
-      <p:grpSpPr>
-        <a:xfrm>
-          <a:off x="0" y="0"/>
-          <a:ext cx="0" cy="0"/>
-          <a:chOff x="0" y="0"/>
-          <a:chExt cx="0" cy="0"/>
-        </a:xfrm>
-      </p:grpSpPr>
-      <p:sp>
-        <p:nvSpPr>
-          <p:cNvPr id="2" name="Title 1">
-            <a:extLst>
-              <a:ext uri="{FF2B5EF4-FFF2-40B4-BE49-F238E27FC236}">
-                <a16:creationId xmlns:a16="http://schemas.microsoft.com/office/drawing/2014/main" id="{2546F029-E61E-49AD-84E7-3BE4ACF6128F}"/>
-              </a:ext>
-            </a:extLst>
-          </p:cNvPr>
-          <p:cNvSpPr>
-            <a:spLocks noGrp="1"/>
-          </p:cNvSpPr>
-          <p:nvPr>
-            <p:ph type="title"/>
-          </p:nvPr>
-        </p:nvSpPr>
-        <p:spPr/>
-        <p:txBody>
-          <a:bodyPr/>
-          <a:lstStyle/>
-          <a:p>
-            <a:r>
-              <a:rPr lang="en-US" dirty="0"/>
-              <a:t>Data</a:t>
-            </a:r>
-          </a:p>
-        </p:txBody>
-      </p:sp>
-      <p:sp>
-        <p:nvSpPr>
-          <p:cNvPr id="3" name="Content Placeholder 2">
-            <a:extLst>
-              <a:ext uri="{FF2B5EF4-FFF2-40B4-BE49-F238E27FC236}">
-                <a16:creationId xmlns:a16="http://schemas.microsoft.com/office/drawing/2014/main" id="{FF480433-476C-4BA7-9EAE-BA4A1C765A24}"/>
-              </a:ext>
-            </a:extLst>
-          </p:cNvPr>
-          <p:cNvSpPr>
-            <a:spLocks noGrp="1"/>
-          </p:cNvSpPr>
-          <p:nvPr>
-            <p:ph idx="1"/>
-          </p:nvPr>
-        </p:nvSpPr>
-        <p:spPr/>
-        <p:txBody>
-          <a:bodyPr/>
-          <a:lstStyle/>
-          <a:p>
-            <a:r>
-              <a:rPr lang="en-US" dirty="0"/>
-              <a:t>Prostate dataset widely-used in ML classes</a:t>
-            </a:r>
-          </a:p>
-          <a:p>
-            <a:r>
-              <a:rPr lang="en-US" dirty="0"/>
-              <a:t>Can be downloaded from many sites</a:t>
-            </a:r>
-          </a:p>
-          <a:p>
-            <a:r>
-              <a:rPr lang="en-US" dirty="0"/>
-              <a:t>Samples = 97 patients</a:t>
-            </a:r>
-          </a:p>
-          <a:p>
-            <a:r>
-              <a:rPr lang="en-US" dirty="0"/>
-              <a:t>8 features of the prostate </a:t>
-            </a:r>
-          </a:p>
-          <a:p>
-            <a:r>
-              <a:rPr lang="en-US" dirty="0"/>
-              <a:t>Target variable = </a:t>
-            </a:r>
-            <a:r>
-              <a:rPr lang="en-US" dirty="0" err="1"/>
-              <a:t>lpsa</a:t>
-            </a:r>
-            <a:r>
-              <a:rPr lang="en-US" dirty="0"/>
-              <a:t> (log PSA)</a:t>
-            </a:r>
-          </a:p>
-        </p:txBody>
-      </p:sp>
-      <p:sp>
-        <p:nvSpPr>
-          <p:cNvPr id="4" name="Slide Number Placeholder 3">
-            <a:extLst>
-              <a:ext uri="{FF2B5EF4-FFF2-40B4-BE49-F238E27FC236}">
-                <a16:creationId xmlns:a16="http://schemas.microsoft.com/office/drawing/2014/main" id="{53C31BA2-7D7C-4124-A7EA-67AC16EEC703}"/>
-              </a:ext>
-            </a:extLst>
-          </p:cNvPr>
-          <p:cNvSpPr>
-            <a:spLocks noGrp="1"/>
-          </p:cNvSpPr>
-          <p:nvPr>
-            <p:ph type="sldNum" sz="quarter" idx="12"/>
-          </p:nvPr>
-        </p:nvSpPr>
-        <p:spPr/>
-        <p:txBody>
-          <a:bodyPr/>
-          <a:lstStyle/>
-          <a:p>
-            <a:fld id="{629637A9-119A-49DA-BD12-AAC58B377D80}" type="slidenum">
-              <a:rPr lang="en-US" smtClean="0"/>
-              <a:t>5</a:t>
-            </a:fld>
-            <a:endParaRPr lang="en-US" dirty="0"/>
-          </a:p>
-        </p:txBody>
-      </p:sp>
-      <p:pic>
-        <p:nvPicPr>
-          <p:cNvPr id="5" name="Picture 4">
-            <a:extLst>
-              <a:ext uri="{FF2B5EF4-FFF2-40B4-BE49-F238E27FC236}">
-                <a16:creationId xmlns:a16="http://schemas.microsoft.com/office/drawing/2014/main" id="{E73C0C04-BE33-4A73-9AB8-B2F46D9B2592}"/>
-              </a:ext>
-            </a:extLst>
-          </p:cNvPr>
-          <p:cNvPicPr>
-            <a:picLocks noChangeAspect="1"/>
-          </p:cNvPicPr>
-          <p:nvPr/>
-        </p:nvPicPr>
-        <p:blipFill>
-          <a:blip r:embed="rId2"/>
-          <a:stretch>
-            <a:fillRect/>
-          </a:stretch>
-        </p:blipFill>
-        <p:spPr>
-          <a:xfrm>
-            <a:off x="7314000" y="1649649"/>
-            <a:ext cx="3200400" cy="3409950"/>
-          </a:xfrm>
-          <a:prstGeom prst="rect">
-            <a:avLst/>
-          </a:prstGeom>
-        </p:spPr>
-      </p:pic>
-      <p:pic>
-        <p:nvPicPr>
-          <p:cNvPr id="6" name="Picture 5">
-            <a:extLst>
-              <a:ext uri="{FF2B5EF4-FFF2-40B4-BE49-F238E27FC236}">
-                <a16:creationId xmlns:a16="http://schemas.microsoft.com/office/drawing/2014/main" id="{9D87457D-15E8-4649-ABF4-66313DBC5522}"/>
-              </a:ext>
-            </a:extLst>
-          </p:cNvPr>
-          <p:cNvPicPr>
-            <a:picLocks noChangeAspect="1"/>
-          </p:cNvPicPr>
-          <p:nvPr/>
-        </p:nvPicPr>
-        <p:blipFill>
-          <a:blip r:embed="rId3"/>
-          <a:stretch>
-            <a:fillRect/>
-          </a:stretch>
-        </p:blipFill>
-        <p:spPr>
-          <a:xfrm>
-            <a:off x="1062898" y="4212445"/>
-            <a:ext cx="5838825" cy="914400"/>
-          </a:xfrm>
-          <a:prstGeom prst="rect">
-            <a:avLst/>
-          </a:prstGeom>
-        </p:spPr>
-      </p:pic>
-    </p:spTree>
-    <p:extLst>
-      <p:ext uri="{BB962C8B-B14F-4D97-AF65-F5344CB8AC3E}">
-        <p14:creationId xmlns:p14="http://schemas.microsoft.com/office/powerpoint/2010/main" val="2895909597"/>
-      </p:ext>
-    </p:extLst>
-  </p:cSld>
-  <p:clrMapOvr>
-    <a:masterClrMapping/>
-  </p:clrMapOvr>
-</p:sld>
-</file>
-
-<file path=ppt/slides/slide50.xml><?xml version="1.0" encoding="utf-8"?>
+<file path=ppt/slides/slide58.xml><?xml version="1.0" encoding="utf-8"?>
 <p:sld xmlns:a="http://schemas.openxmlformats.org/drawingml/2006/main" xmlns:r="http://schemas.openxmlformats.org/officeDocument/2006/relationships" xmlns:p="http://schemas.openxmlformats.org/presentationml/2006/main">
   <p:cSld>
     <p:spTree>
@@ -25497,7 +27938,7 @@
           <a:p>
             <a:fld id="{629637A9-119A-49DA-BD12-AAC58B377D80}" type="slidenum">
               <a:rPr lang="en-US" smtClean="0"/>
-              <a:t>50</a:t>
+              <a:t>58</a:t>
             </a:fld>
             <a:endParaRPr lang="en-US" dirty="0"/>
           </a:p>
@@ -25562,7 +28003,7 @@
 </p:sld>
 </file>
 
-<file path=ppt/slides/slide51.xml><?xml version="1.0" encoding="utf-8"?>
+<file path=ppt/slides/slide59.xml><?xml version="1.0" encoding="utf-8"?>
 <p:sld xmlns:a="http://schemas.openxmlformats.org/drawingml/2006/main" xmlns:r="http://schemas.openxmlformats.org/officeDocument/2006/relationships" xmlns:p="http://schemas.openxmlformats.org/presentationml/2006/main">
   <p:cSld>
     <p:spTree>
@@ -25669,7 +28110,7 @@
           <a:p>
             <a:fld id="{629637A9-119A-49DA-BD12-AAC58B377D80}" type="slidenum">
               <a:rPr lang="en-US" smtClean="0"/>
-              <a:t>51</a:t>
+              <a:t>59</a:t>
             </a:fld>
             <a:endParaRPr lang="en-US" dirty="0"/>
           </a:p>
@@ -25718,7 +28159,182 @@
 </p:sld>
 </file>
 
-<file path=ppt/slides/slide52.xml><?xml version="1.0" encoding="utf-8"?>
+<file path=ppt/slides/slide6.xml><?xml version="1.0" encoding="utf-8"?>
+<p:sld xmlns:a="http://schemas.openxmlformats.org/drawingml/2006/main" xmlns:r="http://schemas.openxmlformats.org/officeDocument/2006/relationships" xmlns:p="http://schemas.openxmlformats.org/presentationml/2006/main">
+  <p:cSld>
+    <p:spTree>
+      <p:nvGrpSpPr>
+        <p:cNvPr id="1" name=""/>
+        <p:cNvGrpSpPr/>
+        <p:nvPr/>
+      </p:nvGrpSpPr>
+      <p:grpSpPr>
+        <a:xfrm>
+          <a:off x="0" y="0"/>
+          <a:ext cx="0" cy="0"/>
+          <a:chOff x="0" y="0"/>
+          <a:chExt cx="0" cy="0"/>
+        </a:xfrm>
+      </p:grpSpPr>
+      <p:sp>
+        <p:nvSpPr>
+          <p:cNvPr id="2" name="Title 1">
+            <a:extLst>
+              <a:ext uri="{FF2B5EF4-FFF2-40B4-BE49-F238E27FC236}">
+                <a16:creationId xmlns:a16="http://schemas.microsoft.com/office/drawing/2014/main" id="{4E976537-7101-4263-AC80-7A8BA879C11D}"/>
+              </a:ext>
+            </a:extLst>
+          </p:cNvPr>
+          <p:cNvSpPr>
+            <a:spLocks noGrp="1"/>
+          </p:cNvSpPr>
+          <p:nvPr>
+            <p:ph type="title"/>
+          </p:nvPr>
+        </p:nvSpPr>
+        <p:spPr/>
+        <p:txBody>
+          <a:bodyPr/>
+          <a:lstStyle/>
+          <a:p>
+            <a:r>
+              <a:rPr lang="en-US" dirty="0"/>
+              <a:t>Loading the Dataset</a:t>
+            </a:r>
+          </a:p>
+        </p:txBody>
+      </p:sp>
+      <p:sp>
+        <p:nvSpPr>
+          <p:cNvPr id="3" name="Content Placeholder 2">
+            <a:extLst>
+              <a:ext uri="{FF2B5EF4-FFF2-40B4-BE49-F238E27FC236}">
+                <a16:creationId xmlns:a16="http://schemas.microsoft.com/office/drawing/2014/main" id="{BFA4FFFA-E522-43D4-AB4A-53F54894778A}"/>
+              </a:ext>
+            </a:extLst>
+          </p:cNvPr>
+          <p:cNvSpPr>
+            <a:spLocks noGrp="1"/>
+          </p:cNvSpPr>
+          <p:nvPr>
+            <p:ph idx="1"/>
+          </p:nvPr>
+        </p:nvSpPr>
+        <p:spPr>
+          <a:xfrm>
+            <a:off x="1097280" y="4312024"/>
+            <a:ext cx="10058400" cy="1557070"/>
+          </a:xfrm>
+        </p:spPr>
+        <p:txBody>
+          <a:bodyPr/>
+          <a:lstStyle/>
+          <a:p>
+            <a:r>
+              <a:rPr lang="en-US" dirty="0"/>
+              <a:t>Issues:</a:t>
+            </a:r>
+          </a:p>
+          <a:p>
+            <a:pPr lvl="1"/>
+            <a:r>
+              <a:rPr lang="en-US" dirty="0"/>
+              <a:t>Many different types of data:  Discrete and continuous</a:t>
+            </a:r>
+          </a:p>
+          <a:p>
+            <a:pPr lvl="1"/>
+            <a:r>
+              <a:rPr lang="en-US" dirty="0"/>
+              <a:t>Missing values (</a:t>
+            </a:r>
+            <a:r>
+              <a:rPr lang="en-US" dirty="0" err="1"/>
+              <a:t>NaN</a:t>
+            </a:r>
+            <a:r>
+              <a:rPr lang="en-US" dirty="0"/>
+              <a:t>)</a:t>
+            </a:r>
+          </a:p>
+          <a:p>
+            <a:endParaRPr lang="en-US" dirty="0"/>
+          </a:p>
+        </p:txBody>
+      </p:sp>
+      <p:sp>
+        <p:nvSpPr>
+          <p:cNvPr id="4" name="Slide Number Placeholder 3">
+            <a:extLst>
+              <a:ext uri="{FF2B5EF4-FFF2-40B4-BE49-F238E27FC236}">
+                <a16:creationId xmlns:a16="http://schemas.microsoft.com/office/drawing/2014/main" id="{D5A9A75C-6342-41AF-BA9A-EE3CC8D02E15}"/>
+              </a:ext>
+            </a:extLst>
+          </p:cNvPr>
+          <p:cNvSpPr>
+            <a:spLocks noGrp="1"/>
+          </p:cNvSpPr>
+          <p:nvPr>
+            <p:ph type="sldNum" sz="quarter" idx="12"/>
+          </p:nvPr>
+        </p:nvSpPr>
+        <p:spPr/>
+        <p:txBody>
+          <a:bodyPr/>
+          <a:lstStyle/>
+          <a:p>
+            <a:fld id="{629637A9-119A-49DA-BD12-AAC58B377D80}" type="slidenum">
+              <a:rPr lang="en-US" smtClean="0"/>
+              <a:t>6</a:t>
+            </a:fld>
+            <a:endParaRPr lang="en-US" dirty="0"/>
+          </a:p>
+        </p:txBody>
+      </p:sp>
+      <p:pic>
+        <p:nvPicPr>
+          <p:cNvPr id="5" name="Picture 4">
+            <a:extLst>
+              <a:ext uri="{FF2B5EF4-FFF2-40B4-BE49-F238E27FC236}">
+                <a16:creationId xmlns:a16="http://schemas.microsoft.com/office/drawing/2014/main" id="{79D2F2C1-2CBA-443D-B9F1-E091F3F37FAD}"/>
+              </a:ext>
+            </a:extLst>
+          </p:cNvPr>
+          <p:cNvPicPr>
+            <a:picLocks noChangeAspect="1"/>
+          </p:cNvPicPr>
+          <p:nvPr/>
+        </p:nvPicPr>
+        <p:blipFill>
+          <a:blip r:embed="rId2"/>
+          <a:stretch>
+            <a:fillRect/>
+          </a:stretch>
+        </p:blipFill>
+        <p:spPr>
+          <a:xfrm>
+            <a:off x="1030101" y="1553702"/>
+            <a:ext cx="9324975" cy="2457450"/>
+          </a:xfrm>
+          <a:prstGeom prst="rect">
+            <a:avLst/>
+          </a:prstGeom>
+        </p:spPr>
+      </p:pic>
+    </p:spTree>
+    <p:extLst>
+      <p:ext uri="{BB962C8B-B14F-4D97-AF65-F5344CB8AC3E}">
+        <p14:creationId xmlns:p14="http://schemas.microsoft.com/office/powerpoint/2010/main" val="819646041"/>
+      </p:ext>
+    </p:extLst>
+  </p:cSld>
+  <p:clrMapOvr>
+    <a:masterClrMapping/>
+  </p:clrMapOvr>
+</p:sld>
+</file>
+
+<file path=ppt/slides/slide60.xml><?xml version="1.0" encoding="utf-8"?>
 <p:sld xmlns:a="http://schemas.openxmlformats.org/drawingml/2006/main" xmlns:r="http://schemas.openxmlformats.org/officeDocument/2006/relationships" xmlns:p="http://schemas.openxmlformats.org/presentationml/2006/main">
   <p:cSld>
     <p:spTree>
@@ -25869,7 +28485,7 @@
           <a:p>
             <a:fld id="{629637A9-119A-49DA-BD12-AAC58B377D80}" type="slidenum">
               <a:rPr lang="en-US" smtClean="0"/>
-              <a:t>52</a:t>
+              <a:t>60</a:t>
             </a:fld>
             <a:endParaRPr lang="en-US" dirty="0"/>
           </a:p>
@@ -25879,620 +28495,6 @@
     <p:extLst>
       <p:ext uri="{BB962C8B-B14F-4D97-AF65-F5344CB8AC3E}">
         <p14:creationId xmlns:p14="http://schemas.microsoft.com/office/powerpoint/2010/main" val="3073773537"/>
-      </p:ext>
-    </p:extLst>
-  </p:cSld>
-  <p:clrMapOvr>
-    <a:masterClrMapping/>
-  </p:clrMapOvr>
-</p:sld>
-</file>
-
-<file path=ppt/slides/slide6.xml><?xml version="1.0" encoding="utf-8"?>
-<p:sld xmlns:a="http://schemas.openxmlformats.org/drawingml/2006/main" xmlns:r="http://schemas.openxmlformats.org/officeDocument/2006/relationships" xmlns:p="http://schemas.openxmlformats.org/presentationml/2006/main">
-  <p:cSld>
-    <p:spTree>
-      <p:nvGrpSpPr>
-        <p:cNvPr id="1" name=""/>
-        <p:cNvGrpSpPr/>
-        <p:nvPr/>
-      </p:nvGrpSpPr>
-      <p:grpSpPr>
-        <a:xfrm>
-          <a:off x="0" y="0"/>
-          <a:ext cx="0" cy="0"/>
-          <a:chOff x="0" y="0"/>
-          <a:chExt cx="0" cy="0"/>
-        </a:xfrm>
-      </p:grpSpPr>
-      <p:sp>
-        <p:nvSpPr>
-          <p:cNvPr id="2" name="Title 1">
-            <a:extLst>
-              <a:ext uri="{FF2B5EF4-FFF2-40B4-BE49-F238E27FC236}">
-                <a16:creationId xmlns:a16="http://schemas.microsoft.com/office/drawing/2014/main" id="{CC4B4A1B-F688-4827-A78A-3D74108F0B4E}"/>
-              </a:ext>
-            </a:extLst>
-          </p:cNvPr>
-          <p:cNvSpPr>
-            <a:spLocks noGrp="1"/>
-          </p:cNvSpPr>
-          <p:nvPr>
-            <p:ph type="title"/>
-          </p:nvPr>
-        </p:nvSpPr>
-        <p:spPr/>
-        <p:txBody>
-          <a:bodyPr/>
-          <a:lstStyle/>
-          <a:p>
-            <a:r>
-              <a:rPr lang="en-US" dirty="0"/>
-              <a:t>First Try:  Linear Model</a:t>
-            </a:r>
-          </a:p>
-        </p:txBody>
-      </p:sp>
-      <mc:AlternateContent xmlns:mc="http://schemas.openxmlformats.org/markup-compatibility/2006" xmlns:a14="http://schemas.microsoft.com/office/drawing/2010/main">
-        <mc:Choice Requires="a14">
-          <p:sp>
-            <p:nvSpPr>
-              <p:cNvPr id="3" name="Content Placeholder 2">
-                <a:extLst>
-                  <a:ext uri="{FF2B5EF4-FFF2-40B4-BE49-F238E27FC236}">
-                    <a16:creationId xmlns:a16="http://schemas.microsoft.com/office/drawing/2014/main" id="{C7330D28-3D38-434E-8E7C-F1493B953B7F}"/>
-                  </a:ext>
-                </a:extLst>
-              </p:cNvPr>
-              <p:cNvSpPr>
-                <a:spLocks noGrp="1"/>
-              </p:cNvSpPr>
-              <p:nvPr>
-                <p:ph idx="1"/>
-              </p:nvPr>
-            </p:nvSpPr>
-            <p:spPr>
-              <a:xfrm>
-                <a:off x="1097280" y="1539277"/>
-                <a:ext cx="5808967" cy="4329817"/>
-              </a:xfrm>
-            </p:spPr>
-            <p:txBody>
-              <a:bodyPr/>
-              <a:lstStyle/>
-              <a:p>
-                <a:r>
-                  <a:rPr lang="en-US" dirty="0"/>
-                  <a:t>Simple idea:  Use linear regression</a:t>
-                </a:r>
-                <a:br>
-                  <a:rPr lang="en-US" dirty="0"/>
-                </a:br>
-                <a:br>
-                  <a:rPr lang="en-US" dirty="0"/>
-                </a:br>
-                <a14:m>
-                  <m:oMath xmlns:m="http://schemas.openxmlformats.org/officeDocument/2006/math">
-                    <m:r>
-                      <a:rPr lang="en-US" b="0" i="1" smtClean="0">
-                        <a:latin typeface="Cambria Math" panose="02040503050406030204" pitchFamily="18" charset="0"/>
-                      </a:rPr>
-                      <m:t>𝑦</m:t>
-                    </m:r>
-                    <m:r>
-                      <a:rPr lang="en-US" b="0" i="1" smtClean="0">
-                        <a:latin typeface="Cambria Math" panose="02040503050406030204" pitchFamily="18" charset="0"/>
-                      </a:rPr>
-                      <m:t>≈</m:t>
-                    </m:r>
-                    <m:acc>
-                      <m:accPr>
-                        <m:chr m:val="̂"/>
-                        <m:ctrlPr>
-                          <a:rPr lang="en-US" b="0" i="1" smtClean="0">
-                            <a:latin typeface="Cambria Math" panose="02040503050406030204" pitchFamily="18" charset="0"/>
-                          </a:rPr>
-                        </m:ctrlPr>
-                      </m:accPr>
-                      <m:e>
-                        <m:r>
-                          <a:rPr lang="en-US" b="0" i="1" smtClean="0">
-                            <a:latin typeface="Cambria Math" panose="02040503050406030204" pitchFamily="18" charset="0"/>
-                          </a:rPr>
-                          <m:t>𝑦</m:t>
-                        </m:r>
-                      </m:e>
-                    </m:acc>
-                    <m:r>
-                      <a:rPr lang="en-US" b="0" i="1" smtClean="0">
-                        <a:latin typeface="Cambria Math" panose="02040503050406030204" pitchFamily="18" charset="0"/>
-                      </a:rPr>
-                      <m:t>=</m:t>
-                    </m:r>
-                    <m:sSub>
-                      <m:sSubPr>
-                        <m:ctrlPr>
-                          <a:rPr lang="en-US" b="0" i="1" smtClean="0">
-                            <a:latin typeface="Cambria Math" panose="02040503050406030204" pitchFamily="18" charset="0"/>
-                          </a:rPr>
-                        </m:ctrlPr>
-                      </m:sSubPr>
-                      <m:e>
-                        <m:r>
-                          <a:rPr lang="en-US" b="0" i="1" smtClean="0">
-                            <a:latin typeface="Cambria Math" panose="02040503050406030204" pitchFamily="18" charset="0"/>
-                          </a:rPr>
-                          <m:t>𝛽</m:t>
-                        </m:r>
-                      </m:e>
-                      <m:sub>
-                        <m:r>
-                          <a:rPr lang="en-US" b="0" i="1" smtClean="0">
-                            <a:latin typeface="Cambria Math" panose="02040503050406030204" pitchFamily="18" charset="0"/>
-                          </a:rPr>
-                          <m:t>0</m:t>
-                        </m:r>
-                      </m:sub>
-                    </m:sSub>
-                    <m:r>
-                      <a:rPr lang="en-US" b="0" i="1" smtClean="0">
-                        <a:latin typeface="Cambria Math" panose="02040503050406030204" pitchFamily="18" charset="0"/>
-                      </a:rPr>
-                      <m:t>+</m:t>
-                    </m:r>
-                    <m:sSub>
-                      <m:sSubPr>
-                        <m:ctrlPr>
-                          <a:rPr lang="en-US" b="0" i="1" smtClean="0">
-                            <a:latin typeface="Cambria Math" panose="02040503050406030204" pitchFamily="18" charset="0"/>
-                          </a:rPr>
-                        </m:ctrlPr>
-                      </m:sSubPr>
-                      <m:e>
-                        <m:r>
-                          <a:rPr lang="en-US" b="0" i="1" smtClean="0">
-                            <a:latin typeface="Cambria Math" panose="02040503050406030204" pitchFamily="18" charset="0"/>
-                          </a:rPr>
-                          <m:t>𝛽</m:t>
-                        </m:r>
-                      </m:e>
-                      <m:sub>
-                        <m:r>
-                          <a:rPr lang="en-US" b="0" i="1" smtClean="0">
-                            <a:latin typeface="Cambria Math" panose="02040503050406030204" pitchFamily="18" charset="0"/>
-                          </a:rPr>
-                          <m:t>1</m:t>
-                        </m:r>
-                      </m:sub>
-                    </m:sSub>
-                    <m:sSub>
-                      <m:sSubPr>
-                        <m:ctrlPr>
-                          <a:rPr lang="en-US" b="0" i="1" smtClean="0">
-                            <a:latin typeface="Cambria Math" panose="02040503050406030204" pitchFamily="18" charset="0"/>
-                          </a:rPr>
-                        </m:ctrlPr>
-                      </m:sSubPr>
-                      <m:e>
-                        <m:r>
-                          <a:rPr lang="en-US" b="0" i="1" smtClean="0">
-                            <a:latin typeface="Cambria Math" panose="02040503050406030204" pitchFamily="18" charset="0"/>
-                          </a:rPr>
-                          <m:t>𝑥</m:t>
-                        </m:r>
-                      </m:e>
-                      <m:sub>
-                        <m:r>
-                          <a:rPr lang="en-US" b="0" i="1" smtClean="0">
-                            <a:latin typeface="Cambria Math" panose="02040503050406030204" pitchFamily="18" charset="0"/>
-                          </a:rPr>
-                          <m:t>1</m:t>
-                        </m:r>
-                      </m:sub>
-                    </m:sSub>
-                    <m:r>
-                      <a:rPr lang="en-US" b="0" i="1" smtClean="0">
-                        <a:latin typeface="Cambria Math" panose="02040503050406030204" pitchFamily="18" charset="0"/>
-                      </a:rPr>
-                      <m:t>+⋯+</m:t>
-                    </m:r>
-                    <m:sSub>
-                      <m:sSubPr>
-                        <m:ctrlPr>
-                          <a:rPr lang="en-US" b="0" i="1" smtClean="0">
-                            <a:latin typeface="Cambria Math" panose="02040503050406030204" pitchFamily="18" charset="0"/>
-                          </a:rPr>
-                        </m:ctrlPr>
-                      </m:sSubPr>
-                      <m:e>
-                        <m:r>
-                          <a:rPr lang="en-US" b="0" i="1" smtClean="0">
-                            <a:latin typeface="Cambria Math" panose="02040503050406030204" pitchFamily="18" charset="0"/>
-                          </a:rPr>
-                          <m:t>𝛽</m:t>
-                        </m:r>
-                      </m:e>
-                      <m:sub>
-                        <m:r>
-                          <a:rPr lang="en-US" b="0" i="1" smtClean="0">
-                            <a:latin typeface="Cambria Math" panose="02040503050406030204" pitchFamily="18" charset="0"/>
-                          </a:rPr>
-                          <m:t>𝑑</m:t>
-                        </m:r>
-                      </m:sub>
-                    </m:sSub>
-                    <m:sSub>
-                      <m:sSubPr>
-                        <m:ctrlPr>
-                          <a:rPr lang="en-US" b="0" i="1" smtClean="0">
-                            <a:latin typeface="Cambria Math" panose="02040503050406030204" pitchFamily="18" charset="0"/>
-                          </a:rPr>
-                        </m:ctrlPr>
-                      </m:sSubPr>
-                      <m:e>
-                        <m:r>
-                          <a:rPr lang="en-US" b="0" i="1" smtClean="0">
-                            <a:latin typeface="Cambria Math" panose="02040503050406030204" pitchFamily="18" charset="0"/>
-                          </a:rPr>
-                          <m:t>𝑥</m:t>
-                        </m:r>
-                      </m:e>
-                      <m:sub>
-                        <m:r>
-                          <a:rPr lang="en-US" b="0" i="1" smtClean="0">
-                            <a:latin typeface="Cambria Math" panose="02040503050406030204" pitchFamily="18" charset="0"/>
-                          </a:rPr>
-                          <m:t>𝑑</m:t>
-                        </m:r>
-                      </m:sub>
-                    </m:sSub>
-                  </m:oMath>
-                </a14:m>
-                <a:endParaRPr lang="en-US" dirty="0"/>
-              </a:p>
-              <a:p>
-                <a:pPr lvl="1"/>
-                <a14:m>
-                  <m:oMath xmlns:m="http://schemas.openxmlformats.org/officeDocument/2006/math">
-                    <m:r>
-                      <a:rPr lang="en-US" i="1">
-                        <a:latin typeface="Cambria Math" panose="02040503050406030204" pitchFamily="18" charset="0"/>
-                      </a:rPr>
-                      <m:t>𝑦</m:t>
-                    </m:r>
-                    <m:r>
-                      <a:rPr lang="en-US" i="1">
-                        <a:latin typeface="Cambria Math" panose="02040503050406030204" pitchFamily="18" charset="0"/>
-                      </a:rPr>
-                      <m:t>=</m:t>
-                    </m:r>
-                  </m:oMath>
-                </a14:m>
-                <a:r>
-                  <a:rPr lang="en-US" dirty="0"/>
-                  <a:t> </a:t>
-                </a:r>
-                <a:r>
-                  <a:rPr lang="en-US" dirty="0" err="1"/>
-                  <a:t>lpsa</a:t>
-                </a:r>
-                <a:r>
-                  <a:rPr lang="en-US" dirty="0"/>
-                  <a:t> (target PSA level)</a:t>
-                </a:r>
-              </a:p>
-              <a:p>
-                <a:pPr lvl="1"/>
-                <a14:m>
-                  <m:oMath xmlns:m="http://schemas.openxmlformats.org/officeDocument/2006/math">
-                    <m:sSub>
-                      <m:sSubPr>
-                        <m:ctrlPr>
-                          <a:rPr lang="en-US" b="0" i="1" smtClean="0">
-                            <a:latin typeface="Cambria Math" panose="02040503050406030204" pitchFamily="18" charset="0"/>
-                          </a:rPr>
-                        </m:ctrlPr>
-                      </m:sSubPr>
-                      <m:e>
-                        <m:r>
-                          <a:rPr lang="en-US" b="0" i="1" smtClean="0">
-                            <a:latin typeface="Cambria Math" panose="02040503050406030204" pitchFamily="18" charset="0"/>
-                          </a:rPr>
-                          <m:t>𝑥</m:t>
-                        </m:r>
-                      </m:e>
-                      <m:sub>
-                        <m:r>
-                          <a:rPr lang="en-US" b="0" i="1" smtClean="0">
-                            <a:latin typeface="Cambria Math" panose="02040503050406030204" pitchFamily="18" charset="0"/>
-                          </a:rPr>
-                          <m:t>1</m:t>
-                        </m:r>
-                      </m:sub>
-                    </m:sSub>
-                    <m:r>
-                      <a:rPr lang="en-US" b="0" i="1" smtClean="0">
-                        <a:latin typeface="Cambria Math" panose="02040503050406030204" pitchFamily="18" charset="0"/>
-                      </a:rPr>
-                      <m:t>,…,</m:t>
-                    </m:r>
-                    <m:sSub>
-                      <m:sSubPr>
-                        <m:ctrlPr>
-                          <a:rPr lang="en-US" b="0" i="1" smtClean="0">
-                            <a:latin typeface="Cambria Math" panose="02040503050406030204" pitchFamily="18" charset="0"/>
-                          </a:rPr>
-                        </m:ctrlPr>
-                      </m:sSubPr>
-                      <m:e>
-                        <m:r>
-                          <a:rPr lang="en-US" b="0" i="1" smtClean="0">
-                            <a:latin typeface="Cambria Math" panose="02040503050406030204" pitchFamily="18" charset="0"/>
-                          </a:rPr>
-                          <m:t>𝑥</m:t>
-                        </m:r>
-                      </m:e>
-                      <m:sub>
-                        <m:r>
-                          <a:rPr lang="en-US" b="0" i="1" smtClean="0">
-                            <a:latin typeface="Cambria Math" panose="02040503050406030204" pitchFamily="18" charset="0"/>
-                          </a:rPr>
-                          <m:t>𝑑</m:t>
-                        </m:r>
-                      </m:sub>
-                    </m:sSub>
-                    <m:r>
-                      <a:rPr lang="en-US" i="1">
-                        <a:latin typeface="Cambria Math" panose="02040503050406030204" pitchFamily="18" charset="0"/>
-                      </a:rPr>
-                      <m:t>=</m:t>
-                    </m:r>
-                  </m:oMath>
-                </a14:m>
-                <a:r>
-                  <a:rPr lang="en-US" dirty="0"/>
-                  <a:t> prostate features (</a:t>
-                </a:r>
-                <a14:m>
-                  <m:oMath xmlns:m="http://schemas.openxmlformats.org/officeDocument/2006/math">
-                    <m:r>
-                      <a:rPr lang="en-US" b="0" i="1" smtClean="0">
-                        <a:latin typeface="Cambria Math" panose="02040503050406030204" pitchFamily="18" charset="0"/>
-                      </a:rPr>
-                      <m:t>𝑑</m:t>
-                    </m:r>
-                  </m:oMath>
-                </a14:m>
-                <a:r>
-                  <a:rPr lang="en-US" dirty="0"/>
-                  <a:t> = 8)</a:t>
-                </a:r>
-              </a:p>
-              <a:p>
-                <a:endParaRPr lang="en-US" dirty="0"/>
-              </a:p>
-              <a:p>
-                <a:r>
-                  <a:rPr lang="en-US" dirty="0"/>
-                  <a:t>Why linear regression?</a:t>
-                </a:r>
-              </a:p>
-              <a:p>
-                <a:pPr lvl="1"/>
-                <a:r>
-                  <a:rPr lang="en-US" dirty="0"/>
-                  <a:t>Easy to compute / interpret</a:t>
-                </a:r>
-              </a:p>
-              <a:p>
-                <a:pPr lvl="1"/>
-                <a:r>
-                  <a:rPr lang="en-US" dirty="0"/>
-                  <a:t>Coefficients are easy to interpret</a:t>
-                </a:r>
-              </a:p>
-              <a:p>
-                <a:pPr lvl="1"/>
-                <a:r>
-                  <a:rPr lang="en-US" dirty="0"/>
-                  <a:t>Larger coefficients </a:t>
-                </a:r>
-                <a14:m>
-                  <m:oMath xmlns:m="http://schemas.openxmlformats.org/officeDocument/2006/math">
-                    <m:r>
-                      <a:rPr lang="en-US" b="0" i="1" smtClean="0">
-                        <a:latin typeface="Cambria Math" panose="02040503050406030204" pitchFamily="18" charset="0"/>
-                      </a:rPr>
-                      <m:t>⇒</m:t>
-                    </m:r>
-                  </m:oMath>
-                </a14:m>
-                <a:r>
-                  <a:rPr lang="en-US" dirty="0"/>
-                  <a:t> larger influence of feature on PSA</a:t>
-                </a:r>
-              </a:p>
-              <a:p>
-                <a:endParaRPr lang="en-US" dirty="0"/>
-              </a:p>
-              <a:p>
-                <a:pPr lvl="1"/>
-                <a:endParaRPr lang="en-US" dirty="0"/>
-              </a:p>
-              <a:p>
-                <a:pPr lvl="1"/>
-                <a:endParaRPr lang="en-US" dirty="0"/>
-              </a:p>
-            </p:txBody>
-          </p:sp>
-        </mc:Choice>
-        <mc:Fallback xmlns="">
-          <p:sp>
-            <p:nvSpPr>
-              <p:cNvPr id="3" name="Content Placeholder 2">
-                <a:extLst>
-                  <a:ext uri="{FF2B5EF4-FFF2-40B4-BE49-F238E27FC236}">
-                    <a16:creationId xmlns:a16="http://schemas.microsoft.com/office/drawing/2014/main" id="{C7330D28-3D38-434E-8E7C-F1493B953B7F}"/>
-                  </a:ext>
-                </a:extLst>
-              </p:cNvPr>
-              <p:cNvSpPr>
-                <a:spLocks noGrp="1" noRot="1" noChangeAspect="1" noMove="1" noResize="1" noEditPoints="1" noAdjustHandles="1" noChangeArrowheads="1" noChangeShapeType="1" noTextEdit="1"/>
-              </p:cNvSpPr>
-              <p:nvPr>
-                <p:ph idx="1"/>
-              </p:nvPr>
-            </p:nvSpPr>
-            <p:spPr>
-              <a:xfrm>
-                <a:off x="1097280" y="1539277"/>
-                <a:ext cx="5808967" cy="4329817"/>
-              </a:xfrm>
-              <a:blipFill>
-                <a:blip r:embed="rId2"/>
-                <a:stretch>
-                  <a:fillRect l="-2518" t="-1549"/>
-                </a:stretch>
-              </a:blipFill>
-            </p:spPr>
-            <p:txBody>
-              <a:bodyPr/>
-              <a:lstStyle/>
-              <a:p>
-                <a:r>
-                  <a:rPr lang="en-US">
-                    <a:noFill/>
-                  </a:rPr>
-                  <a:t> </a:t>
-                </a:r>
-              </a:p>
-            </p:txBody>
-          </p:sp>
-        </mc:Fallback>
-      </mc:AlternateContent>
-      <p:sp>
-        <p:nvSpPr>
-          <p:cNvPr id="4" name="Slide Number Placeholder 3">
-            <a:extLst>
-              <a:ext uri="{FF2B5EF4-FFF2-40B4-BE49-F238E27FC236}">
-                <a16:creationId xmlns:a16="http://schemas.microsoft.com/office/drawing/2014/main" id="{D1AF103D-20FB-4A17-A835-EFDDFB27F4F3}"/>
-              </a:ext>
-            </a:extLst>
-          </p:cNvPr>
-          <p:cNvSpPr>
-            <a:spLocks noGrp="1"/>
-          </p:cNvSpPr>
-          <p:nvPr>
-            <p:ph type="sldNum" sz="quarter" idx="12"/>
-          </p:nvPr>
-        </p:nvSpPr>
-        <p:spPr/>
-        <p:txBody>
-          <a:bodyPr/>
-          <a:lstStyle/>
-          <a:p>
-            <a:fld id="{629637A9-119A-49DA-BD12-AAC58B377D80}" type="slidenum">
-              <a:rPr lang="en-US" smtClean="0"/>
-              <a:t>6</a:t>
-            </a:fld>
-            <a:endParaRPr lang="en-US" dirty="0"/>
-          </a:p>
-        </p:txBody>
-      </p:sp>
-      <p:pic>
-        <p:nvPicPr>
-          <p:cNvPr id="6" name="Picture 5">
-            <a:extLst>
-              <a:ext uri="{FF2B5EF4-FFF2-40B4-BE49-F238E27FC236}">
-                <a16:creationId xmlns:a16="http://schemas.microsoft.com/office/drawing/2014/main" id="{6BBD462E-8CB9-4595-92D6-1CDF95A068BD}"/>
-              </a:ext>
-            </a:extLst>
-          </p:cNvPr>
-          <p:cNvPicPr>
-            <a:picLocks noChangeAspect="1"/>
-          </p:cNvPicPr>
-          <p:nvPr/>
-        </p:nvPicPr>
-        <p:blipFill>
-          <a:blip r:embed="rId3"/>
-          <a:stretch>
-            <a:fillRect/>
-          </a:stretch>
-        </p:blipFill>
-        <p:spPr>
-          <a:xfrm>
-            <a:off x="6541543" y="3867578"/>
-            <a:ext cx="3076575" cy="476250"/>
-          </a:xfrm>
-          <a:prstGeom prst="rect">
-            <a:avLst/>
-          </a:prstGeom>
-        </p:spPr>
-      </p:pic>
-      <p:pic>
-        <p:nvPicPr>
-          <p:cNvPr id="7" name="Picture 6">
-            <a:extLst>
-              <a:ext uri="{FF2B5EF4-FFF2-40B4-BE49-F238E27FC236}">
-                <a16:creationId xmlns:a16="http://schemas.microsoft.com/office/drawing/2014/main" id="{D13F5D91-13FE-41FD-B703-D028EA29AC33}"/>
-              </a:ext>
-            </a:extLst>
-          </p:cNvPr>
-          <p:cNvPicPr>
-            <a:picLocks noChangeAspect="1"/>
-          </p:cNvPicPr>
-          <p:nvPr/>
-        </p:nvPicPr>
-        <p:blipFill>
-          <a:blip r:embed="rId4"/>
-          <a:stretch>
-            <a:fillRect/>
-          </a:stretch>
-        </p:blipFill>
-        <p:spPr>
-          <a:xfrm>
-            <a:off x="6600027" y="1642681"/>
-            <a:ext cx="3886200" cy="390525"/>
-          </a:xfrm>
-          <a:prstGeom prst="rect">
-            <a:avLst/>
-          </a:prstGeom>
-        </p:spPr>
-      </p:pic>
-      <p:pic>
-        <p:nvPicPr>
-          <p:cNvPr id="8" name="Picture 7">
-            <a:extLst>
-              <a:ext uri="{FF2B5EF4-FFF2-40B4-BE49-F238E27FC236}">
-                <a16:creationId xmlns:a16="http://schemas.microsoft.com/office/drawing/2014/main" id="{B8BD8D2B-0A36-4351-939B-7F6A056EC271}"/>
-              </a:ext>
-            </a:extLst>
-          </p:cNvPr>
-          <p:cNvPicPr>
-            <a:picLocks noChangeAspect="1"/>
-          </p:cNvPicPr>
-          <p:nvPr/>
-        </p:nvPicPr>
-        <p:blipFill>
-          <a:blip r:embed="rId5"/>
-          <a:stretch>
-            <a:fillRect/>
-          </a:stretch>
-        </p:blipFill>
-        <p:spPr>
-          <a:xfrm>
-            <a:off x="6600027" y="2294375"/>
-            <a:ext cx="5040974" cy="1312034"/>
-          </a:xfrm>
-          <a:prstGeom prst="rect">
-            <a:avLst/>
-          </a:prstGeom>
-        </p:spPr>
-      </p:pic>
-    </p:spTree>
-    <p:extLst>
-      <p:ext uri="{BB962C8B-B14F-4D97-AF65-F5344CB8AC3E}">
-        <p14:creationId xmlns:p14="http://schemas.microsoft.com/office/powerpoint/2010/main" val="1616950471"/>
       </p:ext>
     </p:extLst>
   </p:cSld>
@@ -26524,7 +28526,7 @@
           <p:cNvPr id="2" name="Title 1">
             <a:extLst>
               <a:ext uri="{FF2B5EF4-FFF2-40B4-BE49-F238E27FC236}">
-                <a16:creationId xmlns:a16="http://schemas.microsoft.com/office/drawing/2014/main" id="{9E01E9DC-BA1F-45B9-8BDD-0870040C5F82}"/>
+                <a16:creationId xmlns:a16="http://schemas.microsoft.com/office/drawing/2014/main" id="{4E976537-7101-4263-AC80-7A8BA879C11D}"/>
               </a:ext>
             </a:extLst>
           </p:cNvPr>
@@ -26542,147 +28544,110 @@
           <a:p>
             <a:r>
               <a:rPr lang="en-US" dirty="0"/>
-              <a:t>Model Fit</a:t>
+              <a:t>Data Cleaning</a:t>
             </a:r>
           </a:p>
         </p:txBody>
       </p:sp>
-      <mc:AlternateContent xmlns:mc="http://schemas.openxmlformats.org/markup-compatibility/2006" xmlns:a14="http://schemas.microsoft.com/office/drawing/2010/main">
-        <mc:Choice Requires="a14">
-          <p:sp>
-            <p:nvSpPr>
-              <p:cNvPr id="3" name="Content Placeholder 2">
-                <a:extLst>
-                  <a:ext uri="{FF2B5EF4-FFF2-40B4-BE49-F238E27FC236}">
-                    <a16:creationId xmlns:a16="http://schemas.microsoft.com/office/drawing/2014/main" id="{4C37DDEC-5DE3-43BF-BC27-DC9716272EC8}"/>
-                  </a:ext>
-                </a:extLst>
-              </p:cNvPr>
-              <p:cNvSpPr>
-                <a:spLocks noGrp="1"/>
-              </p:cNvSpPr>
-              <p:nvPr>
-                <p:ph idx="1"/>
-              </p:nvPr>
-            </p:nvSpPr>
-            <p:spPr/>
-            <p:txBody>
-              <a:bodyPr/>
-              <a:lstStyle/>
-              <a:p>
-                <a:r>
-                  <a:rPr lang="en-US" dirty="0"/>
-                  <a:t>Evaluate model with cross validation</a:t>
-                </a:r>
-              </a:p>
-              <a:p>
-                <a:pPr lvl="1"/>
-                <a:r>
-                  <a:rPr lang="en-US" dirty="0"/>
-                  <a:t>Train on 48 samples</a:t>
-                </a:r>
-              </a:p>
-              <a:p>
-                <a:pPr lvl="1"/>
-                <a:r>
-                  <a:rPr lang="en-US" dirty="0"/>
-                  <a:t>Measure RSS on 49 samples</a:t>
-                </a:r>
-              </a:p>
-              <a:p>
-                <a:r>
-                  <a:rPr lang="en-US" dirty="0"/>
-                  <a:t>We obtain reasonable fit on test data</a:t>
-                </a:r>
-              </a:p>
-              <a:p>
-                <a:pPr lvl="1"/>
-                <a14:m>
-                  <m:oMath xmlns:m="http://schemas.openxmlformats.org/officeDocument/2006/math">
-                    <m:sSup>
-                      <m:sSupPr>
-                        <m:ctrlPr>
-                          <a:rPr lang="en-US" b="0" i="1" smtClean="0">
-                            <a:latin typeface="Cambria Math" panose="02040503050406030204" pitchFamily="18" charset="0"/>
-                          </a:rPr>
-                        </m:ctrlPr>
-                      </m:sSupPr>
-                      <m:e>
-                        <m:r>
-                          <a:rPr lang="en-US" b="0" i="1" smtClean="0">
-                            <a:latin typeface="Cambria Math" panose="02040503050406030204" pitchFamily="18" charset="0"/>
-                          </a:rPr>
-                          <m:t>𝑅</m:t>
-                        </m:r>
-                      </m:e>
-                      <m:sup>
-                        <m:r>
-                          <a:rPr lang="en-US" b="0" i="1" smtClean="0">
-                            <a:latin typeface="Cambria Math" panose="02040503050406030204" pitchFamily="18" charset="0"/>
-                          </a:rPr>
-                          <m:t>2</m:t>
-                        </m:r>
-                      </m:sup>
-                    </m:sSup>
-                    <m:r>
-                      <a:rPr lang="en-US" b="0" i="1" smtClean="0">
-                        <a:latin typeface="Cambria Math" panose="02040503050406030204" pitchFamily="18" charset="0"/>
-                      </a:rPr>
-                      <m:t>≈0.58</m:t>
-                    </m:r>
-                  </m:oMath>
-                </a14:m>
-                <a:endParaRPr lang="en-US" dirty="0"/>
-              </a:p>
-            </p:txBody>
-          </p:sp>
-        </mc:Choice>
-        <mc:Fallback xmlns="">
-          <p:sp>
-            <p:nvSpPr>
-              <p:cNvPr id="3" name="Content Placeholder 2">
-                <a:extLst>
-                  <a:ext uri="{FF2B5EF4-FFF2-40B4-BE49-F238E27FC236}">
-                    <a16:creationId xmlns:a16="http://schemas.microsoft.com/office/drawing/2014/main" id="{4C37DDEC-5DE3-43BF-BC27-DC9716272EC8}"/>
-                  </a:ext>
-                </a:extLst>
-              </p:cNvPr>
-              <p:cNvSpPr>
-                <a:spLocks noGrp="1" noRot="1" noChangeAspect="1" noMove="1" noResize="1" noEditPoints="1" noAdjustHandles="1" noChangeArrowheads="1" noChangeShapeType="1" noTextEdit="1"/>
-              </p:cNvSpPr>
-              <p:nvPr>
-                <p:ph idx="1"/>
-              </p:nvPr>
-            </p:nvSpPr>
-            <p:spPr>
-              <a:blipFill>
-                <a:blip r:embed="rId2"/>
-                <a:stretch>
-                  <a:fillRect l="-1455" t="-1549"/>
-                </a:stretch>
-              </a:blipFill>
-            </p:spPr>
-            <p:txBody>
-              <a:bodyPr/>
-              <a:lstStyle/>
-              <a:p>
-                <a:r>
-                  <a:rPr lang="en-US">
-                    <a:noFill/>
-                  </a:rPr>
-                  <a:t> </a:t>
-                </a:r>
-              </a:p>
-            </p:txBody>
-          </p:sp>
-        </mc:Fallback>
-      </mc:AlternateContent>
+      <p:sp>
+        <p:nvSpPr>
+          <p:cNvPr id="3" name="Content Placeholder 2">
+            <a:extLst>
+              <a:ext uri="{FF2B5EF4-FFF2-40B4-BE49-F238E27FC236}">
+                <a16:creationId xmlns:a16="http://schemas.microsoft.com/office/drawing/2014/main" id="{BFA4FFFA-E522-43D4-AB4A-53F54894778A}"/>
+              </a:ext>
+            </a:extLst>
+          </p:cNvPr>
+          <p:cNvSpPr>
+            <a:spLocks noGrp="1"/>
+          </p:cNvSpPr>
+          <p:nvPr>
+            <p:ph idx="1"/>
+          </p:nvPr>
+        </p:nvSpPr>
+        <p:spPr>
+          <a:xfrm>
+            <a:off x="5683624" y="1649506"/>
+            <a:ext cx="5472056" cy="4219588"/>
+          </a:xfrm>
+        </p:spPr>
+        <p:txBody>
+          <a:bodyPr/>
+          <a:lstStyle/>
+          <a:p>
+            <a:r>
+              <a:rPr lang="en-US" dirty="0"/>
+              <a:t>Original data</a:t>
+            </a:r>
+          </a:p>
+          <a:p>
+            <a:endParaRPr lang="en-US" dirty="0"/>
+          </a:p>
+          <a:p>
+            <a:endParaRPr lang="en-US" dirty="0"/>
+          </a:p>
+          <a:p>
+            <a:r>
+              <a:rPr lang="en-US" dirty="0"/>
+              <a:t>Remove columns with </a:t>
+            </a:r>
+            <a:r>
+              <a:rPr lang="en-US" dirty="0" err="1"/>
+              <a:t>NaN</a:t>
+            </a:r>
+            <a:r>
+              <a:rPr lang="en-US" dirty="0"/>
+              <a:t> values</a:t>
+            </a:r>
+          </a:p>
+          <a:p>
+            <a:pPr lvl="1"/>
+            <a:r>
+              <a:rPr lang="en-US" dirty="0"/>
+              <a:t>Could use more sophisticated methods</a:t>
+            </a:r>
+          </a:p>
+          <a:p>
+            <a:pPr lvl="1"/>
+            <a:endParaRPr lang="en-US" dirty="0"/>
+          </a:p>
+          <a:p>
+            <a:pPr marL="201168" lvl="1" indent="0">
+              <a:buNone/>
+            </a:pPr>
+            <a:endParaRPr lang="en-US" dirty="0"/>
+          </a:p>
+          <a:p>
+            <a:r>
+              <a:rPr lang="en-US" dirty="0"/>
+              <a:t>Keep only normal sales</a:t>
+            </a:r>
+          </a:p>
+          <a:p>
+            <a:pPr lvl="1"/>
+            <a:r>
+              <a:rPr lang="en-US" dirty="0"/>
+              <a:t>Recommended in De Cock paper</a:t>
+            </a:r>
+          </a:p>
+          <a:p>
+            <a:pPr lvl="1"/>
+            <a:r>
+              <a:rPr lang="en-US" dirty="0"/>
+              <a:t>Makes fitting much easier</a:t>
+            </a:r>
+          </a:p>
+          <a:p>
+            <a:endParaRPr lang="en-US" dirty="0"/>
+          </a:p>
+        </p:txBody>
+      </p:sp>
       <p:sp>
         <p:nvSpPr>
           <p:cNvPr id="4" name="Slide Number Placeholder 3">
             <a:extLst>
               <a:ext uri="{FF2B5EF4-FFF2-40B4-BE49-F238E27FC236}">
-                <a16:creationId xmlns:a16="http://schemas.microsoft.com/office/drawing/2014/main" id="{682EE9F0-32A6-4E45-AE49-A77BE82CDC70}"/>
+                <a16:creationId xmlns:a16="http://schemas.microsoft.com/office/drawing/2014/main" id="{D5A9A75C-6342-41AF-BA9A-EE3CC8D02E15}"/>
               </a:ext>
             </a:extLst>
           </p:cNvPr>
@@ -26708,10 +28673,40 @@
       </p:sp>
       <p:pic>
         <p:nvPicPr>
+          <p:cNvPr id="6" name="Picture 5">
+            <a:extLst>
+              <a:ext uri="{FF2B5EF4-FFF2-40B4-BE49-F238E27FC236}">
+                <a16:creationId xmlns:a16="http://schemas.microsoft.com/office/drawing/2014/main" id="{4F05FE83-3FEB-4254-AC0D-7E4FE1847D0D}"/>
+              </a:ext>
+            </a:extLst>
+          </p:cNvPr>
+          <p:cNvPicPr>
+            <a:picLocks noChangeAspect="1"/>
+          </p:cNvPicPr>
+          <p:nvPr/>
+        </p:nvPicPr>
+        <p:blipFill>
+          <a:blip r:embed="rId2"/>
+          <a:stretch>
+            <a:fillRect/>
+          </a:stretch>
+        </p:blipFill>
+        <p:spPr>
+          <a:xfrm>
+            <a:off x="1097280" y="1649506"/>
+            <a:ext cx="3971925" cy="1085850"/>
+          </a:xfrm>
+          <a:prstGeom prst="rect">
+            <a:avLst/>
+          </a:prstGeom>
+        </p:spPr>
+      </p:pic>
+      <p:pic>
+        <p:nvPicPr>
           <p:cNvPr id="7" name="Picture 6">
             <a:extLst>
               <a:ext uri="{FF2B5EF4-FFF2-40B4-BE49-F238E27FC236}">
-                <a16:creationId xmlns:a16="http://schemas.microsoft.com/office/drawing/2014/main" id="{91E997B1-093E-436C-B5A1-0BB9577DB33B}"/>
+                <a16:creationId xmlns:a16="http://schemas.microsoft.com/office/drawing/2014/main" id="{D6A5DCC8-DB57-4701-BD60-CFB03BD2E925}"/>
               </a:ext>
             </a:extLst>
           </p:cNvPr>
@@ -26728,8 +28723,8 @@
         </p:blipFill>
         <p:spPr>
           <a:xfrm>
-            <a:off x="6373812" y="1275857"/>
-            <a:ext cx="4219575" cy="1619250"/>
+            <a:off x="992505" y="3058048"/>
+            <a:ext cx="4076700" cy="1133475"/>
           </a:xfrm>
           <a:prstGeom prst="rect">
             <a:avLst/>
@@ -26741,7 +28736,7 @@
           <p:cNvPr id="8" name="Picture 7">
             <a:extLst>
               <a:ext uri="{FF2B5EF4-FFF2-40B4-BE49-F238E27FC236}">
-                <a16:creationId xmlns:a16="http://schemas.microsoft.com/office/drawing/2014/main" id="{753AE550-4A7A-471D-9C93-0905F33F1357}"/>
+                <a16:creationId xmlns:a16="http://schemas.microsoft.com/office/drawing/2014/main" id="{316A62F4-6CA8-42B5-BE31-FB96D3053650}"/>
               </a:ext>
             </a:extLst>
           </p:cNvPr>
@@ -26758,8 +28753,8 @@
         </p:blipFill>
         <p:spPr>
           <a:xfrm>
-            <a:off x="5745131" y="3107570"/>
-            <a:ext cx="4257675" cy="2638425"/>
+            <a:off x="1040130" y="4553080"/>
+            <a:ext cx="4029075" cy="1390650"/>
           </a:xfrm>
           <a:prstGeom prst="rect">
             <a:avLst/>
@@ -26769,7 +28764,7 @@
     </p:spTree>
     <p:extLst>
       <p:ext uri="{BB962C8B-B14F-4D97-AF65-F5344CB8AC3E}">
-        <p14:creationId xmlns:p14="http://schemas.microsoft.com/office/powerpoint/2010/main" val="1632135242"/>
+        <p14:creationId xmlns:p14="http://schemas.microsoft.com/office/powerpoint/2010/main" val="2967055137"/>
       </p:ext>
     </p:extLst>
   </p:cSld>
@@ -26801,7 +28796,7 @@
           <p:cNvPr id="2" name="Title 1">
             <a:extLst>
               <a:ext uri="{FF2B5EF4-FFF2-40B4-BE49-F238E27FC236}">
-                <a16:creationId xmlns:a16="http://schemas.microsoft.com/office/drawing/2014/main" id="{09A11184-E72D-4B61-9B4A-732F6464DBB7}"/>
+                <a16:creationId xmlns:a16="http://schemas.microsoft.com/office/drawing/2014/main" id="{4E976537-7101-4263-AC80-7A8BA879C11D}"/>
               </a:ext>
             </a:extLst>
           </p:cNvPr>
@@ -26819,364 +28814,17 @@
           <a:p>
             <a:r>
               <a:rPr lang="en-US" dirty="0"/>
-              <a:t>Looking at the Coefficients</a:t>
+              <a:t>Categorical Variables</a:t>
             </a:r>
           </a:p>
         </p:txBody>
       </p:sp>
-      <mc:AlternateContent xmlns:mc="http://schemas.openxmlformats.org/markup-compatibility/2006" xmlns:a14="http://schemas.microsoft.com/office/drawing/2010/main">
-        <mc:Choice Requires="a14">
-          <p:sp>
-            <p:nvSpPr>
-              <p:cNvPr id="3" name="Content Placeholder 2">
-                <a:extLst>
-                  <a:ext uri="{FF2B5EF4-FFF2-40B4-BE49-F238E27FC236}">
-                    <a16:creationId xmlns:a16="http://schemas.microsoft.com/office/drawing/2014/main" id="{FC3303B8-4864-4FDB-AEA9-57929ABF8966}"/>
-                  </a:ext>
-                </a:extLst>
-              </p:cNvPr>
-              <p:cNvSpPr>
-                <a:spLocks noGrp="1"/>
-              </p:cNvSpPr>
-              <p:nvPr>
-                <p:ph idx="1"/>
-              </p:nvPr>
-            </p:nvSpPr>
-            <p:spPr>
-              <a:xfrm>
-                <a:off x="1097280" y="1539277"/>
-                <a:ext cx="5938520" cy="4329817"/>
-              </a:xfrm>
-            </p:spPr>
-            <p:txBody>
-              <a:bodyPr/>
-              <a:lstStyle/>
-              <a:p>
-                <a:r>
-                  <a:rPr lang="en-US" dirty="0"/>
-                  <a:t>Recall that model is:  </a:t>
-                </a:r>
-                <a14:m>
-                  <m:oMath xmlns:m="http://schemas.openxmlformats.org/officeDocument/2006/math">
-                    <m:acc>
-                      <m:accPr>
-                        <m:chr m:val="̂"/>
-                        <m:ctrlPr>
-                          <a:rPr lang="en-US" i="1">
-                            <a:latin typeface="Cambria Math" panose="02040503050406030204" pitchFamily="18" charset="0"/>
-                          </a:rPr>
-                        </m:ctrlPr>
-                      </m:accPr>
-                      <m:e>
-                        <m:r>
-                          <a:rPr lang="en-US" i="1">
-                            <a:latin typeface="Cambria Math" panose="02040503050406030204" pitchFamily="18" charset="0"/>
-                          </a:rPr>
-                          <m:t>𝑦</m:t>
-                        </m:r>
-                      </m:e>
-                    </m:acc>
-                    <m:r>
-                      <a:rPr lang="en-US" i="1">
-                        <a:latin typeface="Cambria Math" panose="02040503050406030204" pitchFamily="18" charset="0"/>
-                      </a:rPr>
-                      <m:t>=</m:t>
-                    </m:r>
-                    <m:r>
-                      <a:rPr lang="en-US" b="0" i="1" smtClean="0">
-                        <a:latin typeface="Cambria Math" panose="02040503050406030204" pitchFamily="18" charset="0"/>
-                      </a:rPr>
-                      <m:t>𝑏</m:t>
-                    </m:r>
-                    <m:r>
-                      <a:rPr lang="en-US" i="1">
-                        <a:latin typeface="Cambria Math" panose="02040503050406030204" pitchFamily="18" charset="0"/>
-                      </a:rPr>
-                      <m:t>+</m:t>
-                    </m:r>
-                    <m:sSub>
-                      <m:sSubPr>
-                        <m:ctrlPr>
-                          <a:rPr lang="en-US" i="1">
-                            <a:latin typeface="Cambria Math" panose="02040503050406030204" pitchFamily="18" charset="0"/>
-                          </a:rPr>
-                        </m:ctrlPr>
-                      </m:sSubPr>
-                      <m:e>
-                        <m:r>
-                          <a:rPr lang="en-US" b="0" i="1" smtClean="0">
-                            <a:latin typeface="Cambria Math" panose="02040503050406030204" pitchFamily="18" charset="0"/>
-                          </a:rPr>
-                          <m:t>𝑤</m:t>
-                        </m:r>
-                      </m:e>
-                      <m:sub>
-                        <m:r>
-                          <a:rPr lang="en-US" i="1">
-                            <a:latin typeface="Cambria Math" panose="02040503050406030204" pitchFamily="18" charset="0"/>
-                          </a:rPr>
-                          <m:t>1</m:t>
-                        </m:r>
-                      </m:sub>
-                    </m:sSub>
-                    <m:sSub>
-                      <m:sSubPr>
-                        <m:ctrlPr>
-                          <a:rPr lang="en-US" i="1">
-                            <a:latin typeface="Cambria Math" panose="02040503050406030204" pitchFamily="18" charset="0"/>
-                          </a:rPr>
-                        </m:ctrlPr>
-                      </m:sSubPr>
-                      <m:e>
-                        <m:r>
-                          <a:rPr lang="en-US" i="1">
-                            <a:latin typeface="Cambria Math" panose="02040503050406030204" pitchFamily="18" charset="0"/>
-                          </a:rPr>
-                          <m:t>𝑥</m:t>
-                        </m:r>
-                      </m:e>
-                      <m:sub>
-                        <m:r>
-                          <a:rPr lang="en-US" i="1">
-                            <a:latin typeface="Cambria Math" panose="02040503050406030204" pitchFamily="18" charset="0"/>
-                          </a:rPr>
-                          <m:t>1</m:t>
-                        </m:r>
-                      </m:sub>
-                    </m:sSub>
-                    <m:r>
-                      <a:rPr lang="en-US" i="1">
-                        <a:latin typeface="Cambria Math" panose="02040503050406030204" pitchFamily="18" charset="0"/>
-                      </a:rPr>
-                      <m:t>+⋯+</m:t>
-                    </m:r>
-                    <m:sSub>
-                      <m:sSubPr>
-                        <m:ctrlPr>
-                          <a:rPr lang="en-US" i="1">
-                            <a:latin typeface="Cambria Math" panose="02040503050406030204" pitchFamily="18" charset="0"/>
-                          </a:rPr>
-                        </m:ctrlPr>
-                      </m:sSubPr>
-                      <m:e>
-                        <m:r>
-                          <a:rPr lang="en-US" b="0" i="1" smtClean="0">
-                            <a:latin typeface="Cambria Math" panose="02040503050406030204" pitchFamily="18" charset="0"/>
-                          </a:rPr>
-                          <m:t>𝑤</m:t>
-                        </m:r>
-                      </m:e>
-                      <m:sub>
-                        <m:r>
-                          <a:rPr lang="en-US" i="1">
-                            <a:latin typeface="Cambria Math" panose="02040503050406030204" pitchFamily="18" charset="0"/>
-                          </a:rPr>
-                          <m:t>𝑑</m:t>
-                        </m:r>
-                      </m:sub>
-                    </m:sSub>
-                    <m:sSub>
-                      <m:sSubPr>
-                        <m:ctrlPr>
-                          <a:rPr lang="en-US" i="1">
-                            <a:latin typeface="Cambria Math" panose="02040503050406030204" pitchFamily="18" charset="0"/>
-                          </a:rPr>
-                        </m:ctrlPr>
-                      </m:sSubPr>
-                      <m:e>
-                        <m:r>
-                          <a:rPr lang="en-US" i="1">
-                            <a:latin typeface="Cambria Math" panose="02040503050406030204" pitchFamily="18" charset="0"/>
-                          </a:rPr>
-                          <m:t>𝑥</m:t>
-                        </m:r>
-                      </m:e>
-                      <m:sub>
-                        <m:r>
-                          <a:rPr lang="en-US" i="1">
-                            <a:latin typeface="Cambria Math" panose="02040503050406030204" pitchFamily="18" charset="0"/>
-                          </a:rPr>
-                          <m:t>𝑑</m:t>
-                        </m:r>
-                      </m:sub>
-                    </m:sSub>
-                  </m:oMath>
-                </a14:m>
-                <a:endParaRPr lang="en-US" dirty="0"/>
-              </a:p>
-              <a:p>
-                <a:r>
-                  <a:rPr lang="en-US" dirty="0"/>
-                  <a:t>Weights </a:t>
-                </a:r>
-                <a14:m>
-                  <m:oMath xmlns:m="http://schemas.openxmlformats.org/officeDocument/2006/math">
-                    <m:sSub>
-                      <m:sSubPr>
-                        <m:ctrlPr>
-                          <a:rPr lang="en-US" b="0" i="1" smtClean="0">
-                            <a:latin typeface="Cambria Math" panose="02040503050406030204" pitchFamily="18" charset="0"/>
-                          </a:rPr>
-                        </m:ctrlPr>
-                      </m:sSubPr>
-                      <m:e>
-                        <m:r>
-                          <a:rPr lang="en-US" b="0" i="1" smtClean="0">
-                            <a:latin typeface="Cambria Math" panose="02040503050406030204" pitchFamily="18" charset="0"/>
-                          </a:rPr>
-                          <m:t>𝑤</m:t>
-                        </m:r>
-                      </m:e>
-                      <m:sub>
-                        <m:r>
-                          <a:rPr lang="en-US" b="0" i="1" smtClean="0">
-                            <a:latin typeface="Cambria Math" panose="02040503050406030204" pitchFamily="18" charset="0"/>
-                          </a:rPr>
-                          <m:t>𝑖</m:t>
-                        </m:r>
-                      </m:sub>
-                    </m:sSub>
-                  </m:oMath>
-                </a14:m>
-                <a:r>
-                  <a:rPr lang="en-US" dirty="0"/>
-                  <a:t> indicates </a:t>
-                </a:r>
-                <a:br>
-                  <a:rPr lang="en-US" dirty="0"/>
-                </a:br>
-                <a:r>
-                  <a:rPr lang="en-US" dirty="0"/>
-                  <a:t>dependence of feature </a:t>
-                </a:r>
-                <a14:m>
-                  <m:oMath xmlns:m="http://schemas.openxmlformats.org/officeDocument/2006/math">
-                    <m:r>
-                      <a:rPr lang="en-US" b="0" i="1" smtClean="0">
-                        <a:latin typeface="Cambria Math" panose="02040503050406030204" pitchFamily="18" charset="0"/>
-                      </a:rPr>
-                      <m:t>𝑖</m:t>
-                    </m:r>
-                  </m:oMath>
-                </a14:m>
-                <a:r>
-                  <a:rPr lang="en-US" dirty="0"/>
-                  <a:t> on target </a:t>
-                </a:r>
-                <a14:m>
-                  <m:oMath xmlns:m="http://schemas.openxmlformats.org/officeDocument/2006/math">
-                    <m:r>
-                      <a:rPr lang="en-US" b="0" i="1" smtClean="0">
-                        <a:latin typeface="Cambria Math" panose="02040503050406030204" pitchFamily="18" charset="0"/>
-                      </a:rPr>
-                      <m:t>𝑦</m:t>
-                    </m:r>
-                  </m:oMath>
-                </a14:m>
-                <a:endParaRPr lang="en-US" dirty="0"/>
-              </a:p>
-              <a:p>
-                <a:r>
-                  <a:rPr lang="en-US" dirty="0"/>
-                  <a:t>For PSA test:</a:t>
-                </a:r>
-              </a:p>
-              <a:p>
-                <a:pPr lvl="1"/>
-                <a:r>
-                  <a:rPr lang="en-US" dirty="0"/>
-                  <a:t>Highest weight on </a:t>
-                </a:r>
-                <a:r>
-                  <a:rPr lang="en-US" dirty="0" err="1"/>
-                  <a:t>lcavol</a:t>
-                </a:r>
-                <a:r>
-                  <a:rPr lang="en-US" dirty="0"/>
-                  <a:t> (log cancer volume)</a:t>
-                </a:r>
-              </a:p>
-              <a:p>
-                <a:pPr lvl="1"/>
-                <a:r>
-                  <a:rPr lang="en-US" dirty="0"/>
-                  <a:t>But, weights on all features are non-zero</a:t>
-                </a:r>
-              </a:p>
-              <a:p>
-                <a:pPr lvl="1"/>
-                <a:r>
-                  <a:rPr lang="en-US" dirty="0"/>
-                  <a:t>Hard to eliminate features</a:t>
-                </a:r>
-              </a:p>
-              <a:p>
-                <a:pPr lvl="1"/>
-                <a:endParaRPr lang="en-US" dirty="0"/>
-              </a:p>
-              <a:p>
-                <a:r>
-                  <a:rPr lang="en-US" dirty="0"/>
-                  <a:t>How can we tell if some features are not significant?</a:t>
-                </a:r>
-                <a:br>
-                  <a:rPr lang="en-US" dirty="0"/>
-                </a:br>
-                <a:endParaRPr lang="en-US" dirty="0"/>
-              </a:p>
-            </p:txBody>
-          </p:sp>
-        </mc:Choice>
-        <mc:Fallback xmlns="">
-          <p:sp>
-            <p:nvSpPr>
-              <p:cNvPr id="3" name="Content Placeholder 2">
-                <a:extLst>
-                  <a:ext uri="{FF2B5EF4-FFF2-40B4-BE49-F238E27FC236}">
-                    <a16:creationId xmlns:a16="http://schemas.microsoft.com/office/drawing/2014/main" id="{FC3303B8-4864-4FDB-AEA9-57929ABF8966}"/>
-                  </a:ext>
-                </a:extLst>
-              </p:cNvPr>
-              <p:cNvSpPr>
-                <a:spLocks noGrp="1" noRot="1" noChangeAspect="1" noMove="1" noResize="1" noEditPoints="1" noAdjustHandles="1" noChangeArrowheads="1" noChangeShapeType="1" noTextEdit="1"/>
-              </p:cNvSpPr>
-              <p:nvPr>
-                <p:ph idx="1"/>
-              </p:nvPr>
-            </p:nvSpPr>
-            <p:spPr>
-              <a:xfrm>
-                <a:off x="1097280" y="1539277"/>
-                <a:ext cx="5938520" cy="4329817"/>
-              </a:xfrm>
-              <a:blipFill>
-                <a:blip r:embed="rId2"/>
-                <a:stretch>
-                  <a:fillRect l="-2464" t="-1549"/>
-                </a:stretch>
-              </a:blipFill>
-            </p:spPr>
-            <p:txBody>
-              <a:bodyPr/>
-              <a:lstStyle/>
-              <a:p>
-                <a:r>
-                  <a:rPr lang="en-US">
-                    <a:noFill/>
-                  </a:rPr>
-                  <a:t> </a:t>
-                </a:r>
-              </a:p>
-            </p:txBody>
-          </p:sp>
-        </mc:Fallback>
-      </mc:AlternateContent>
       <p:sp>
         <p:nvSpPr>
           <p:cNvPr id="4" name="Slide Number Placeholder 3">
             <a:extLst>
               <a:ext uri="{FF2B5EF4-FFF2-40B4-BE49-F238E27FC236}">
-                <a16:creationId xmlns:a16="http://schemas.microsoft.com/office/drawing/2014/main" id="{6201FC8D-6D2D-4148-A271-69188C4D7F21}"/>
+                <a16:creationId xmlns:a16="http://schemas.microsoft.com/office/drawing/2014/main" id="{D5A9A75C-6342-41AF-BA9A-EE3CC8D02E15}"/>
               </a:ext>
             </a:extLst>
           </p:cNvPr>
@@ -27205,7 +28853,7 @@
           <p:cNvPr id="5" name="Picture 4">
             <a:extLst>
               <a:ext uri="{FF2B5EF4-FFF2-40B4-BE49-F238E27FC236}">
-                <a16:creationId xmlns:a16="http://schemas.microsoft.com/office/drawing/2014/main" id="{269386CF-42C2-4274-A7BC-8DB306767FBA}"/>
+                <a16:creationId xmlns:a16="http://schemas.microsoft.com/office/drawing/2014/main" id="{79D2F2C1-2CBA-443D-B9F1-E091F3F37FAD}"/>
               </a:ext>
             </a:extLst>
           </p:cNvPr>
@@ -27214,86 +28862,487 @@
           </p:cNvPicPr>
           <p:nvPr/>
         </p:nvPicPr>
-        <p:blipFill>
-          <a:blip r:embed="rId3"/>
-          <a:stretch>
-            <a:fillRect/>
-          </a:stretch>
+        <p:blipFill rotWithShape="1">
+          <a:blip r:embed="rId2"/>
+          <a:srcRect t="25923" r="24503" b="14517"/>
+          <a:stretch/>
         </p:blipFill>
         <p:spPr>
           <a:xfrm>
-            <a:off x="8005953" y="1450493"/>
-            <a:ext cx="2800350" cy="666750"/>
+            <a:off x="2306753" y="3667304"/>
+            <a:ext cx="7040041" cy="1463660"/>
           </a:xfrm>
           <a:prstGeom prst="rect">
             <a:avLst/>
           </a:prstGeom>
         </p:spPr>
       </p:pic>
-      <p:pic>
-        <p:nvPicPr>
-          <p:cNvPr id="6" name="Picture 5">
+      <p:sp>
+        <p:nvSpPr>
+          <p:cNvPr id="7" name="Content Placeholder 6">
             <a:extLst>
               <a:ext uri="{FF2B5EF4-FFF2-40B4-BE49-F238E27FC236}">
-                <a16:creationId xmlns:a16="http://schemas.microsoft.com/office/drawing/2014/main" id="{23DE851E-D17B-47FD-A61E-BDA5747A11E0}"/>
+                <a16:creationId xmlns:a16="http://schemas.microsoft.com/office/drawing/2014/main" id="{3D8C0D10-D7D9-41FC-93E8-F3211574A2AA}"/>
               </a:ext>
             </a:extLst>
           </p:cNvPr>
-          <p:cNvPicPr>
-            <a:picLocks noChangeAspect="1"/>
-          </p:cNvPicPr>
-          <p:nvPr/>
-        </p:nvPicPr>
-        <p:blipFill>
-          <a:blip r:embed="rId4"/>
-          <a:stretch>
-            <a:fillRect/>
-          </a:stretch>
-        </p:blipFill>
+          <p:cNvSpPr>
+            <a:spLocks noGrp="1"/>
+          </p:cNvSpPr>
+          <p:nvPr>
+            <p:ph idx="1"/>
+          </p:nvPr>
+        </p:nvSpPr>
         <p:spPr>
           <a:xfrm>
-            <a:off x="8005953" y="2258368"/>
-            <a:ext cx="1628775" cy="1304925"/>
+            <a:off x="1097280" y="1539277"/>
+            <a:ext cx="10058400" cy="970841"/>
+          </a:xfrm>
+        </p:spPr>
+        <p:txBody>
+          <a:bodyPr/>
+          <a:lstStyle/>
+          <a:p>
+            <a:r>
+              <a:rPr lang="en-US" dirty="0"/>
+              <a:t>Data has many categorical variables</a:t>
+            </a:r>
+          </a:p>
+          <a:p>
+            <a:r>
+              <a:rPr lang="en-US" dirty="0"/>
+              <a:t>Need to code the categorical variables to numerical values</a:t>
+            </a:r>
+          </a:p>
+        </p:txBody>
+      </p:sp>
+      <p:sp>
+        <p:nvSpPr>
+          <p:cNvPr id="8" name="TextBox 7">
+            <a:extLst>
+              <a:ext uri="{FF2B5EF4-FFF2-40B4-BE49-F238E27FC236}">
+                <a16:creationId xmlns:a16="http://schemas.microsoft.com/office/drawing/2014/main" id="{87DCBCF3-7116-4AC4-924C-4A36A8BEB3EB}"/>
+              </a:ext>
+            </a:extLst>
+          </p:cNvPr>
+          <p:cNvSpPr txBox="1"/>
+          <p:nvPr/>
+        </p:nvSpPr>
+        <p:spPr>
+          <a:xfrm>
+            <a:off x="5950241" y="2842693"/>
+            <a:ext cx="1228093" cy="369332"/>
           </a:xfrm>
           <a:prstGeom prst="rect">
             <a:avLst/>
           </a:prstGeom>
+          <a:noFill/>
         </p:spPr>
-      </p:pic>
-      <p:pic>
-        <p:nvPicPr>
-          <p:cNvPr id="7" name="Picture 6">
+        <p:txBody>
+          <a:bodyPr wrap="none" rtlCol="0">
+            <a:spAutoFit/>
+          </a:bodyPr>
+          <a:lstStyle/>
+          <a:p>
+            <a:r>
+              <a:rPr lang="en-US" dirty="0">
+                <a:solidFill>
+                  <a:schemeClr val="accent1">
+                    <a:lumMod val="60000"/>
+                    <a:lumOff val="40000"/>
+                  </a:schemeClr>
+                </a:solidFill>
+              </a:rPr>
+              <a:t>Categorical</a:t>
+            </a:r>
+          </a:p>
+        </p:txBody>
+      </p:sp>
+      <p:cxnSp>
+        <p:nvCxnSpPr>
+          <p:cNvPr id="10" name="Straight Arrow Connector 9">
             <a:extLst>
               <a:ext uri="{FF2B5EF4-FFF2-40B4-BE49-F238E27FC236}">
-                <a16:creationId xmlns:a16="http://schemas.microsoft.com/office/drawing/2014/main" id="{EC0E4297-FBFD-4DBA-9518-74924789FDA6}"/>
+                <a16:creationId xmlns:a16="http://schemas.microsoft.com/office/drawing/2014/main" id="{5BEB4295-0787-403D-8308-5D17695C832A}"/>
               </a:ext>
             </a:extLst>
           </p:cNvPr>
-          <p:cNvPicPr>
-            <a:picLocks noChangeAspect="1"/>
-          </p:cNvPicPr>
+          <p:cNvCxnSpPr>
+            <a:cxnSpLocks/>
+            <a:stCxn id="8" idx="2"/>
+          </p:cNvCxnSpPr>
           <p:nvPr/>
-        </p:nvPicPr>
-        <p:blipFill>
-          <a:blip r:embed="rId5"/>
-          <a:stretch>
-            <a:fillRect/>
-          </a:stretch>
-        </p:blipFill>
+        </p:nvCxnSpPr>
+        <p:spPr>
+          <a:xfrm flipH="1">
+            <a:off x="3976228" y="3212025"/>
+            <a:ext cx="2588060" cy="551410"/>
+          </a:xfrm>
+          <a:prstGeom prst="straightConnector1">
+            <a:avLst/>
+          </a:prstGeom>
+          <a:ln>
+            <a:tailEnd type="triangle"/>
+          </a:ln>
+        </p:spPr>
+        <p:style>
+          <a:lnRef idx="1">
+            <a:schemeClr val="accent1"/>
+          </a:lnRef>
+          <a:fillRef idx="0">
+            <a:schemeClr val="accent1"/>
+          </a:fillRef>
+          <a:effectRef idx="0">
+            <a:schemeClr val="accent1"/>
+          </a:effectRef>
+          <a:fontRef idx="minor">
+            <a:schemeClr val="tx1"/>
+          </a:fontRef>
+        </p:style>
+      </p:cxnSp>
+      <p:cxnSp>
+        <p:nvCxnSpPr>
+          <p:cNvPr id="12" name="Straight Arrow Connector 11">
+            <a:extLst>
+              <a:ext uri="{FF2B5EF4-FFF2-40B4-BE49-F238E27FC236}">
+                <a16:creationId xmlns:a16="http://schemas.microsoft.com/office/drawing/2014/main" id="{23C2620A-83FC-4197-8CF2-C466A8A08264}"/>
+              </a:ext>
+            </a:extLst>
+          </p:cNvPr>
+          <p:cNvCxnSpPr>
+            <a:cxnSpLocks/>
+            <a:stCxn id="8" idx="2"/>
+            <a:endCxn id="5" idx="0"/>
+          </p:cNvCxnSpPr>
+          <p:nvPr/>
+        </p:nvCxnSpPr>
+        <p:spPr>
+          <a:xfrm flipH="1">
+            <a:off x="5826774" y="3212025"/>
+            <a:ext cx="737514" cy="455279"/>
+          </a:xfrm>
+          <a:prstGeom prst="straightConnector1">
+            <a:avLst/>
+          </a:prstGeom>
+          <a:ln>
+            <a:tailEnd type="triangle"/>
+          </a:ln>
+        </p:spPr>
+        <p:style>
+          <a:lnRef idx="1">
+            <a:schemeClr val="accent1"/>
+          </a:lnRef>
+          <a:fillRef idx="0">
+            <a:schemeClr val="accent1"/>
+          </a:fillRef>
+          <a:effectRef idx="0">
+            <a:schemeClr val="accent1"/>
+          </a:effectRef>
+          <a:fontRef idx="minor">
+            <a:schemeClr val="tx1"/>
+          </a:fontRef>
+        </p:style>
+      </p:cxnSp>
+      <p:cxnSp>
+        <p:nvCxnSpPr>
+          <p:cNvPr id="14" name="Straight Arrow Connector 13">
+            <a:extLst>
+              <a:ext uri="{FF2B5EF4-FFF2-40B4-BE49-F238E27FC236}">
+                <a16:creationId xmlns:a16="http://schemas.microsoft.com/office/drawing/2014/main" id="{491DCB02-A53B-4846-8E4F-7A688EB7C155}"/>
+              </a:ext>
+            </a:extLst>
+          </p:cNvPr>
+          <p:cNvCxnSpPr>
+            <a:cxnSpLocks/>
+            <a:stCxn id="8" idx="2"/>
+          </p:cNvCxnSpPr>
+          <p:nvPr/>
+        </p:nvCxnSpPr>
         <p:spPr>
           <a:xfrm>
-            <a:off x="7750683" y="3872998"/>
-            <a:ext cx="3106293" cy="1990440"/>
+            <a:off x="6564288" y="3212025"/>
+            <a:ext cx="240642" cy="449941"/>
+          </a:xfrm>
+          <a:prstGeom prst="straightConnector1">
+            <a:avLst/>
+          </a:prstGeom>
+          <a:ln>
+            <a:tailEnd type="triangle"/>
+          </a:ln>
+        </p:spPr>
+        <p:style>
+          <a:lnRef idx="1">
+            <a:schemeClr val="accent1"/>
+          </a:lnRef>
+          <a:fillRef idx="0">
+            <a:schemeClr val="accent1"/>
+          </a:fillRef>
+          <a:effectRef idx="0">
+            <a:schemeClr val="accent1"/>
+          </a:effectRef>
+          <a:fontRef idx="minor">
+            <a:schemeClr val="tx1"/>
+          </a:fontRef>
+        </p:style>
+      </p:cxnSp>
+      <p:sp>
+        <p:nvSpPr>
+          <p:cNvPr id="16" name="TextBox 15">
+            <a:extLst>
+              <a:ext uri="{FF2B5EF4-FFF2-40B4-BE49-F238E27FC236}">
+                <a16:creationId xmlns:a16="http://schemas.microsoft.com/office/drawing/2014/main" id="{EB19AE9B-DB94-40E5-95D9-6B686EA442C6}"/>
+              </a:ext>
+            </a:extLst>
+          </p:cNvPr>
+          <p:cNvSpPr txBox="1"/>
+          <p:nvPr/>
+        </p:nvSpPr>
+        <p:spPr>
+          <a:xfrm>
+            <a:off x="2945727" y="2520580"/>
+            <a:ext cx="1260858" cy="369332"/>
           </a:xfrm>
           <a:prstGeom prst="rect">
             <a:avLst/>
           </a:prstGeom>
+          <a:noFill/>
         </p:spPr>
-      </p:pic>
+        <p:txBody>
+          <a:bodyPr wrap="none" rtlCol="0">
+            <a:spAutoFit/>
+          </a:bodyPr>
+          <a:lstStyle/>
+          <a:p>
+            <a:r>
+              <a:rPr lang="en-US" dirty="0">
+                <a:solidFill>
+                  <a:srgbClr val="0070C0"/>
+                </a:solidFill>
+              </a:rPr>
+              <a:t>Real valued</a:t>
+            </a:r>
+          </a:p>
+        </p:txBody>
+      </p:sp>
+      <p:cxnSp>
+        <p:nvCxnSpPr>
+          <p:cNvPr id="18" name="Straight Arrow Connector 17">
+            <a:extLst>
+              <a:ext uri="{FF2B5EF4-FFF2-40B4-BE49-F238E27FC236}">
+                <a16:creationId xmlns:a16="http://schemas.microsoft.com/office/drawing/2014/main" id="{D4A0886D-D3C1-411D-9144-A1AA57EED917}"/>
+              </a:ext>
+            </a:extLst>
+          </p:cNvPr>
+          <p:cNvCxnSpPr>
+            <a:stCxn id="16" idx="2"/>
+          </p:cNvCxnSpPr>
+          <p:nvPr/>
+        </p:nvCxnSpPr>
+        <p:spPr>
+          <a:xfrm flipH="1">
+            <a:off x="3247998" y="2889912"/>
+            <a:ext cx="328158" cy="777392"/>
+          </a:xfrm>
+          <a:prstGeom prst="straightConnector1">
+            <a:avLst/>
+          </a:prstGeom>
+          <a:ln w="19050">
+            <a:solidFill>
+              <a:srgbClr val="0070C0"/>
+            </a:solidFill>
+            <a:tailEnd type="triangle"/>
+          </a:ln>
+        </p:spPr>
+        <p:style>
+          <a:lnRef idx="1">
+            <a:schemeClr val="accent1"/>
+          </a:lnRef>
+          <a:fillRef idx="0">
+            <a:schemeClr val="accent1"/>
+          </a:fillRef>
+          <a:effectRef idx="0">
+            <a:schemeClr val="accent1"/>
+          </a:effectRef>
+          <a:fontRef idx="minor">
+            <a:schemeClr val="tx1"/>
+          </a:fontRef>
+        </p:style>
+      </p:cxnSp>
+      <p:cxnSp>
+        <p:nvCxnSpPr>
+          <p:cNvPr id="24" name="Straight Arrow Connector 23">
+            <a:extLst>
+              <a:ext uri="{FF2B5EF4-FFF2-40B4-BE49-F238E27FC236}">
+                <a16:creationId xmlns:a16="http://schemas.microsoft.com/office/drawing/2014/main" id="{419E4606-C9DF-4DFF-A984-109F1051F363}"/>
+              </a:ext>
+            </a:extLst>
+          </p:cNvPr>
+          <p:cNvCxnSpPr>
+            <a:stCxn id="8" idx="2"/>
+          </p:cNvCxnSpPr>
+          <p:nvPr/>
+        </p:nvCxnSpPr>
+        <p:spPr>
+          <a:xfrm>
+            <a:off x="6564288" y="3212025"/>
+            <a:ext cx="1012429" cy="455279"/>
+          </a:xfrm>
+          <a:prstGeom prst="straightConnector1">
+            <a:avLst/>
+          </a:prstGeom>
+          <a:ln>
+            <a:tailEnd type="triangle"/>
+          </a:ln>
+        </p:spPr>
+        <p:style>
+          <a:lnRef idx="1">
+            <a:schemeClr val="accent1"/>
+          </a:lnRef>
+          <a:fillRef idx="0">
+            <a:schemeClr val="accent1"/>
+          </a:fillRef>
+          <a:effectRef idx="0">
+            <a:schemeClr val="accent1"/>
+          </a:effectRef>
+          <a:fontRef idx="minor">
+            <a:schemeClr val="tx1"/>
+          </a:fontRef>
+        </p:style>
+      </p:cxnSp>
+      <p:cxnSp>
+        <p:nvCxnSpPr>
+          <p:cNvPr id="26" name="Straight Arrow Connector 25">
+            <a:extLst>
+              <a:ext uri="{FF2B5EF4-FFF2-40B4-BE49-F238E27FC236}">
+                <a16:creationId xmlns:a16="http://schemas.microsoft.com/office/drawing/2014/main" id="{57CADE7B-2E9A-4857-B05A-D0D46E182C6F}"/>
+              </a:ext>
+            </a:extLst>
+          </p:cNvPr>
+          <p:cNvCxnSpPr>
+            <a:stCxn id="8" idx="2"/>
+          </p:cNvCxnSpPr>
+          <p:nvPr/>
+        </p:nvCxnSpPr>
+        <p:spPr>
+          <a:xfrm>
+            <a:off x="6564288" y="3212025"/>
+            <a:ext cx="1669475" cy="449941"/>
+          </a:xfrm>
+          <a:prstGeom prst="straightConnector1">
+            <a:avLst/>
+          </a:prstGeom>
+          <a:ln>
+            <a:tailEnd type="triangle"/>
+          </a:ln>
+        </p:spPr>
+        <p:style>
+          <a:lnRef idx="1">
+            <a:schemeClr val="accent1"/>
+          </a:lnRef>
+          <a:fillRef idx="0">
+            <a:schemeClr val="accent1"/>
+          </a:fillRef>
+          <a:effectRef idx="0">
+            <a:schemeClr val="accent1"/>
+          </a:effectRef>
+          <a:fontRef idx="minor">
+            <a:schemeClr val="tx1"/>
+          </a:fontRef>
+        </p:style>
+      </p:cxnSp>
+      <p:cxnSp>
+        <p:nvCxnSpPr>
+          <p:cNvPr id="28" name="Straight Arrow Connector 27">
+            <a:extLst>
+              <a:ext uri="{FF2B5EF4-FFF2-40B4-BE49-F238E27FC236}">
+                <a16:creationId xmlns:a16="http://schemas.microsoft.com/office/drawing/2014/main" id="{AA4DF776-B03B-406A-B74A-4455BD980413}"/>
+              </a:ext>
+            </a:extLst>
+          </p:cNvPr>
+          <p:cNvCxnSpPr>
+            <a:cxnSpLocks/>
+            <a:stCxn id="16" idx="2"/>
+          </p:cNvCxnSpPr>
+          <p:nvPr/>
+        </p:nvCxnSpPr>
+        <p:spPr>
+          <a:xfrm>
+            <a:off x="3576156" y="2889912"/>
+            <a:ext cx="1106359" cy="828972"/>
+          </a:xfrm>
+          <a:prstGeom prst="straightConnector1">
+            <a:avLst/>
+          </a:prstGeom>
+          <a:ln w="19050">
+            <a:solidFill>
+              <a:srgbClr val="0070C0"/>
+            </a:solidFill>
+            <a:tailEnd type="triangle"/>
+          </a:ln>
+        </p:spPr>
+        <p:style>
+          <a:lnRef idx="1">
+            <a:schemeClr val="accent1"/>
+          </a:lnRef>
+          <a:fillRef idx="0">
+            <a:schemeClr val="accent1"/>
+          </a:fillRef>
+          <a:effectRef idx="0">
+            <a:schemeClr val="accent1"/>
+          </a:effectRef>
+          <a:fontRef idx="minor">
+            <a:schemeClr val="tx1"/>
+          </a:fontRef>
+        </p:style>
+      </p:cxnSp>
+      <p:cxnSp>
+        <p:nvCxnSpPr>
+          <p:cNvPr id="31" name="Straight Arrow Connector 30">
+            <a:extLst>
+              <a:ext uri="{FF2B5EF4-FFF2-40B4-BE49-F238E27FC236}">
+                <a16:creationId xmlns:a16="http://schemas.microsoft.com/office/drawing/2014/main" id="{892B68E6-C871-495B-A89E-CB3AEA2AAAB2}"/>
+              </a:ext>
+            </a:extLst>
+          </p:cNvPr>
+          <p:cNvCxnSpPr>
+            <a:stCxn id="16" idx="2"/>
+          </p:cNvCxnSpPr>
+          <p:nvPr/>
+        </p:nvCxnSpPr>
+        <p:spPr>
+          <a:xfrm>
+            <a:off x="3576156" y="2889912"/>
+            <a:ext cx="5337780" cy="772054"/>
+          </a:xfrm>
+          <a:prstGeom prst="straightConnector1">
+            <a:avLst/>
+          </a:prstGeom>
+          <a:ln w="19050">
+            <a:solidFill>
+              <a:srgbClr val="0070C0"/>
+            </a:solidFill>
+            <a:tailEnd type="triangle"/>
+          </a:ln>
+        </p:spPr>
+        <p:style>
+          <a:lnRef idx="1">
+            <a:schemeClr val="accent1"/>
+          </a:lnRef>
+          <a:fillRef idx="0">
+            <a:schemeClr val="accent1"/>
+          </a:fillRef>
+          <a:effectRef idx="0">
+            <a:schemeClr val="accent1"/>
+          </a:effectRef>
+          <a:fontRef idx="minor">
+            <a:schemeClr val="tx1"/>
+          </a:fontRef>
+        </p:style>
+      </p:cxnSp>
     </p:spTree>
     <p:extLst>
       <p:ext uri="{BB962C8B-B14F-4D97-AF65-F5344CB8AC3E}">
-        <p14:creationId xmlns:p14="http://schemas.microsoft.com/office/powerpoint/2010/main" val="47102263"/>
+        <p14:creationId xmlns:p14="http://schemas.microsoft.com/office/powerpoint/2010/main" val="1559305987"/>
       </p:ext>
     </p:extLst>
   </p:cSld>
@@ -27322,7 +29371,13 @@
       </p:grpSpPr>
       <p:sp>
         <p:nvSpPr>
-          <p:cNvPr id="2" name="Title 1"/>
+          <p:cNvPr id="2" name="Title 1">
+            <a:extLst>
+              <a:ext uri="{FF2B5EF4-FFF2-40B4-BE49-F238E27FC236}">
+                <a16:creationId xmlns:a16="http://schemas.microsoft.com/office/drawing/2014/main" id="{4E976537-7101-4263-AC80-7A8BA879C11D}"/>
+              </a:ext>
+            </a:extLst>
+          </p:cNvPr>
           <p:cNvSpPr>
             <a:spLocks noGrp="1"/>
           </p:cNvSpPr>
@@ -27337,66 +29392,20 @@
           <a:p>
             <a:r>
               <a:rPr lang="en-US" dirty="0"/>
-              <a:t>Outline	</a:t>
+              <a:t>Splitting the Variables</a:t>
             </a:r>
           </a:p>
         </p:txBody>
       </p:sp>
       <p:sp>
         <p:nvSpPr>
-          <p:cNvPr id="3" name="Content Placeholder 2"/>
-          <p:cNvSpPr>
-            <a:spLocks noGrp="1"/>
-          </p:cNvSpPr>
-          <p:nvPr>
-            <p:ph idx="1"/>
-          </p:nvPr>
-        </p:nvSpPr>
-        <p:spPr/>
-        <p:txBody>
-          <a:bodyPr/>
-          <a:lstStyle/>
-          <a:p>
-            <a:r>
-              <a:rPr lang="en-US" dirty="0"/>
-              <a:t>Motivating Example:  Predicting prostate cancer from a PSA test</a:t>
-            </a:r>
-          </a:p>
-          <a:p>
-            <a:r>
-              <a:rPr lang="en-US" dirty="0"/>
-              <a:t>Model Selection </a:t>
-            </a:r>
-          </a:p>
-          <a:p>
-            <a:r>
-              <a:rPr lang="en-US" dirty="0"/>
-              <a:t>Model Selection from LASSO regularization</a:t>
-            </a:r>
-          </a:p>
-          <a:p>
-            <a:r>
-              <a:rPr lang="en-US" dirty="0"/>
-              <a:t>Probabilistic interpretation</a:t>
-            </a:r>
-          </a:p>
-          <a:p>
-            <a:r>
-              <a:rPr lang="en-US" dirty="0"/>
-              <a:t>Other Model Selection Methods</a:t>
-            </a:r>
-          </a:p>
-          <a:p>
-            <a:r>
-              <a:rPr lang="en-US" dirty="0"/>
-              <a:t>In-Class Exercise:  Audio Pitch Detection </a:t>
-            </a:r>
-          </a:p>
-        </p:txBody>
-      </p:sp>
-      <p:sp>
-        <p:nvSpPr>
-          <p:cNvPr id="4" name="Slide Number Placeholder 3"/>
+          <p:cNvPr id="4" name="Slide Number Placeholder 3">
+            <a:extLst>
+              <a:ext uri="{FF2B5EF4-FFF2-40B4-BE49-F238E27FC236}">
+                <a16:creationId xmlns:a16="http://schemas.microsoft.com/office/drawing/2014/main" id="{D5A9A75C-6342-41AF-BA9A-EE3CC8D02E15}"/>
+              </a:ext>
+            </a:extLst>
+          </p:cNvPr>
           <p:cNvSpPr>
             <a:spLocks noGrp="1"/>
           </p:cNvSpPr>
@@ -27419,54 +29428,101 @@
       </p:sp>
       <p:sp>
         <p:nvSpPr>
-          <p:cNvPr id="5" name="Arrow: Right 4"/>
-          <p:cNvSpPr/>
-          <p:nvPr/>
+          <p:cNvPr id="7" name="Content Placeholder 6">
+            <a:extLst>
+              <a:ext uri="{FF2B5EF4-FFF2-40B4-BE49-F238E27FC236}">
+                <a16:creationId xmlns:a16="http://schemas.microsoft.com/office/drawing/2014/main" id="{3D8C0D10-D7D9-41FC-93E8-F3211574A2AA}"/>
+              </a:ext>
+            </a:extLst>
+          </p:cNvPr>
+          <p:cNvSpPr>
+            <a:spLocks noGrp="1"/>
+          </p:cNvSpPr>
+          <p:nvPr>
+            <p:ph idx="1"/>
+          </p:nvPr>
         </p:nvSpPr>
         <p:spPr>
           <a:xfrm>
-            <a:off x="283569" y="1880873"/>
-            <a:ext cx="978408" cy="484632"/>
+            <a:off x="1097280" y="1539277"/>
+            <a:ext cx="10058400" cy="970841"/>
           </a:xfrm>
-          <a:prstGeom prst="rightArrow">
+        </p:spPr>
+        <p:txBody>
+          <a:bodyPr/>
+          <a:lstStyle/>
+          <a:p>
+            <a:r>
+              <a:rPr lang="en-US" dirty="0"/>
+              <a:t>First, split the variables into categorical and real </a:t>
+            </a:r>
+          </a:p>
+        </p:txBody>
+      </p:sp>
+      <p:pic>
+        <p:nvPicPr>
+          <p:cNvPr id="3" name="Picture 2">
+            <a:extLst>
+              <a:ext uri="{FF2B5EF4-FFF2-40B4-BE49-F238E27FC236}">
+                <a16:creationId xmlns:a16="http://schemas.microsoft.com/office/drawing/2014/main" id="{DE1D44A4-7F7A-4F7A-B6D8-67EF8BA890F0}"/>
+              </a:ext>
+            </a:extLst>
+          </p:cNvPr>
+          <p:cNvPicPr>
+            <a:picLocks noChangeAspect="1"/>
+          </p:cNvPicPr>
+          <p:nvPr/>
+        </p:nvPicPr>
+        <p:blipFill>
+          <a:blip r:embed="rId2"/>
+          <a:stretch>
+            <a:fillRect/>
+          </a:stretch>
+        </p:blipFill>
+        <p:spPr>
+          <a:xfrm>
+            <a:off x="1097280" y="2007638"/>
+            <a:ext cx="4204562" cy="2299638"/>
+          </a:xfrm>
+          <a:prstGeom prst="rect">
             <a:avLst/>
           </a:prstGeom>
-          <a:solidFill>
-            <a:schemeClr val="accent1">
-              <a:lumMod val="60000"/>
-              <a:lumOff val="40000"/>
-            </a:schemeClr>
-          </a:solidFill>
         </p:spPr>
-        <p:style>
-          <a:lnRef idx="2">
-            <a:schemeClr val="accent1">
-              <a:shade val="50000"/>
-            </a:schemeClr>
-          </a:lnRef>
-          <a:fillRef idx="1">
-            <a:schemeClr val="accent1"/>
-          </a:fillRef>
-          <a:effectRef idx="0">
-            <a:schemeClr val="accent1"/>
-          </a:effectRef>
-          <a:fontRef idx="minor">
-            <a:schemeClr val="lt1"/>
-          </a:fontRef>
-        </p:style>
-        <p:txBody>
-          <a:bodyPr rtlCol="0" anchor="ctr"/>
-          <a:lstStyle/>
-          <a:p>
-            <a:pPr algn="ctr"/>
-            <a:endParaRPr lang="en-US"/>
-          </a:p>
-        </p:txBody>
-      </p:sp>
+      </p:pic>
+      <p:pic>
+        <p:nvPicPr>
+          <p:cNvPr id="6" name="Picture 5">
+            <a:extLst>
+              <a:ext uri="{FF2B5EF4-FFF2-40B4-BE49-F238E27FC236}">
+                <a16:creationId xmlns:a16="http://schemas.microsoft.com/office/drawing/2014/main" id="{9751BE97-96B7-4228-AE20-A62A5B064CDB}"/>
+              </a:ext>
+            </a:extLst>
+          </p:cNvPr>
+          <p:cNvPicPr>
+            <a:picLocks noChangeAspect="1"/>
+          </p:cNvPicPr>
+          <p:nvPr/>
+        </p:nvPicPr>
+        <p:blipFill>
+          <a:blip r:embed="rId3"/>
+          <a:stretch>
+            <a:fillRect/>
+          </a:stretch>
+        </p:blipFill>
+        <p:spPr>
+          <a:xfrm>
+            <a:off x="986405" y="4347883"/>
+            <a:ext cx="7898994" cy="1651019"/>
+          </a:xfrm>
+          <a:prstGeom prst="rect">
+            <a:avLst/>
+          </a:prstGeom>
+        </p:spPr>
+      </p:pic>
     </p:spTree>
     <p:extLst>
       <p:ext uri="{BB962C8B-B14F-4D97-AF65-F5344CB8AC3E}">
-        <p14:creationId xmlns:p14="http://schemas.microsoft.com/office/powerpoint/2010/main" val="935259536"/>
+        <p14:creationId xmlns:p14="http://schemas.microsoft.com/office/powerpoint/2010/main" val="2348472562"/>
       </p:ext>
     </p:extLst>
   </p:cSld>

--- a/lectures/Lect05_Lasso.pptx
+++ b/lectures/Lect05_Lasso.pptx
@@ -24,14 +24,14 @@
     <p:sldId id="428" r:id="rId15"/>
     <p:sldId id="429" r:id="rId16"/>
     <p:sldId id="431" r:id="rId17"/>
-    <p:sldId id="413" r:id="rId18"/>
+    <p:sldId id="432" r:id="rId18"/>
     <p:sldId id="400" r:id="rId19"/>
     <p:sldId id="402" r:id="rId20"/>
     <p:sldId id="404" r:id="rId21"/>
     <p:sldId id="265" r:id="rId22"/>
     <p:sldId id="403" r:id="rId23"/>
     <p:sldId id="411" r:id="rId24"/>
-    <p:sldId id="414" r:id="rId25"/>
+    <p:sldId id="433" r:id="rId25"/>
     <p:sldId id="364" r:id="rId26"/>
     <p:sldId id="363" r:id="rId27"/>
     <p:sldId id="365" r:id="rId28"/>
@@ -888,7 +888,7 @@
     </p:spTree>
     <p:extLst>
       <p:ext uri="{BB962C8B-B14F-4D97-AF65-F5344CB8AC3E}">
-        <p14:creationId xmlns:p14="http://schemas.microsoft.com/office/powerpoint/2010/main" val="3468404257"/>
+        <p14:creationId xmlns:p14="http://schemas.microsoft.com/office/powerpoint/2010/main" val="4048747988"/>
       </p:ext>
     </p:extLst>
   </p:cSld>
@@ -972,7 +972,7 @@
     </p:spTree>
     <p:extLst>
       <p:ext uri="{BB962C8B-B14F-4D97-AF65-F5344CB8AC3E}">
-        <p14:creationId xmlns:p14="http://schemas.microsoft.com/office/powerpoint/2010/main" val="851207911"/>
+        <p14:creationId xmlns:p14="http://schemas.microsoft.com/office/powerpoint/2010/main" val="229577811"/>
       </p:ext>
     </p:extLst>
   </p:cSld>
@@ -4838,7 +4838,7 @@
           <a:p>
             <a:r>
               <a:rPr lang="en-US" sz="6600" dirty="0"/>
-              <a:t>Lecture 5 </a:t>
+              <a:t>Unit 5 </a:t>
             </a:r>
             <a:br>
               <a:rPr lang="en-US" sz="6600" dirty="0"/>
@@ -4875,7 +4875,7 @@
             </a:r>
             <a:r>
               <a:rPr lang="en-US" dirty="0"/>
-              <a:t> 4563/EL-GY 9123:  Introduction to machine learning</a:t>
+              <a:t> 4563/EL-GY 9143:  Introduction to machine learning</a:t>
             </a:r>
           </a:p>
           <a:p>
@@ -7163,6 +7163,48 @@
             <a:endParaRPr lang="en-US" dirty="0"/>
           </a:p>
           <a:p>
+            <a:r>
+              <a:rPr lang="en-US" dirty="0">
+                <a:solidFill>
+                  <a:schemeClr val="accent1">
+                    <a:lumMod val="60000"/>
+                    <a:lumOff val="40000"/>
+                  </a:schemeClr>
+                </a:solidFill>
+              </a:rPr>
+              <a:t>Model</a:t>
+            </a:r>
+            <a:r>
+              <a:rPr lang="en-US" dirty="0"/>
+              <a:t> or </a:t>
+            </a:r>
+            <a:r>
+              <a:rPr lang="en-US" dirty="0">
+                <a:solidFill>
+                  <a:schemeClr val="accent1">
+                    <a:lumMod val="60000"/>
+                    <a:lumOff val="40000"/>
+                  </a:schemeClr>
+                </a:solidFill>
+              </a:rPr>
+              <a:t>feature selection problem</a:t>
+            </a:r>
+            <a:r>
+              <a:rPr lang="en-US" dirty="0"/>
+              <a:t>:</a:t>
+            </a:r>
+          </a:p>
+          <a:p>
+            <a:pPr lvl="1"/>
+            <a:r>
+              <a:rPr lang="en-US" i="1" dirty="0"/>
+              <a:t>How do we find the variables that matter?</a:t>
+            </a:r>
+          </a:p>
+          <a:p>
+            <a:endParaRPr lang="en-US" dirty="0"/>
+          </a:p>
+          <a:p>
             <a:endParaRPr lang="en-US" dirty="0"/>
           </a:p>
         </p:txBody>
@@ -7295,7 +7337,13 @@
           <a:p>
             <a:r>
               <a:rPr lang="en-US" dirty="0"/>
-              <a:t>Motivating Example: Predicting housing price Model Selection </a:t>
+              <a:t>Motivating Example:  Feature selection in predicting housing prices</a:t>
+            </a:r>
+          </a:p>
+          <a:p>
+            <a:r>
+              <a:rPr lang="en-US" dirty="0"/>
+              <a:t>Model Selection Problem</a:t>
             </a:r>
           </a:p>
           <a:p>
@@ -7355,7 +7403,7 @@
         </p:nvSpPr>
         <p:spPr>
           <a:xfrm>
-            <a:off x="283569" y="1880873"/>
+            <a:off x="314049" y="1914587"/>
             <a:ext cx="978408" cy="484632"/>
           </a:xfrm>
           <a:prstGeom prst="rightArrow">
@@ -7396,7 +7444,7 @@
     </p:spTree>
     <p:extLst>
       <p:ext uri="{BB962C8B-B14F-4D97-AF65-F5344CB8AC3E}">
-        <p14:creationId xmlns:p14="http://schemas.microsoft.com/office/powerpoint/2010/main" val="935259536"/>
+        <p14:creationId xmlns:p14="http://schemas.microsoft.com/office/powerpoint/2010/main" val="3788547181"/>
       </p:ext>
     </p:extLst>
   </p:cSld>
@@ -8416,7 +8464,42 @@
           <a:p>
             <a:r>
               <a:rPr lang="en-US" dirty="0"/>
-              <a:t>Formulate a linear estimation problem with a regularization</a:t>
+              <a:t>Describe </a:t>
+            </a:r>
+            <a:r>
+              <a:rPr lang="en-US" dirty="0">
+                <a:solidFill>
+                  <a:schemeClr val="accent1">
+                    <a:lumMod val="60000"/>
+                    <a:lumOff val="40000"/>
+                  </a:schemeClr>
+                </a:solidFill>
+              </a:rPr>
+              <a:t>model selection </a:t>
+            </a:r>
+            <a:r>
+              <a:rPr lang="en-US" dirty="0"/>
+              <a:t>and identify when it may be needed</a:t>
+            </a:r>
+          </a:p>
+          <a:p>
+            <a:r>
+              <a:rPr lang="en-US" dirty="0"/>
+              <a:t>Mathematically describe linear regression with regularization</a:t>
+            </a:r>
+          </a:p>
+          <a:p>
+            <a:r>
+              <a:rPr lang="en-US" dirty="0"/>
+              <a:t>Select </a:t>
+            </a:r>
+            <a:r>
+              <a:rPr lang="en-US" dirty="0" err="1"/>
+              <a:t>regularizers</a:t>
+            </a:r>
+            <a:r>
+              <a:rPr lang="en-US" dirty="0"/>
+              <a:t> to impose constraints</a:t>
             </a:r>
           </a:p>
           <a:p>
@@ -8443,12 +8526,6 @@
             <a:r>
               <a:rPr lang="en-US" dirty="0"/>
               <a:t>Interpret results from a LASSO path</a:t>
-            </a:r>
-          </a:p>
-          <a:p>
-            <a:r>
-              <a:rPr lang="en-US" dirty="0"/>
-              <a:t>Determine final regression function from cross validation</a:t>
             </a:r>
           </a:p>
           <a:p>
@@ -8527,6 +8604,428 @@
   <p:clrMapOvr>
     <a:masterClrMapping/>
   </p:clrMapOvr>
+  <p:timing>
+    <p:tnLst>
+      <p:par>
+        <p:cTn id="1" dur="indefinite" restart="never" nodeType="tmRoot">
+          <p:childTnLst>
+            <p:seq concurrent="1" nextAc="seek">
+              <p:cTn id="2" dur="indefinite" nodeType="mainSeq">
+                <p:childTnLst>
+                  <p:par>
+                    <p:cTn id="3" fill="hold">
+                      <p:stCondLst>
+                        <p:cond delay="indefinite"/>
+                      </p:stCondLst>
+                      <p:childTnLst>
+                        <p:par>
+                          <p:cTn id="4" fill="hold">
+                            <p:stCondLst>
+                              <p:cond delay="0"/>
+                            </p:stCondLst>
+                            <p:childTnLst>
+                              <p:par>
+                                <p:cTn id="5" presetID="1" presetClass="entr" presetSubtype="0" fill="hold" nodeType="clickEffect">
+                                  <p:stCondLst>
+                                    <p:cond delay="0"/>
+                                  </p:stCondLst>
+                                  <p:childTnLst>
+                                    <p:set>
+                                      <p:cBhvr>
+                                        <p:cTn id="6" dur="1" fill="hold">
+                                          <p:stCondLst>
+                                            <p:cond delay="0"/>
+                                          </p:stCondLst>
+                                        </p:cTn>
+                                        <p:tgtEl>
+                                          <p:spTgt spid="3">
+                                            <p:txEl>
+                                              <p:pRg st="0" end="0"/>
+                                            </p:txEl>
+                                          </p:spTgt>
+                                        </p:tgtEl>
+                                        <p:attrNameLst>
+                                          <p:attrName>style.visibility</p:attrName>
+                                        </p:attrNameLst>
+                                      </p:cBhvr>
+                                      <p:to>
+                                        <p:strVal val="visible"/>
+                                      </p:to>
+                                    </p:set>
+                                  </p:childTnLst>
+                                </p:cTn>
+                              </p:par>
+                            </p:childTnLst>
+                          </p:cTn>
+                        </p:par>
+                      </p:childTnLst>
+                    </p:cTn>
+                  </p:par>
+                  <p:par>
+                    <p:cTn id="7" fill="hold">
+                      <p:stCondLst>
+                        <p:cond delay="indefinite"/>
+                      </p:stCondLst>
+                      <p:childTnLst>
+                        <p:par>
+                          <p:cTn id="8" fill="hold">
+                            <p:stCondLst>
+                              <p:cond delay="0"/>
+                            </p:stCondLst>
+                            <p:childTnLst>
+                              <p:par>
+                                <p:cTn id="9" presetID="1" presetClass="entr" presetSubtype="0" fill="hold" nodeType="clickEffect">
+                                  <p:stCondLst>
+                                    <p:cond delay="0"/>
+                                  </p:stCondLst>
+                                  <p:childTnLst>
+                                    <p:set>
+                                      <p:cBhvr>
+                                        <p:cTn id="10" dur="1" fill="hold">
+                                          <p:stCondLst>
+                                            <p:cond delay="0"/>
+                                          </p:stCondLst>
+                                        </p:cTn>
+                                        <p:tgtEl>
+                                          <p:spTgt spid="3">
+                                            <p:txEl>
+                                              <p:pRg st="1" end="1"/>
+                                            </p:txEl>
+                                          </p:spTgt>
+                                        </p:tgtEl>
+                                        <p:attrNameLst>
+                                          <p:attrName>style.visibility</p:attrName>
+                                        </p:attrNameLst>
+                                      </p:cBhvr>
+                                      <p:to>
+                                        <p:strVal val="visible"/>
+                                      </p:to>
+                                    </p:set>
+                                  </p:childTnLst>
+                                </p:cTn>
+                              </p:par>
+                            </p:childTnLst>
+                          </p:cTn>
+                        </p:par>
+                      </p:childTnLst>
+                    </p:cTn>
+                  </p:par>
+                  <p:par>
+                    <p:cTn id="11" fill="hold">
+                      <p:stCondLst>
+                        <p:cond delay="indefinite"/>
+                      </p:stCondLst>
+                      <p:childTnLst>
+                        <p:par>
+                          <p:cTn id="12" fill="hold">
+                            <p:stCondLst>
+                              <p:cond delay="0"/>
+                            </p:stCondLst>
+                            <p:childTnLst>
+                              <p:par>
+                                <p:cTn id="13" presetID="1" presetClass="entr" presetSubtype="0" fill="hold" nodeType="clickEffect">
+                                  <p:stCondLst>
+                                    <p:cond delay="0"/>
+                                  </p:stCondLst>
+                                  <p:childTnLst>
+                                    <p:set>
+                                      <p:cBhvr>
+                                        <p:cTn id="14" dur="1" fill="hold">
+                                          <p:stCondLst>
+                                            <p:cond delay="0"/>
+                                          </p:stCondLst>
+                                        </p:cTn>
+                                        <p:tgtEl>
+                                          <p:spTgt spid="3">
+                                            <p:txEl>
+                                              <p:pRg st="2" end="2"/>
+                                            </p:txEl>
+                                          </p:spTgt>
+                                        </p:tgtEl>
+                                        <p:attrNameLst>
+                                          <p:attrName>style.visibility</p:attrName>
+                                        </p:attrNameLst>
+                                      </p:cBhvr>
+                                      <p:to>
+                                        <p:strVal val="visible"/>
+                                      </p:to>
+                                    </p:set>
+                                  </p:childTnLst>
+                                </p:cTn>
+                              </p:par>
+                            </p:childTnLst>
+                          </p:cTn>
+                        </p:par>
+                      </p:childTnLst>
+                    </p:cTn>
+                  </p:par>
+                  <p:par>
+                    <p:cTn id="15" fill="hold">
+                      <p:stCondLst>
+                        <p:cond delay="indefinite"/>
+                      </p:stCondLst>
+                      <p:childTnLst>
+                        <p:par>
+                          <p:cTn id="16" fill="hold">
+                            <p:stCondLst>
+                              <p:cond delay="0"/>
+                            </p:stCondLst>
+                            <p:childTnLst>
+                              <p:par>
+                                <p:cTn id="17" presetID="1" presetClass="entr" presetSubtype="0" fill="hold" nodeType="clickEffect">
+                                  <p:stCondLst>
+                                    <p:cond delay="0"/>
+                                  </p:stCondLst>
+                                  <p:childTnLst>
+                                    <p:set>
+                                      <p:cBhvr>
+                                        <p:cTn id="18" dur="1" fill="hold">
+                                          <p:stCondLst>
+                                            <p:cond delay="0"/>
+                                          </p:stCondLst>
+                                        </p:cTn>
+                                        <p:tgtEl>
+                                          <p:spTgt spid="3">
+                                            <p:txEl>
+                                              <p:pRg st="3" end="3"/>
+                                            </p:txEl>
+                                          </p:spTgt>
+                                        </p:tgtEl>
+                                        <p:attrNameLst>
+                                          <p:attrName>style.visibility</p:attrName>
+                                        </p:attrNameLst>
+                                      </p:cBhvr>
+                                      <p:to>
+                                        <p:strVal val="visible"/>
+                                      </p:to>
+                                    </p:set>
+                                  </p:childTnLst>
+                                </p:cTn>
+                              </p:par>
+                            </p:childTnLst>
+                          </p:cTn>
+                        </p:par>
+                      </p:childTnLst>
+                    </p:cTn>
+                  </p:par>
+                  <p:par>
+                    <p:cTn id="19" fill="hold">
+                      <p:stCondLst>
+                        <p:cond delay="indefinite"/>
+                      </p:stCondLst>
+                      <p:childTnLst>
+                        <p:par>
+                          <p:cTn id="20" fill="hold">
+                            <p:stCondLst>
+                              <p:cond delay="0"/>
+                            </p:stCondLst>
+                            <p:childTnLst>
+                              <p:par>
+                                <p:cTn id="21" presetID="1" presetClass="entr" presetSubtype="0" fill="hold" nodeType="clickEffect">
+                                  <p:stCondLst>
+                                    <p:cond delay="0"/>
+                                  </p:stCondLst>
+                                  <p:childTnLst>
+                                    <p:set>
+                                      <p:cBhvr>
+                                        <p:cTn id="22" dur="1" fill="hold">
+                                          <p:stCondLst>
+                                            <p:cond delay="0"/>
+                                          </p:stCondLst>
+                                        </p:cTn>
+                                        <p:tgtEl>
+                                          <p:spTgt spid="3">
+                                            <p:txEl>
+                                              <p:pRg st="4" end="4"/>
+                                            </p:txEl>
+                                          </p:spTgt>
+                                        </p:tgtEl>
+                                        <p:attrNameLst>
+                                          <p:attrName>style.visibility</p:attrName>
+                                        </p:attrNameLst>
+                                      </p:cBhvr>
+                                      <p:to>
+                                        <p:strVal val="visible"/>
+                                      </p:to>
+                                    </p:set>
+                                  </p:childTnLst>
+                                </p:cTn>
+                              </p:par>
+                            </p:childTnLst>
+                          </p:cTn>
+                        </p:par>
+                      </p:childTnLst>
+                    </p:cTn>
+                  </p:par>
+                  <p:par>
+                    <p:cTn id="23" fill="hold">
+                      <p:stCondLst>
+                        <p:cond delay="indefinite"/>
+                      </p:stCondLst>
+                      <p:childTnLst>
+                        <p:par>
+                          <p:cTn id="24" fill="hold">
+                            <p:stCondLst>
+                              <p:cond delay="0"/>
+                            </p:stCondLst>
+                            <p:childTnLst>
+                              <p:par>
+                                <p:cTn id="25" presetID="1" presetClass="entr" presetSubtype="0" fill="hold" nodeType="clickEffect">
+                                  <p:stCondLst>
+                                    <p:cond delay="0"/>
+                                  </p:stCondLst>
+                                  <p:childTnLst>
+                                    <p:set>
+                                      <p:cBhvr>
+                                        <p:cTn id="26" dur="1" fill="hold">
+                                          <p:stCondLst>
+                                            <p:cond delay="0"/>
+                                          </p:stCondLst>
+                                        </p:cTn>
+                                        <p:tgtEl>
+                                          <p:spTgt spid="3">
+                                            <p:txEl>
+                                              <p:pRg st="5" end="5"/>
+                                            </p:txEl>
+                                          </p:spTgt>
+                                        </p:tgtEl>
+                                        <p:attrNameLst>
+                                          <p:attrName>style.visibility</p:attrName>
+                                        </p:attrNameLst>
+                                      </p:cBhvr>
+                                      <p:to>
+                                        <p:strVal val="visible"/>
+                                      </p:to>
+                                    </p:set>
+                                  </p:childTnLst>
+                                </p:cTn>
+                              </p:par>
+                            </p:childTnLst>
+                          </p:cTn>
+                        </p:par>
+                      </p:childTnLst>
+                    </p:cTn>
+                  </p:par>
+                  <p:par>
+                    <p:cTn id="27" fill="hold">
+                      <p:stCondLst>
+                        <p:cond delay="indefinite"/>
+                      </p:stCondLst>
+                      <p:childTnLst>
+                        <p:par>
+                          <p:cTn id="28" fill="hold">
+                            <p:stCondLst>
+                              <p:cond delay="0"/>
+                            </p:stCondLst>
+                            <p:childTnLst>
+                              <p:par>
+                                <p:cTn id="29" presetID="1" presetClass="entr" presetSubtype="0" fill="hold" nodeType="clickEffect">
+                                  <p:stCondLst>
+                                    <p:cond delay="0"/>
+                                  </p:stCondLst>
+                                  <p:childTnLst>
+                                    <p:set>
+                                      <p:cBhvr>
+                                        <p:cTn id="30" dur="1" fill="hold">
+                                          <p:stCondLst>
+                                            <p:cond delay="0"/>
+                                          </p:stCondLst>
+                                        </p:cTn>
+                                        <p:tgtEl>
+                                          <p:spTgt spid="3">
+                                            <p:txEl>
+                                              <p:pRg st="6" end="6"/>
+                                            </p:txEl>
+                                          </p:spTgt>
+                                        </p:tgtEl>
+                                        <p:attrNameLst>
+                                          <p:attrName>style.visibility</p:attrName>
+                                        </p:attrNameLst>
+                                      </p:cBhvr>
+                                      <p:to>
+                                        <p:strVal val="visible"/>
+                                      </p:to>
+                                    </p:set>
+                                  </p:childTnLst>
+                                </p:cTn>
+                              </p:par>
+                            </p:childTnLst>
+                          </p:cTn>
+                        </p:par>
+                      </p:childTnLst>
+                    </p:cTn>
+                  </p:par>
+                  <p:par>
+                    <p:cTn id="31" fill="hold">
+                      <p:stCondLst>
+                        <p:cond delay="indefinite"/>
+                      </p:stCondLst>
+                      <p:childTnLst>
+                        <p:par>
+                          <p:cTn id="32" fill="hold">
+                            <p:stCondLst>
+                              <p:cond delay="0"/>
+                            </p:stCondLst>
+                            <p:childTnLst>
+                              <p:par>
+                                <p:cTn id="33" presetID="1" presetClass="entr" presetSubtype="0" fill="hold" nodeType="clickEffect">
+                                  <p:stCondLst>
+                                    <p:cond delay="0"/>
+                                  </p:stCondLst>
+                                  <p:childTnLst>
+                                    <p:set>
+                                      <p:cBhvr>
+                                        <p:cTn id="34" dur="1" fill="hold">
+                                          <p:stCondLst>
+                                            <p:cond delay="0"/>
+                                          </p:stCondLst>
+                                        </p:cTn>
+                                        <p:tgtEl>
+                                          <p:spTgt spid="3">
+                                            <p:txEl>
+                                              <p:pRg st="7" end="7"/>
+                                            </p:txEl>
+                                          </p:spTgt>
+                                        </p:tgtEl>
+                                        <p:attrNameLst>
+                                          <p:attrName>style.visibility</p:attrName>
+                                        </p:attrNameLst>
+                                      </p:cBhvr>
+                                      <p:to>
+                                        <p:strVal val="visible"/>
+                                      </p:to>
+                                    </p:set>
+                                  </p:childTnLst>
+                                </p:cTn>
+                              </p:par>
+                            </p:childTnLst>
+                          </p:cTn>
+                        </p:par>
+                      </p:childTnLst>
+                    </p:cTn>
+                  </p:par>
+                </p:childTnLst>
+              </p:cTn>
+              <p:prevCondLst>
+                <p:cond evt="onPrev" delay="0">
+                  <p:tgtEl>
+                    <p:sldTgt/>
+                  </p:tgtEl>
+                </p:cond>
+              </p:prevCondLst>
+              <p:nextCondLst>
+                <p:cond evt="onNext" delay="0">
+                  <p:tgtEl>
+                    <p:sldTgt/>
+                  </p:tgtEl>
+                </p:cond>
+              </p:nextCondLst>
+            </p:seq>
+          </p:childTnLst>
+        </p:cTn>
+      </p:par>
+    </p:tnLst>
+  </p:timing>
 </p:sld>
 </file>
 
@@ -10215,13 +10714,13 @@
           <a:p>
             <a:r>
               <a:rPr lang="en-US" dirty="0"/>
-              <a:t>Motivating Example:  Predicting prostate cancer from a PSA test</a:t>
+              <a:t>Motivating Example:  Feature selection in predicting housing prices</a:t>
             </a:r>
           </a:p>
           <a:p>
             <a:r>
               <a:rPr lang="en-US" dirty="0"/>
-              <a:t>Model Selection </a:t>
+              <a:t>Model Selection Problem</a:t>
             </a:r>
           </a:p>
           <a:p>
@@ -10281,7 +10780,7 @@
         </p:nvSpPr>
         <p:spPr>
           <a:xfrm>
-            <a:off x="277473" y="2356361"/>
+            <a:off x="304718" y="2362457"/>
             <a:ext cx="978408" cy="484632"/>
           </a:xfrm>
           <a:prstGeom prst="rightArrow">
@@ -10322,7 +10821,7 @@
     </p:spTree>
     <p:extLst>
       <p:ext uri="{BB962C8B-B14F-4D97-AF65-F5344CB8AC3E}">
-        <p14:creationId xmlns:p14="http://schemas.microsoft.com/office/powerpoint/2010/main" val="3026055136"/>
+        <p14:creationId xmlns:p14="http://schemas.microsoft.com/office/powerpoint/2010/main" val="3385034264"/>
       </p:ext>
     </p:extLst>
   </p:cSld>
@@ -14517,13 +15016,13 @@
           <a:p>
             <a:r>
               <a:rPr lang="en-US" dirty="0"/>
-              <a:t>Motivating Example:  Predicting housing price</a:t>
+              <a:t>Motivating Example:  Feature selection in predicting housing prices</a:t>
             </a:r>
           </a:p>
           <a:p>
             <a:r>
               <a:rPr lang="en-US" dirty="0"/>
-              <a:t>Model Selection </a:t>
+              <a:t>Model Selection Problem</a:t>
             </a:r>
           </a:p>
           <a:p>
@@ -18901,7 +19400,7 @@
           <a:p>
             <a:r>
               <a:rPr lang="en-US" dirty="0"/>
-              <a:t>Predicting Housing Price</a:t>
+              <a:t>Predicting Housing Prices</a:t>
             </a:r>
           </a:p>
         </p:txBody>
@@ -18940,6 +19439,12 @@
           <a:p>
             <a:r>
               <a:rPr lang="en-US" dirty="0"/>
+              <a:t>Data science enter real estate!</a:t>
+            </a:r>
+          </a:p>
+          <a:p>
+            <a:r>
+              <a:rPr lang="en-US" dirty="0"/>
               <a:t>Many possible variables:</a:t>
             </a:r>
           </a:p>
@@ -19017,53 +19522,6 @@
       </p:sp>
       <p:pic>
         <p:nvPicPr>
-          <p:cNvPr id="1026" name="Picture 2">
-            <a:extLst>
-              <a:ext uri="{FF2B5EF4-FFF2-40B4-BE49-F238E27FC236}">
-                <a16:creationId xmlns:a16="http://schemas.microsoft.com/office/drawing/2014/main" id="{E1F46503-4D4A-4641-86B4-1CDF0585CDF8}"/>
-              </a:ext>
-            </a:extLst>
-          </p:cNvPr>
-          <p:cNvPicPr>
-            <a:picLocks noChangeAspect="1" noChangeArrowheads="1"/>
-          </p:cNvPicPr>
-          <p:nvPr/>
-        </p:nvPicPr>
-        <p:blipFill>
-          <a:blip r:embed="rId2">
-            <a:extLst>
-              <a:ext uri="{28A0092B-C50C-407E-A947-70E740481C1C}">
-                <a14:useLocalDpi xmlns:a14="http://schemas.microsoft.com/office/drawing/2010/main" val="0"/>
-              </a:ext>
-            </a:extLst>
-          </a:blip>
-          <a:srcRect/>
-          <a:stretch>
-            <a:fillRect/>
-          </a:stretch>
-        </p:blipFill>
-        <p:spPr bwMode="auto">
-          <a:xfrm>
-            <a:off x="1238530" y="2294320"/>
-            <a:ext cx="3980330" cy="2457854"/>
-          </a:xfrm>
-          <a:prstGeom prst="rect">
-            <a:avLst/>
-          </a:prstGeom>
-          <a:noFill/>
-          <a:extLst>
-            <a:ext uri="{909E8E84-426E-40DD-AFC4-6F175D3DCCD1}">
-              <a14:hiddenFill xmlns:a14="http://schemas.microsoft.com/office/drawing/2010/main">
-                <a:solidFill>
-                  <a:srgbClr val="FFFFFF"/>
-                </a:solidFill>
-              </a14:hiddenFill>
-            </a:ext>
-          </a:extLst>
-        </p:spPr>
-      </p:pic>
-      <p:pic>
-        <p:nvPicPr>
           <p:cNvPr id="5" name="Picture 4">
             <a:extLst>
               <a:ext uri="{FF2B5EF4-FFF2-40B4-BE49-F238E27FC236}">
@@ -19077,7 +19535,7 @@
           <p:nvPr/>
         </p:nvPicPr>
         <p:blipFill>
-          <a:blip r:embed="rId3"/>
+          <a:blip r:embed="rId2"/>
           <a:stretch>
             <a:fillRect/>
           </a:stretch>
@@ -19127,6 +19585,216 @@
           </a:p>
         </p:txBody>
       </p:sp>
+      <p:pic>
+        <p:nvPicPr>
+          <p:cNvPr id="7" name="Picture 6">
+            <a:extLst>
+              <a:ext uri="{FF2B5EF4-FFF2-40B4-BE49-F238E27FC236}">
+                <a16:creationId xmlns:a16="http://schemas.microsoft.com/office/drawing/2014/main" id="{99887328-6EFE-423E-89E1-D41FB49DC0A9}"/>
+              </a:ext>
+            </a:extLst>
+          </p:cNvPr>
+          <p:cNvPicPr>
+            <a:picLocks noChangeAspect="1"/>
+          </p:cNvPicPr>
+          <p:nvPr/>
+        </p:nvPicPr>
+        <p:blipFill>
+          <a:blip r:embed="rId3"/>
+          <a:stretch>
+            <a:fillRect/>
+          </a:stretch>
+        </p:blipFill>
+        <p:spPr>
+          <a:xfrm>
+            <a:off x="6173519" y="5222550"/>
+            <a:ext cx="2517255" cy="715565"/>
+          </a:xfrm>
+          <a:prstGeom prst="rect">
+            <a:avLst/>
+          </a:prstGeom>
+        </p:spPr>
+      </p:pic>
+      <p:pic>
+        <p:nvPicPr>
+          <p:cNvPr id="9" name="Picture 8">
+            <a:extLst>
+              <a:ext uri="{FF2B5EF4-FFF2-40B4-BE49-F238E27FC236}">
+                <a16:creationId xmlns:a16="http://schemas.microsoft.com/office/drawing/2014/main" id="{0B78C86A-759A-46BB-8D6C-38FD2EEAB243}"/>
+              </a:ext>
+            </a:extLst>
+          </p:cNvPr>
+          <p:cNvPicPr>
+            <a:picLocks noChangeAspect="1"/>
+          </p:cNvPicPr>
+          <p:nvPr/>
+        </p:nvPicPr>
+        <p:blipFill>
+          <a:blip r:embed="rId4"/>
+          <a:stretch>
+            <a:fillRect/>
+          </a:stretch>
+        </p:blipFill>
+        <p:spPr>
+          <a:xfrm>
+            <a:off x="8980811" y="5222550"/>
+            <a:ext cx="2226202" cy="715565"/>
+          </a:xfrm>
+          <a:prstGeom prst="rect">
+            <a:avLst/>
+          </a:prstGeom>
+        </p:spPr>
+      </p:pic>
+      <p:grpSp>
+        <p:nvGrpSpPr>
+          <p:cNvPr id="13" name="Group 12">
+            <a:extLst>
+              <a:ext uri="{FF2B5EF4-FFF2-40B4-BE49-F238E27FC236}">
+                <a16:creationId xmlns:a16="http://schemas.microsoft.com/office/drawing/2014/main" id="{14EACC53-3F86-4E9E-8A09-D3A592BC1F84}"/>
+              </a:ext>
+            </a:extLst>
+          </p:cNvPr>
+          <p:cNvGrpSpPr/>
+          <p:nvPr/>
+        </p:nvGrpSpPr>
+        <p:grpSpPr>
+          <a:xfrm>
+            <a:off x="358937" y="2294320"/>
+            <a:ext cx="4859923" cy="2457854"/>
+            <a:chOff x="358937" y="2294320"/>
+            <a:chExt cx="4859923" cy="2457854"/>
+          </a:xfrm>
+        </p:grpSpPr>
+        <p:pic>
+          <p:nvPicPr>
+            <p:cNvPr id="1026" name="Picture 2">
+              <a:extLst>
+                <a:ext uri="{FF2B5EF4-FFF2-40B4-BE49-F238E27FC236}">
+                  <a16:creationId xmlns:a16="http://schemas.microsoft.com/office/drawing/2014/main" id="{E1F46503-4D4A-4641-86B4-1CDF0585CDF8}"/>
+                </a:ext>
+              </a:extLst>
+            </p:cNvPr>
+            <p:cNvPicPr>
+              <a:picLocks noChangeAspect="1" noChangeArrowheads="1"/>
+            </p:cNvPicPr>
+            <p:nvPr/>
+          </p:nvPicPr>
+          <p:blipFill>
+            <a:blip r:embed="rId5">
+              <a:extLst>
+                <a:ext uri="{28A0092B-C50C-407E-A947-70E740481C1C}">
+                  <a14:useLocalDpi xmlns:a14="http://schemas.microsoft.com/office/drawing/2010/main" val="0"/>
+                </a:ext>
+              </a:extLst>
+            </a:blip>
+            <a:srcRect/>
+            <a:stretch>
+              <a:fillRect/>
+            </a:stretch>
+          </p:blipFill>
+          <p:spPr bwMode="auto">
+            <a:xfrm>
+              <a:off x="1238530" y="2294320"/>
+              <a:ext cx="3980330" cy="2457854"/>
+            </a:xfrm>
+            <a:prstGeom prst="rect">
+              <a:avLst/>
+            </a:prstGeom>
+            <a:noFill/>
+            <a:extLst>
+              <a:ext uri="{909E8E84-426E-40DD-AFC4-6F175D3DCCD1}">
+                <a14:hiddenFill xmlns:a14="http://schemas.microsoft.com/office/drawing/2010/main">
+                  <a:solidFill>
+                    <a:srgbClr val="FFFFFF"/>
+                  </a:solidFill>
+                </a14:hiddenFill>
+              </a:ext>
+            </a:extLst>
+          </p:spPr>
+        </p:pic>
+        <p:pic>
+          <p:nvPicPr>
+            <p:cNvPr id="11" name="Picture 10">
+              <a:extLst>
+                <a:ext uri="{FF2B5EF4-FFF2-40B4-BE49-F238E27FC236}">
+                  <a16:creationId xmlns:a16="http://schemas.microsoft.com/office/drawing/2014/main" id="{72A17880-2940-40E0-89DE-A6F6267F91E4}"/>
+                </a:ext>
+              </a:extLst>
+            </p:cNvPr>
+            <p:cNvPicPr>
+              <a:picLocks noChangeAspect="1"/>
+            </p:cNvPicPr>
+            <p:nvPr/>
+          </p:nvPicPr>
+          <p:blipFill>
+            <a:blip r:embed="rId6"/>
+            <a:stretch>
+              <a:fillRect/>
+            </a:stretch>
+          </p:blipFill>
+          <p:spPr>
+            <a:xfrm>
+              <a:off x="358937" y="3892678"/>
+              <a:ext cx="2639881" cy="859496"/>
+            </a:xfrm>
+            <a:prstGeom prst="rect">
+              <a:avLst/>
+            </a:prstGeom>
+          </p:spPr>
+        </p:pic>
+        <p:sp>
+          <p:nvSpPr>
+            <p:cNvPr id="12" name="Rectangle 11">
+              <a:extLst>
+                <a:ext uri="{FF2B5EF4-FFF2-40B4-BE49-F238E27FC236}">
+                  <a16:creationId xmlns:a16="http://schemas.microsoft.com/office/drawing/2014/main" id="{32786FB1-12EA-42D9-8EA8-8F8B30582561}"/>
+                </a:ext>
+              </a:extLst>
+            </p:cNvPr>
+            <p:cNvSpPr/>
+            <p:nvPr/>
+          </p:nvSpPr>
+          <p:spPr>
+            <a:xfrm>
+              <a:off x="1274995" y="4478694"/>
+              <a:ext cx="1356238" cy="273480"/>
+            </a:xfrm>
+            <a:prstGeom prst="rect">
+              <a:avLst/>
+            </a:prstGeom>
+            <a:noFill/>
+            <a:ln>
+              <a:solidFill>
+                <a:srgbClr val="FF0000"/>
+              </a:solidFill>
+            </a:ln>
+          </p:spPr>
+          <p:style>
+            <a:lnRef idx="2">
+              <a:schemeClr val="accent1">
+                <a:shade val="50000"/>
+              </a:schemeClr>
+            </a:lnRef>
+            <a:fillRef idx="1">
+              <a:schemeClr val="accent1"/>
+            </a:fillRef>
+            <a:effectRef idx="0">
+              <a:schemeClr val="accent1"/>
+            </a:effectRef>
+            <a:fontRef idx="minor">
+              <a:schemeClr val="lt1"/>
+            </a:fontRef>
+          </p:style>
+          <p:txBody>
+            <a:bodyPr rtlCol="0" anchor="ctr"/>
+            <a:lstStyle/>
+            <a:p>
+              <a:pPr algn="ctr"/>
+              <a:endParaRPr lang="en-US"/>
+            </a:p>
+          </p:txBody>
+        </p:sp>
+      </p:grpSp>
     </p:spTree>
     <p:extLst>
       <p:ext uri="{BB962C8B-B14F-4D97-AF65-F5344CB8AC3E}">
@@ -19137,6 +19805,619 @@
   <p:clrMapOvr>
     <a:masterClrMapping/>
   </p:clrMapOvr>
+  <p:timing>
+    <p:tnLst>
+      <p:par>
+        <p:cTn id="1" dur="indefinite" restart="never" nodeType="tmRoot">
+          <p:childTnLst>
+            <p:seq concurrent="1" nextAc="seek">
+              <p:cTn id="2" dur="indefinite" nodeType="mainSeq">
+                <p:childTnLst>
+                  <p:par>
+                    <p:cTn id="3" fill="hold">
+                      <p:stCondLst>
+                        <p:cond delay="indefinite"/>
+                      </p:stCondLst>
+                      <p:childTnLst>
+                        <p:par>
+                          <p:cTn id="4" fill="hold">
+                            <p:stCondLst>
+                              <p:cond delay="0"/>
+                            </p:stCondLst>
+                            <p:childTnLst>
+                              <p:par>
+                                <p:cTn id="5" presetID="1" presetClass="entr" presetSubtype="0" fill="hold" nodeType="clickEffect">
+                                  <p:stCondLst>
+                                    <p:cond delay="0"/>
+                                  </p:stCondLst>
+                                  <p:childTnLst>
+                                    <p:set>
+                                      <p:cBhvr>
+                                        <p:cTn id="6" dur="1" fill="hold">
+                                          <p:stCondLst>
+                                            <p:cond delay="0"/>
+                                          </p:stCondLst>
+                                        </p:cTn>
+                                        <p:tgtEl>
+                                          <p:spTgt spid="3">
+                                            <p:txEl>
+                                              <p:pRg st="0" end="0"/>
+                                            </p:txEl>
+                                          </p:spTgt>
+                                        </p:tgtEl>
+                                        <p:attrNameLst>
+                                          <p:attrName>style.visibility</p:attrName>
+                                        </p:attrNameLst>
+                                      </p:cBhvr>
+                                      <p:to>
+                                        <p:strVal val="visible"/>
+                                      </p:to>
+                                    </p:set>
+                                  </p:childTnLst>
+                                </p:cTn>
+                              </p:par>
+                            </p:childTnLst>
+                          </p:cTn>
+                        </p:par>
+                        <p:par>
+                          <p:cTn id="7" fill="hold">
+                            <p:stCondLst>
+                              <p:cond delay="0"/>
+                            </p:stCondLst>
+                            <p:childTnLst>
+                              <p:par>
+                                <p:cTn id="8" presetID="10" presetClass="entr" presetSubtype="0" fill="hold" nodeType="afterEffect">
+                                  <p:stCondLst>
+                                    <p:cond delay="0"/>
+                                  </p:stCondLst>
+                                  <p:childTnLst>
+                                    <p:set>
+                                      <p:cBhvr>
+                                        <p:cTn id="9" dur="1" fill="hold">
+                                          <p:stCondLst>
+                                            <p:cond delay="0"/>
+                                          </p:stCondLst>
+                                        </p:cTn>
+                                        <p:tgtEl>
+                                          <p:spTgt spid="7"/>
+                                        </p:tgtEl>
+                                        <p:attrNameLst>
+                                          <p:attrName>style.visibility</p:attrName>
+                                        </p:attrNameLst>
+                                      </p:cBhvr>
+                                      <p:to>
+                                        <p:strVal val="visible"/>
+                                      </p:to>
+                                    </p:set>
+                                    <p:animEffect transition="in" filter="fade">
+                                      <p:cBhvr>
+                                        <p:cTn id="10" dur="500"/>
+                                        <p:tgtEl>
+                                          <p:spTgt spid="7"/>
+                                        </p:tgtEl>
+                                      </p:cBhvr>
+                                    </p:animEffect>
+                                  </p:childTnLst>
+                                </p:cTn>
+                              </p:par>
+                            </p:childTnLst>
+                          </p:cTn>
+                        </p:par>
+                        <p:par>
+                          <p:cTn id="11" fill="hold">
+                            <p:stCondLst>
+                              <p:cond delay="500"/>
+                            </p:stCondLst>
+                            <p:childTnLst>
+                              <p:par>
+                                <p:cTn id="12" presetID="10" presetClass="entr" presetSubtype="0" fill="hold" nodeType="afterEffect">
+                                  <p:stCondLst>
+                                    <p:cond delay="0"/>
+                                  </p:stCondLst>
+                                  <p:childTnLst>
+                                    <p:set>
+                                      <p:cBhvr>
+                                        <p:cTn id="13" dur="1" fill="hold">
+                                          <p:stCondLst>
+                                            <p:cond delay="0"/>
+                                          </p:stCondLst>
+                                        </p:cTn>
+                                        <p:tgtEl>
+                                          <p:spTgt spid="9"/>
+                                        </p:tgtEl>
+                                        <p:attrNameLst>
+                                          <p:attrName>style.visibility</p:attrName>
+                                        </p:attrNameLst>
+                                      </p:cBhvr>
+                                      <p:to>
+                                        <p:strVal val="visible"/>
+                                      </p:to>
+                                    </p:set>
+                                    <p:animEffect transition="in" filter="fade">
+                                      <p:cBhvr>
+                                        <p:cTn id="14" dur="500"/>
+                                        <p:tgtEl>
+                                          <p:spTgt spid="9"/>
+                                        </p:tgtEl>
+                                      </p:cBhvr>
+                                    </p:animEffect>
+                                  </p:childTnLst>
+                                </p:cTn>
+                              </p:par>
+                            </p:childTnLst>
+                          </p:cTn>
+                        </p:par>
+                      </p:childTnLst>
+                    </p:cTn>
+                  </p:par>
+                  <p:par>
+                    <p:cTn id="15" fill="hold">
+                      <p:stCondLst>
+                        <p:cond delay="indefinite"/>
+                      </p:stCondLst>
+                      <p:childTnLst>
+                        <p:par>
+                          <p:cTn id="16" fill="hold">
+                            <p:stCondLst>
+                              <p:cond delay="0"/>
+                            </p:stCondLst>
+                            <p:childTnLst>
+                              <p:par>
+                                <p:cTn id="17" presetID="10" presetClass="entr" presetSubtype="0" fill="hold" nodeType="clickEffect">
+                                  <p:stCondLst>
+                                    <p:cond delay="0"/>
+                                  </p:stCondLst>
+                                  <p:childTnLst>
+                                    <p:set>
+                                      <p:cBhvr>
+                                        <p:cTn id="18" dur="1" fill="hold">
+                                          <p:stCondLst>
+                                            <p:cond delay="0"/>
+                                          </p:stCondLst>
+                                        </p:cTn>
+                                        <p:tgtEl>
+                                          <p:spTgt spid="13"/>
+                                        </p:tgtEl>
+                                        <p:attrNameLst>
+                                          <p:attrName>style.visibility</p:attrName>
+                                        </p:attrNameLst>
+                                      </p:cBhvr>
+                                      <p:to>
+                                        <p:strVal val="visible"/>
+                                      </p:to>
+                                    </p:set>
+                                    <p:animEffect transition="in" filter="fade">
+                                      <p:cBhvr>
+                                        <p:cTn id="19" dur="500"/>
+                                        <p:tgtEl>
+                                          <p:spTgt spid="13"/>
+                                        </p:tgtEl>
+                                      </p:cBhvr>
+                                    </p:animEffect>
+                                  </p:childTnLst>
+                                </p:cTn>
+                              </p:par>
+                            </p:childTnLst>
+                          </p:cTn>
+                        </p:par>
+                      </p:childTnLst>
+                    </p:cTn>
+                  </p:par>
+                  <p:par>
+                    <p:cTn id="20" fill="hold">
+                      <p:stCondLst>
+                        <p:cond delay="indefinite"/>
+                      </p:stCondLst>
+                      <p:childTnLst>
+                        <p:par>
+                          <p:cTn id="21" fill="hold">
+                            <p:stCondLst>
+                              <p:cond delay="0"/>
+                            </p:stCondLst>
+                            <p:childTnLst>
+                              <p:par>
+                                <p:cTn id="22" presetID="1" presetClass="entr" presetSubtype="0" fill="hold" nodeType="clickEffect">
+                                  <p:stCondLst>
+                                    <p:cond delay="0"/>
+                                  </p:stCondLst>
+                                  <p:childTnLst>
+                                    <p:set>
+                                      <p:cBhvr>
+                                        <p:cTn id="23" dur="1" fill="hold">
+                                          <p:stCondLst>
+                                            <p:cond delay="0"/>
+                                          </p:stCondLst>
+                                        </p:cTn>
+                                        <p:tgtEl>
+                                          <p:spTgt spid="3">
+                                            <p:txEl>
+                                              <p:pRg st="1" end="1"/>
+                                            </p:txEl>
+                                          </p:spTgt>
+                                        </p:tgtEl>
+                                        <p:attrNameLst>
+                                          <p:attrName>style.visibility</p:attrName>
+                                        </p:attrNameLst>
+                                      </p:cBhvr>
+                                      <p:to>
+                                        <p:strVal val="visible"/>
+                                      </p:to>
+                                    </p:set>
+                                  </p:childTnLst>
+                                </p:cTn>
+                              </p:par>
+                            </p:childTnLst>
+                          </p:cTn>
+                        </p:par>
+                        <p:par>
+                          <p:cTn id="24" fill="hold">
+                            <p:stCondLst>
+                              <p:cond delay="0"/>
+                            </p:stCondLst>
+                            <p:childTnLst>
+                              <p:par>
+                                <p:cTn id="25" presetID="10" presetClass="entr" presetSubtype="0" fill="hold" nodeType="afterEffect">
+                                  <p:stCondLst>
+                                    <p:cond delay="0"/>
+                                  </p:stCondLst>
+                                  <p:childTnLst>
+                                    <p:set>
+                                      <p:cBhvr>
+                                        <p:cTn id="26" dur="1" fill="hold">
+                                          <p:stCondLst>
+                                            <p:cond delay="0"/>
+                                          </p:stCondLst>
+                                        </p:cTn>
+                                        <p:tgtEl>
+                                          <p:spTgt spid="5"/>
+                                        </p:tgtEl>
+                                        <p:attrNameLst>
+                                          <p:attrName>style.visibility</p:attrName>
+                                        </p:attrNameLst>
+                                      </p:cBhvr>
+                                      <p:to>
+                                        <p:strVal val="visible"/>
+                                      </p:to>
+                                    </p:set>
+                                    <p:animEffect transition="in" filter="fade">
+                                      <p:cBhvr>
+                                        <p:cTn id="27" dur="500"/>
+                                        <p:tgtEl>
+                                          <p:spTgt spid="5"/>
+                                        </p:tgtEl>
+                                      </p:cBhvr>
+                                    </p:animEffect>
+                                  </p:childTnLst>
+                                </p:cTn>
+                              </p:par>
+                            </p:childTnLst>
+                          </p:cTn>
+                        </p:par>
+                        <p:par>
+                          <p:cTn id="28" fill="hold">
+                            <p:stCondLst>
+                              <p:cond delay="500"/>
+                            </p:stCondLst>
+                            <p:childTnLst>
+                              <p:par>
+                                <p:cTn id="29" presetID="10" presetClass="entr" presetSubtype="0" fill="hold" grpId="0" nodeType="afterEffect">
+                                  <p:stCondLst>
+                                    <p:cond delay="0"/>
+                                  </p:stCondLst>
+                                  <p:childTnLst>
+                                    <p:set>
+                                      <p:cBhvr>
+                                        <p:cTn id="30" dur="1" fill="hold">
+                                          <p:stCondLst>
+                                            <p:cond delay="0"/>
+                                          </p:stCondLst>
+                                        </p:cTn>
+                                        <p:tgtEl>
+                                          <p:spTgt spid="8"/>
+                                        </p:tgtEl>
+                                        <p:attrNameLst>
+                                          <p:attrName>style.visibility</p:attrName>
+                                        </p:attrNameLst>
+                                      </p:cBhvr>
+                                      <p:to>
+                                        <p:strVal val="visible"/>
+                                      </p:to>
+                                    </p:set>
+                                    <p:animEffect transition="in" filter="fade">
+                                      <p:cBhvr>
+                                        <p:cTn id="31" dur="500"/>
+                                        <p:tgtEl>
+                                          <p:spTgt spid="8"/>
+                                        </p:tgtEl>
+                                      </p:cBhvr>
+                                    </p:animEffect>
+                                  </p:childTnLst>
+                                </p:cTn>
+                              </p:par>
+                            </p:childTnLst>
+                          </p:cTn>
+                        </p:par>
+                      </p:childTnLst>
+                    </p:cTn>
+                  </p:par>
+                  <p:par>
+                    <p:cTn id="32" fill="hold">
+                      <p:stCondLst>
+                        <p:cond delay="indefinite"/>
+                      </p:stCondLst>
+                      <p:childTnLst>
+                        <p:par>
+                          <p:cTn id="33" fill="hold">
+                            <p:stCondLst>
+                              <p:cond delay="0"/>
+                            </p:stCondLst>
+                            <p:childTnLst>
+                              <p:par>
+                                <p:cTn id="34" presetID="1" presetClass="entr" presetSubtype="0" fill="hold" nodeType="clickEffect">
+                                  <p:stCondLst>
+                                    <p:cond delay="0"/>
+                                  </p:stCondLst>
+                                  <p:childTnLst>
+                                    <p:set>
+                                      <p:cBhvr>
+                                        <p:cTn id="35" dur="1" fill="hold">
+                                          <p:stCondLst>
+                                            <p:cond delay="0"/>
+                                          </p:stCondLst>
+                                        </p:cTn>
+                                        <p:tgtEl>
+                                          <p:spTgt spid="3">
+                                            <p:txEl>
+                                              <p:pRg st="2" end="2"/>
+                                            </p:txEl>
+                                          </p:spTgt>
+                                        </p:tgtEl>
+                                        <p:attrNameLst>
+                                          <p:attrName>style.visibility</p:attrName>
+                                        </p:attrNameLst>
+                                      </p:cBhvr>
+                                      <p:to>
+                                        <p:strVal val="visible"/>
+                                      </p:to>
+                                    </p:set>
+                                  </p:childTnLst>
+                                </p:cTn>
+                              </p:par>
+                              <p:par>
+                                <p:cTn id="36" presetID="1" presetClass="entr" presetSubtype="0" fill="hold" nodeType="withEffect">
+                                  <p:stCondLst>
+                                    <p:cond delay="0"/>
+                                  </p:stCondLst>
+                                  <p:childTnLst>
+                                    <p:set>
+                                      <p:cBhvr>
+                                        <p:cTn id="37" dur="1" fill="hold">
+                                          <p:stCondLst>
+                                            <p:cond delay="0"/>
+                                          </p:stCondLst>
+                                        </p:cTn>
+                                        <p:tgtEl>
+                                          <p:spTgt spid="3">
+                                            <p:txEl>
+                                              <p:pRg st="3" end="3"/>
+                                            </p:txEl>
+                                          </p:spTgt>
+                                        </p:tgtEl>
+                                        <p:attrNameLst>
+                                          <p:attrName>style.visibility</p:attrName>
+                                        </p:attrNameLst>
+                                      </p:cBhvr>
+                                      <p:to>
+                                        <p:strVal val="visible"/>
+                                      </p:to>
+                                    </p:set>
+                                  </p:childTnLst>
+                                </p:cTn>
+                              </p:par>
+                              <p:par>
+                                <p:cTn id="38" presetID="1" presetClass="entr" presetSubtype="0" fill="hold" nodeType="withEffect">
+                                  <p:stCondLst>
+                                    <p:cond delay="0"/>
+                                  </p:stCondLst>
+                                  <p:childTnLst>
+                                    <p:set>
+                                      <p:cBhvr>
+                                        <p:cTn id="39" dur="1" fill="hold">
+                                          <p:stCondLst>
+                                            <p:cond delay="0"/>
+                                          </p:stCondLst>
+                                        </p:cTn>
+                                        <p:tgtEl>
+                                          <p:spTgt spid="3">
+                                            <p:txEl>
+                                              <p:pRg st="4" end="4"/>
+                                            </p:txEl>
+                                          </p:spTgt>
+                                        </p:tgtEl>
+                                        <p:attrNameLst>
+                                          <p:attrName>style.visibility</p:attrName>
+                                        </p:attrNameLst>
+                                      </p:cBhvr>
+                                      <p:to>
+                                        <p:strVal val="visible"/>
+                                      </p:to>
+                                    </p:set>
+                                  </p:childTnLst>
+                                </p:cTn>
+                              </p:par>
+                              <p:par>
+                                <p:cTn id="40" presetID="1" presetClass="entr" presetSubtype="0" fill="hold" nodeType="withEffect">
+                                  <p:stCondLst>
+                                    <p:cond delay="0"/>
+                                  </p:stCondLst>
+                                  <p:childTnLst>
+                                    <p:set>
+                                      <p:cBhvr>
+                                        <p:cTn id="41" dur="1" fill="hold">
+                                          <p:stCondLst>
+                                            <p:cond delay="0"/>
+                                          </p:stCondLst>
+                                        </p:cTn>
+                                        <p:tgtEl>
+                                          <p:spTgt spid="3">
+                                            <p:txEl>
+                                              <p:pRg st="5" end="5"/>
+                                            </p:txEl>
+                                          </p:spTgt>
+                                        </p:tgtEl>
+                                        <p:attrNameLst>
+                                          <p:attrName>style.visibility</p:attrName>
+                                        </p:attrNameLst>
+                                      </p:cBhvr>
+                                      <p:to>
+                                        <p:strVal val="visible"/>
+                                      </p:to>
+                                    </p:set>
+                                  </p:childTnLst>
+                                </p:cTn>
+                              </p:par>
+                              <p:par>
+                                <p:cTn id="42" presetID="1" presetClass="entr" presetSubtype="0" fill="hold" nodeType="withEffect">
+                                  <p:stCondLst>
+                                    <p:cond delay="0"/>
+                                  </p:stCondLst>
+                                  <p:childTnLst>
+                                    <p:set>
+                                      <p:cBhvr>
+                                        <p:cTn id="43" dur="1" fill="hold">
+                                          <p:stCondLst>
+                                            <p:cond delay="0"/>
+                                          </p:stCondLst>
+                                        </p:cTn>
+                                        <p:tgtEl>
+                                          <p:spTgt spid="3">
+                                            <p:txEl>
+                                              <p:pRg st="6" end="6"/>
+                                            </p:txEl>
+                                          </p:spTgt>
+                                        </p:tgtEl>
+                                        <p:attrNameLst>
+                                          <p:attrName>style.visibility</p:attrName>
+                                        </p:attrNameLst>
+                                      </p:cBhvr>
+                                      <p:to>
+                                        <p:strVal val="visible"/>
+                                      </p:to>
+                                    </p:set>
+                                  </p:childTnLst>
+                                </p:cTn>
+                              </p:par>
+                              <p:par>
+                                <p:cTn id="44" presetID="1" presetClass="entr" presetSubtype="0" fill="hold" nodeType="withEffect">
+                                  <p:stCondLst>
+                                    <p:cond delay="0"/>
+                                  </p:stCondLst>
+                                  <p:childTnLst>
+                                    <p:set>
+                                      <p:cBhvr>
+                                        <p:cTn id="45" dur="1" fill="hold">
+                                          <p:stCondLst>
+                                            <p:cond delay="0"/>
+                                          </p:stCondLst>
+                                        </p:cTn>
+                                        <p:tgtEl>
+                                          <p:spTgt spid="3">
+                                            <p:txEl>
+                                              <p:pRg st="7" end="7"/>
+                                            </p:txEl>
+                                          </p:spTgt>
+                                        </p:tgtEl>
+                                        <p:attrNameLst>
+                                          <p:attrName>style.visibility</p:attrName>
+                                        </p:attrNameLst>
+                                      </p:cBhvr>
+                                      <p:to>
+                                        <p:strVal val="visible"/>
+                                      </p:to>
+                                    </p:set>
+                                  </p:childTnLst>
+                                </p:cTn>
+                              </p:par>
+                            </p:childTnLst>
+                          </p:cTn>
+                        </p:par>
+                      </p:childTnLst>
+                    </p:cTn>
+                  </p:par>
+                  <p:par>
+                    <p:cTn id="46" fill="hold">
+                      <p:stCondLst>
+                        <p:cond delay="indefinite"/>
+                      </p:stCondLst>
+                      <p:childTnLst>
+                        <p:par>
+                          <p:cTn id="47" fill="hold">
+                            <p:stCondLst>
+                              <p:cond delay="0"/>
+                            </p:stCondLst>
+                            <p:childTnLst>
+                              <p:par>
+                                <p:cTn id="48" presetID="1" presetClass="entr" presetSubtype="0" fill="hold" nodeType="clickEffect">
+                                  <p:stCondLst>
+                                    <p:cond delay="0"/>
+                                  </p:stCondLst>
+                                  <p:childTnLst>
+                                    <p:set>
+                                      <p:cBhvr>
+                                        <p:cTn id="49" dur="1" fill="hold">
+                                          <p:stCondLst>
+                                            <p:cond delay="0"/>
+                                          </p:stCondLst>
+                                        </p:cTn>
+                                        <p:tgtEl>
+                                          <p:spTgt spid="3">
+                                            <p:txEl>
+                                              <p:pRg st="8" end="8"/>
+                                            </p:txEl>
+                                          </p:spTgt>
+                                        </p:tgtEl>
+                                        <p:attrNameLst>
+                                          <p:attrName>style.visibility</p:attrName>
+                                        </p:attrNameLst>
+                                      </p:cBhvr>
+                                      <p:to>
+                                        <p:strVal val="visible"/>
+                                      </p:to>
+                                    </p:set>
+                                  </p:childTnLst>
+                                </p:cTn>
+                              </p:par>
+                            </p:childTnLst>
+                          </p:cTn>
+                        </p:par>
+                      </p:childTnLst>
+                    </p:cTn>
+                  </p:par>
+                </p:childTnLst>
+              </p:cTn>
+              <p:prevCondLst>
+                <p:cond evt="onPrev" delay="0">
+                  <p:tgtEl>
+                    <p:sldTgt/>
+                  </p:tgtEl>
+                </p:cond>
+              </p:prevCondLst>
+              <p:nextCondLst>
+                <p:cond evt="onNext" delay="0">
+                  <p:tgtEl>
+                    <p:sldTgt/>
+                  </p:tgtEl>
+                </p:cond>
+              </p:nextCondLst>
+            </p:seq>
+          </p:childTnLst>
+        </p:cTn>
+      </p:par>
+    </p:tnLst>
+    <p:bldLst>
+      <p:bldP spid="8" grpId="0"/>
+    </p:bldLst>
+  </p:timing>
 </p:sld>
 </file>
 
@@ -26273,7 +27554,7 @@
             <a:pPr lvl="1"/>
             <a:r>
               <a:rPr lang="en-US" dirty="0"/>
-              <a:t>2011</a:t>
+              <a:t>Sales from 2006 to 2010</a:t>
             </a:r>
           </a:p>
           <a:p>

--- a/lectures/Lect05_Lasso.pptx
+++ b/lectures/Lect05_Lasso.pptx
@@ -10,7 +10,7 @@
   <p:sldIdLst>
     <p:sldId id="258" r:id="rId2"/>
     <p:sldId id="275" r:id="rId3"/>
-    <p:sldId id="437" r:id="rId4"/>
+    <p:sldId id="452" r:id="rId4"/>
     <p:sldId id="419" r:id="rId5"/>
     <p:sldId id="420" r:id="rId6"/>
     <p:sldId id="421" r:id="rId7"/>
@@ -24,7 +24,7 @@
     <p:sldId id="428" r:id="rId15"/>
     <p:sldId id="429" r:id="rId16"/>
     <p:sldId id="431" r:id="rId17"/>
-    <p:sldId id="432" r:id="rId18"/>
+    <p:sldId id="451" r:id="rId18"/>
     <p:sldId id="364" r:id="rId19"/>
     <p:sldId id="363" r:id="rId20"/>
     <p:sldId id="365" r:id="rId21"/>
@@ -891,7 +891,7 @@
     </p:spTree>
     <p:extLst>
       <p:ext uri="{BB962C8B-B14F-4D97-AF65-F5344CB8AC3E}">
-        <p14:creationId xmlns:p14="http://schemas.microsoft.com/office/powerpoint/2010/main" val="4025541435"/>
+        <p14:creationId xmlns:p14="http://schemas.microsoft.com/office/powerpoint/2010/main" val="949080768"/>
       </p:ext>
     </p:extLst>
   </p:cSld>
@@ -975,7 +975,7 @@
     </p:spTree>
     <p:extLst>
       <p:ext uri="{BB962C8B-B14F-4D97-AF65-F5344CB8AC3E}">
-        <p14:creationId xmlns:p14="http://schemas.microsoft.com/office/powerpoint/2010/main" val="4048747988"/>
+        <p14:creationId xmlns:p14="http://schemas.microsoft.com/office/powerpoint/2010/main" val="3674747539"/>
       </p:ext>
     </p:extLst>
   </p:cSld>
@@ -7444,7 +7444,7 @@
           <a:p>
             <a:r>
               <a:rPr lang="en-US" dirty="0"/>
-              <a:t>Housing prices prediction in python</a:t>
+              <a:t>Housing prices prediction with LASSO</a:t>
             </a:r>
           </a:p>
           <a:p>
@@ -7504,7 +7504,7 @@
         </p:nvSpPr>
         <p:spPr>
           <a:xfrm>
-            <a:off x="314049" y="1914587"/>
+            <a:off x="304718" y="1895926"/>
             <a:ext cx="978408" cy="484632"/>
           </a:xfrm>
           <a:prstGeom prst="rightArrow">
@@ -7545,7 +7545,7 @@
     </p:spTree>
     <p:extLst>
       <p:ext uri="{BB962C8B-B14F-4D97-AF65-F5344CB8AC3E}">
-        <p14:creationId xmlns:p14="http://schemas.microsoft.com/office/powerpoint/2010/main" val="3788547181"/>
+        <p14:creationId xmlns:p14="http://schemas.microsoft.com/office/powerpoint/2010/main" val="2281500447"/>
       </p:ext>
     </p:extLst>
   </p:cSld>
@@ -8079,35 +8079,6 @@
           </a:p>
         </p:txBody>
       </p:sp>
-      <p:pic>
-        <p:nvPicPr>
-          <p:cNvPr id="7" name="Picture 6">
-            <a:extLst>
-              <a:ext uri="{FF2B5EF4-FFF2-40B4-BE49-F238E27FC236}">
-                <a16:creationId xmlns:a16="http://schemas.microsoft.com/office/drawing/2014/main" id="{A708641F-0817-4B1B-9EC4-9E86647F53BB}"/>
-              </a:ext>
-            </a:extLst>
-          </p:cNvPr>
-          <p:cNvPicPr>
-            <a:picLocks noChangeAspect="1"/>
-          </p:cNvPicPr>
-          <p:nvPr/>
-        </p:nvPicPr>
-        <p:blipFill rotWithShape="1">
-          <a:blip r:embed="rId3"/>
-          <a:srcRect l="-1" t="21256" r="527" b="12792"/>
-          <a:stretch/>
-        </p:blipFill>
-        <p:spPr>
-          <a:xfrm>
-            <a:off x="2213560" y="1528140"/>
-            <a:ext cx="6728560" cy="1175657"/>
-          </a:xfrm>
-          <a:prstGeom prst="rect">
-            <a:avLst/>
-          </a:prstGeom>
-        </p:spPr>
-      </p:pic>
       <p:sp>
         <p:nvSpPr>
           <p:cNvPr id="8" name="TextBox 7">
@@ -8143,6 +8114,36 @@
           </a:p>
         </p:txBody>
       </p:sp>
+      <p:pic>
+        <p:nvPicPr>
+          <p:cNvPr id="6" name="Picture 5">
+            <a:extLst>
+              <a:ext uri="{FF2B5EF4-FFF2-40B4-BE49-F238E27FC236}">
+                <a16:creationId xmlns:a16="http://schemas.microsoft.com/office/drawing/2014/main" id="{8CC3010A-1209-4B23-90B8-378834DF7471}"/>
+              </a:ext>
+            </a:extLst>
+          </p:cNvPr>
+          <p:cNvPicPr>
+            <a:picLocks noChangeAspect="1"/>
+          </p:cNvPicPr>
+          <p:nvPr/>
+        </p:nvPicPr>
+        <p:blipFill>
+          <a:blip r:embed="rId3"/>
+          <a:stretch>
+            <a:fillRect/>
+          </a:stretch>
+        </p:blipFill>
+        <p:spPr>
+          <a:xfrm>
+            <a:off x="1097280" y="1460932"/>
+            <a:ext cx="7720150" cy="1402871"/>
+          </a:xfrm>
+          <a:prstGeom prst="rect">
+            <a:avLst/>
+          </a:prstGeom>
+        </p:spPr>
+      </p:pic>
     </p:spTree>
     <p:extLst>
       <p:ext uri="{BB962C8B-B14F-4D97-AF65-F5344CB8AC3E}">
@@ -9748,7 +9749,18 @@
           <a:p>
             <a:r>
               <a:rPr lang="en-US" dirty="0"/>
-              <a:t>Mathematically describe linear regression with regularization</a:t>
+              <a:t>Mathematically describe linear regression with </a:t>
+            </a:r>
+            <a:r>
+              <a:rPr lang="en-US" dirty="0">
+                <a:solidFill>
+                  <a:schemeClr val="accent1">
+                    <a:lumMod val="60000"/>
+                    <a:lumOff val="40000"/>
+                  </a:schemeClr>
+                </a:solidFill>
+              </a:rPr>
+              <a:t>regularization</a:t>
             </a:r>
           </a:p>
           <a:p>
@@ -9762,7 +9774,7 @@
             </a:r>
             <a:r>
               <a:rPr lang="en-US" dirty="0"/>
-              <a:t> to impose constraints</a:t>
+              <a:t> to impose constraints such as sparsity</a:t>
             </a:r>
           </a:p>
           <a:p>
@@ -18229,7 +18241,7 @@
           <a:p>
             <a:r>
               <a:rPr lang="en-US" dirty="0"/>
-              <a:t>Housing prices prediction in python</a:t>
+              <a:t>Housing prices prediction with LASSO</a:t>
             </a:r>
           </a:p>
           <a:p>
@@ -18289,7 +18301,7 @@
         </p:nvSpPr>
         <p:spPr>
           <a:xfrm>
-            <a:off x="332710" y="1448057"/>
+            <a:off x="351371" y="1448056"/>
             <a:ext cx="978408" cy="484632"/>
           </a:xfrm>
           <a:prstGeom prst="rightArrow">
@@ -18330,7 +18342,7 @@
     </p:spTree>
     <p:extLst>
       <p:ext uri="{BB962C8B-B14F-4D97-AF65-F5344CB8AC3E}">
-        <p14:creationId xmlns:p14="http://schemas.microsoft.com/office/powerpoint/2010/main" val="1031420377"/>
+        <p14:creationId xmlns:p14="http://schemas.microsoft.com/office/powerpoint/2010/main" val="3827798134"/>
       </p:ext>
     </p:extLst>
   </p:cSld>
